--- a/SystemArchitecture and Wireframe.pptx
+++ b/SystemArchitecture and Wireframe.pptx
@@ -4,9 +4,15 @@
   <p:sldMasterIdLst>
     <p:sldMasterId id="2147483648" r:id="rId1"/>
   </p:sldMasterIdLst>
+  <p:notesMasterIdLst>
+    <p:notesMasterId r:id="rId7"/>
+  </p:notesMasterIdLst>
   <p:sldIdLst>
     <p:sldId id="256" r:id="rId2"/>
-    <p:sldId id="257" r:id="rId3"/>
+    <p:sldId id="262" r:id="rId3"/>
+    <p:sldId id="261" r:id="rId4"/>
+    <p:sldId id="263" r:id="rId5"/>
+    <p:sldId id="264" r:id="rId6"/>
   </p:sldIdLst>
   <p:sldSz cx="9144000" cy="6858000" type="screen4x3"/>
   <p:notesSz cx="6858000" cy="9144000"/>
@@ -108,6 +114,524 @@
 </p:presentation>
 </file>
 
+<file path=ppt/notesMasters/notesMaster1.xml><?xml version="1.0" encoding="utf-8"?>
+<p:notesMaster xmlns:a="http://schemas.openxmlformats.org/drawingml/2006/main" xmlns:r="http://schemas.openxmlformats.org/officeDocument/2006/relationships" xmlns:p="http://schemas.openxmlformats.org/presentationml/2006/main">
+  <p:cSld>
+    <p:bg>
+      <p:bgRef idx="1001">
+        <a:schemeClr val="bg1"/>
+      </p:bgRef>
+    </p:bg>
+    <p:spTree>
+      <p:nvGrpSpPr>
+        <p:cNvPr id="1" name=""/>
+        <p:cNvGrpSpPr/>
+        <p:nvPr/>
+      </p:nvGrpSpPr>
+      <p:grpSpPr>
+        <a:xfrm>
+          <a:off x="0" y="0"/>
+          <a:ext cx="0" cy="0"/>
+          <a:chOff x="0" y="0"/>
+          <a:chExt cx="0" cy="0"/>
+        </a:xfrm>
+      </p:grpSpPr>
+      <p:sp>
+        <p:nvSpPr>
+          <p:cNvPr id="2" name="Header Placeholder 1"/>
+          <p:cNvSpPr>
+            <a:spLocks noGrp="1"/>
+          </p:cNvSpPr>
+          <p:nvPr>
+            <p:ph type="hdr" sz="quarter"/>
+          </p:nvPr>
+        </p:nvSpPr>
+        <p:spPr>
+          <a:xfrm>
+            <a:off x="0" y="0"/>
+            <a:ext cx="2971800" cy="457200"/>
+          </a:xfrm>
+          <a:prstGeom prst="rect">
+            <a:avLst/>
+          </a:prstGeom>
+        </p:spPr>
+        <p:txBody>
+          <a:bodyPr vert="horz" lIns="91440" tIns="45720" rIns="91440" bIns="45720" rtlCol="0"/>
+          <a:lstStyle>
+            <a:lvl1pPr algn="l">
+              <a:defRPr sz="1200"/>
+            </a:lvl1pPr>
+          </a:lstStyle>
+          <a:p>
+            <a:endParaRPr lang="en-GB"/>
+          </a:p>
+        </p:txBody>
+      </p:sp>
+      <p:sp>
+        <p:nvSpPr>
+          <p:cNvPr id="3" name="Date Placeholder 2"/>
+          <p:cNvSpPr>
+            <a:spLocks noGrp="1"/>
+          </p:cNvSpPr>
+          <p:nvPr>
+            <p:ph type="dt" idx="1"/>
+          </p:nvPr>
+        </p:nvSpPr>
+        <p:spPr>
+          <a:xfrm>
+            <a:off x="3884613" y="0"/>
+            <a:ext cx="2971800" cy="457200"/>
+          </a:xfrm>
+          <a:prstGeom prst="rect">
+            <a:avLst/>
+          </a:prstGeom>
+        </p:spPr>
+        <p:txBody>
+          <a:bodyPr vert="horz" lIns="91440" tIns="45720" rIns="91440" bIns="45720" rtlCol="0"/>
+          <a:lstStyle>
+            <a:lvl1pPr algn="r">
+              <a:defRPr sz="1200"/>
+            </a:lvl1pPr>
+          </a:lstStyle>
+          <a:p>
+            <a:fld id="{3E35EE67-39CE-4C46-A4DD-6C58DEC59B32}" type="datetimeFigureOut">
+              <a:rPr lang="en-GB" smtClean="0"/>
+              <a:t>17/02/2017</a:t>
+            </a:fld>
+            <a:endParaRPr lang="en-GB"/>
+          </a:p>
+        </p:txBody>
+      </p:sp>
+      <p:sp>
+        <p:nvSpPr>
+          <p:cNvPr id="4" name="Slide Image Placeholder 3"/>
+          <p:cNvSpPr>
+            <a:spLocks noGrp="1" noRot="1" noChangeAspect="1"/>
+          </p:cNvSpPr>
+          <p:nvPr>
+            <p:ph type="sldImg" idx="2"/>
+          </p:nvPr>
+        </p:nvSpPr>
+        <p:spPr>
+          <a:xfrm>
+            <a:off x="1143000" y="685800"/>
+            <a:ext cx="4572000" cy="3429000"/>
+          </a:xfrm>
+          <a:prstGeom prst="rect">
+            <a:avLst/>
+          </a:prstGeom>
+          <a:noFill/>
+          <a:ln w="12700">
+            <a:solidFill>
+              <a:prstClr val="black"/>
+            </a:solidFill>
+          </a:ln>
+        </p:spPr>
+        <p:txBody>
+          <a:bodyPr vert="horz" lIns="91440" tIns="45720" rIns="91440" bIns="45720" rtlCol="0" anchor="ctr"/>
+          <a:lstStyle/>
+          <a:p>
+            <a:endParaRPr lang="en-GB"/>
+          </a:p>
+        </p:txBody>
+      </p:sp>
+      <p:sp>
+        <p:nvSpPr>
+          <p:cNvPr id="5" name="Notes Placeholder 4"/>
+          <p:cNvSpPr>
+            <a:spLocks noGrp="1"/>
+          </p:cNvSpPr>
+          <p:nvPr>
+            <p:ph type="body" sz="quarter" idx="3"/>
+          </p:nvPr>
+        </p:nvSpPr>
+        <p:spPr>
+          <a:xfrm>
+            <a:off x="685800" y="4343400"/>
+            <a:ext cx="5486400" cy="4114800"/>
+          </a:xfrm>
+          <a:prstGeom prst="rect">
+            <a:avLst/>
+          </a:prstGeom>
+        </p:spPr>
+        <p:txBody>
+          <a:bodyPr vert="horz" lIns="91440" tIns="45720" rIns="91440" bIns="45720" rtlCol="0"/>
+          <a:lstStyle/>
+          <a:p>
+            <a:pPr lvl="0"/>
+            <a:r>
+              <a:rPr lang="en-US" smtClean="0"/>
+              <a:t>Click to edit Master text styles</a:t>
+            </a:r>
+          </a:p>
+          <a:p>
+            <a:pPr lvl="1"/>
+            <a:r>
+              <a:rPr lang="en-US" smtClean="0"/>
+              <a:t>Second level</a:t>
+            </a:r>
+          </a:p>
+          <a:p>
+            <a:pPr lvl="2"/>
+            <a:r>
+              <a:rPr lang="en-US" smtClean="0"/>
+              <a:t>Third level</a:t>
+            </a:r>
+          </a:p>
+          <a:p>
+            <a:pPr lvl="3"/>
+            <a:r>
+              <a:rPr lang="en-US" smtClean="0"/>
+              <a:t>Fourth level</a:t>
+            </a:r>
+          </a:p>
+          <a:p>
+            <a:pPr lvl="4"/>
+            <a:r>
+              <a:rPr lang="en-US" smtClean="0"/>
+              <a:t>Fifth level</a:t>
+            </a:r>
+            <a:endParaRPr lang="en-GB"/>
+          </a:p>
+        </p:txBody>
+      </p:sp>
+      <p:sp>
+        <p:nvSpPr>
+          <p:cNvPr id="6" name="Footer Placeholder 5"/>
+          <p:cNvSpPr>
+            <a:spLocks noGrp="1"/>
+          </p:cNvSpPr>
+          <p:nvPr>
+            <p:ph type="ftr" sz="quarter" idx="4"/>
+          </p:nvPr>
+        </p:nvSpPr>
+        <p:spPr>
+          <a:xfrm>
+            <a:off x="0" y="8685213"/>
+            <a:ext cx="2971800" cy="457200"/>
+          </a:xfrm>
+          <a:prstGeom prst="rect">
+            <a:avLst/>
+          </a:prstGeom>
+        </p:spPr>
+        <p:txBody>
+          <a:bodyPr vert="horz" lIns="91440" tIns="45720" rIns="91440" bIns="45720" rtlCol="0" anchor="b"/>
+          <a:lstStyle>
+            <a:lvl1pPr algn="l">
+              <a:defRPr sz="1200"/>
+            </a:lvl1pPr>
+          </a:lstStyle>
+          <a:p>
+            <a:endParaRPr lang="en-GB"/>
+          </a:p>
+        </p:txBody>
+      </p:sp>
+      <p:sp>
+        <p:nvSpPr>
+          <p:cNvPr id="7" name="Slide Number Placeholder 6"/>
+          <p:cNvSpPr>
+            <a:spLocks noGrp="1"/>
+          </p:cNvSpPr>
+          <p:nvPr>
+            <p:ph type="sldNum" sz="quarter" idx="5"/>
+          </p:nvPr>
+        </p:nvSpPr>
+        <p:spPr>
+          <a:xfrm>
+            <a:off x="3884613" y="8685213"/>
+            <a:ext cx="2971800" cy="457200"/>
+          </a:xfrm>
+          <a:prstGeom prst="rect">
+            <a:avLst/>
+          </a:prstGeom>
+        </p:spPr>
+        <p:txBody>
+          <a:bodyPr vert="horz" lIns="91440" tIns="45720" rIns="91440" bIns="45720" rtlCol="0" anchor="b"/>
+          <a:lstStyle>
+            <a:lvl1pPr algn="r">
+              <a:defRPr sz="1200"/>
+            </a:lvl1pPr>
+          </a:lstStyle>
+          <a:p>
+            <a:fld id="{021518E7-76CD-4222-AE5A-0A73B92E1587}" type="slidenum">
+              <a:rPr lang="en-GB" smtClean="0"/>
+              <a:t>‹#›</a:t>
+            </a:fld>
+            <a:endParaRPr lang="en-GB"/>
+          </a:p>
+        </p:txBody>
+      </p:sp>
+    </p:spTree>
+    <p:extLst>
+      <p:ext uri="{BB962C8B-B14F-4D97-AF65-F5344CB8AC3E}">
+        <p14:creationId xmlns:p14="http://schemas.microsoft.com/office/powerpoint/2010/main" val="2732656299"/>
+      </p:ext>
+    </p:extLst>
+  </p:cSld>
+  <p:clrMap bg1="lt1" tx1="dk1" bg2="lt2" tx2="dk2" accent1="accent1" accent2="accent2" accent3="accent3" accent4="accent4" accent5="accent5" accent6="accent6" hlink="hlink" folHlink="folHlink"/>
+  <p:notesStyle>
+    <a:lvl1pPr marL="0" algn="l" defTabSz="914400" rtl="0" eaLnBrk="1" latinLnBrk="0" hangingPunct="1">
+      <a:defRPr sz="1200" kern="1200">
+        <a:solidFill>
+          <a:schemeClr val="tx1"/>
+        </a:solidFill>
+        <a:latin typeface="+mn-lt"/>
+        <a:ea typeface="+mn-ea"/>
+        <a:cs typeface="+mn-cs"/>
+      </a:defRPr>
+    </a:lvl1pPr>
+    <a:lvl2pPr marL="457200" algn="l" defTabSz="914400" rtl="0" eaLnBrk="1" latinLnBrk="0" hangingPunct="1">
+      <a:defRPr sz="1200" kern="1200">
+        <a:solidFill>
+          <a:schemeClr val="tx1"/>
+        </a:solidFill>
+        <a:latin typeface="+mn-lt"/>
+        <a:ea typeface="+mn-ea"/>
+        <a:cs typeface="+mn-cs"/>
+      </a:defRPr>
+    </a:lvl2pPr>
+    <a:lvl3pPr marL="914400" algn="l" defTabSz="914400" rtl="0" eaLnBrk="1" latinLnBrk="0" hangingPunct="1">
+      <a:defRPr sz="1200" kern="1200">
+        <a:solidFill>
+          <a:schemeClr val="tx1"/>
+        </a:solidFill>
+        <a:latin typeface="+mn-lt"/>
+        <a:ea typeface="+mn-ea"/>
+        <a:cs typeface="+mn-cs"/>
+      </a:defRPr>
+    </a:lvl3pPr>
+    <a:lvl4pPr marL="1371600" algn="l" defTabSz="914400" rtl="0" eaLnBrk="1" latinLnBrk="0" hangingPunct="1">
+      <a:defRPr sz="1200" kern="1200">
+        <a:solidFill>
+          <a:schemeClr val="tx1"/>
+        </a:solidFill>
+        <a:latin typeface="+mn-lt"/>
+        <a:ea typeface="+mn-ea"/>
+        <a:cs typeface="+mn-cs"/>
+      </a:defRPr>
+    </a:lvl4pPr>
+    <a:lvl5pPr marL="1828800" algn="l" defTabSz="914400" rtl="0" eaLnBrk="1" latinLnBrk="0" hangingPunct="1">
+      <a:defRPr sz="1200" kern="1200">
+        <a:solidFill>
+          <a:schemeClr val="tx1"/>
+        </a:solidFill>
+        <a:latin typeface="+mn-lt"/>
+        <a:ea typeface="+mn-ea"/>
+        <a:cs typeface="+mn-cs"/>
+      </a:defRPr>
+    </a:lvl5pPr>
+    <a:lvl6pPr marL="2286000" algn="l" defTabSz="914400" rtl="0" eaLnBrk="1" latinLnBrk="0" hangingPunct="1">
+      <a:defRPr sz="1200" kern="1200">
+        <a:solidFill>
+          <a:schemeClr val="tx1"/>
+        </a:solidFill>
+        <a:latin typeface="+mn-lt"/>
+        <a:ea typeface="+mn-ea"/>
+        <a:cs typeface="+mn-cs"/>
+      </a:defRPr>
+    </a:lvl6pPr>
+    <a:lvl7pPr marL="2743200" algn="l" defTabSz="914400" rtl="0" eaLnBrk="1" latinLnBrk="0" hangingPunct="1">
+      <a:defRPr sz="1200" kern="1200">
+        <a:solidFill>
+          <a:schemeClr val="tx1"/>
+        </a:solidFill>
+        <a:latin typeface="+mn-lt"/>
+        <a:ea typeface="+mn-ea"/>
+        <a:cs typeface="+mn-cs"/>
+      </a:defRPr>
+    </a:lvl7pPr>
+    <a:lvl8pPr marL="3200400" algn="l" defTabSz="914400" rtl="0" eaLnBrk="1" latinLnBrk="0" hangingPunct="1">
+      <a:defRPr sz="1200" kern="1200">
+        <a:solidFill>
+          <a:schemeClr val="tx1"/>
+        </a:solidFill>
+        <a:latin typeface="+mn-lt"/>
+        <a:ea typeface="+mn-ea"/>
+        <a:cs typeface="+mn-cs"/>
+      </a:defRPr>
+    </a:lvl8pPr>
+    <a:lvl9pPr marL="3657600" algn="l" defTabSz="914400" rtl="0" eaLnBrk="1" latinLnBrk="0" hangingPunct="1">
+      <a:defRPr sz="1200" kern="1200">
+        <a:solidFill>
+          <a:schemeClr val="tx1"/>
+        </a:solidFill>
+        <a:latin typeface="+mn-lt"/>
+        <a:ea typeface="+mn-ea"/>
+        <a:cs typeface="+mn-cs"/>
+      </a:defRPr>
+    </a:lvl9pPr>
+  </p:notesStyle>
+</p:notesMaster>
+</file>
+
+<file path=ppt/notesSlides/notesSlide1.xml><?xml version="1.0" encoding="utf-8"?>
+<p:notes xmlns:a="http://schemas.openxmlformats.org/drawingml/2006/main" xmlns:r="http://schemas.openxmlformats.org/officeDocument/2006/relationships" xmlns:p="http://schemas.openxmlformats.org/presentationml/2006/main">
+  <p:cSld>
+    <p:spTree>
+      <p:nvGrpSpPr>
+        <p:cNvPr id="1" name=""/>
+        <p:cNvGrpSpPr/>
+        <p:nvPr/>
+      </p:nvGrpSpPr>
+      <p:grpSpPr>
+        <a:xfrm>
+          <a:off x="0" y="0"/>
+          <a:ext cx="0" cy="0"/>
+          <a:chOff x="0" y="0"/>
+          <a:chExt cx="0" cy="0"/>
+        </a:xfrm>
+      </p:grpSpPr>
+      <p:sp>
+        <p:nvSpPr>
+          <p:cNvPr id="2" name="Slide Image Placeholder 1"/>
+          <p:cNvSpPr>
+            <a:spLocks noGrp="1" noRot="1" noChangeAspect="1"/>
+          </p:cNvSpPr>
+          <p:nvPr>
+            <p:ph type="sldImg"/>
+          </p:nvPr>
+        </p:nvSpPr>
+        <p:spPr/>
+      </p:sp>
+      <p:sp>
+        <p:nvSpPr>
+          <p:cNvPr id="3" name="Notes Placeholder 2"/>
+          <p:cNvSpPr>
+            <a:spLocks noGrp="1"/>
+          </p:cNvSpPr>
+          <p:nvPr>
+            <p:ph type="body" idx="1"/>
+          </p:nvPr>
+        </p:nvSpPr>
+        <p:spPr/>
+        <p:txBody>
+          <a:bodyPr/>
+          <a:lstStyle/>
+          <a:p>
+            <a:endParaRPr lang="en-GB" dirty="0"/>
+          </a:p>
+        </p:txBody>
+      </p:sp>
+      <p:sp>
+        <p:nvSpPr>
+          <p:cNvPr id="4" name="Slide Number Placeholder 3"/>
+          <p:cNvSpPr>
+            <a:spLocks noGrp="1"/>
+          </p:cNvSpPr>
+          <p:nvPr>
+            <p:ph type="sldNum" sz="quarter" idx="10"/>
+          </p:nvPr>
+        </p:nvSpPr>
+        <p:spPr/>
+        <p:txBody>
+          <a:bodyPr/>
+          <a:lstStyle/>
+          <a:p>
+            <a:fld id="{021518E7-76CD-4222-AE5A-0A73B92E1587}" type="slidenum">
+              <a:rPr lang="en-GB" smtClean="0"/>
+              <a:t>4</a:t>
+            </a:fld>
+            <a:endParaRPr lang="en-GB"/>
+          </a:p>
+        </p:txBody>
+      </p:sp>
+    </p:spTree>
+    <p:extLst>
+      <p:ext uri="{BB962C8B-B14F-4D97-AF65-F5344CB8AC3E}">
+        <p14:creationId xmlns:p14="http://schemas.microsoft.com/office/powerpoint/2010/main" val="4114791727"/>
+      </p:ext>
+    </p:extLst>
+  </p:cSld>
+  <p:clrMapOvr>
+    <a:masterClrMapping/>
+  </p:clrMapOvr>
+</p:notes>
+</file>
+
+<file path=ppt/notesSlides/notesSlide2.xml><?xml version="1.0" encoding="utf-8"?>
+<p:notes xmlns:a="http://schemas.openxmlformats.org/drawingml/2006/main" xmlns:r="http://schemas.openxmlformats.org/officeDocument/2006/relationships" xmlns:p="http://schemas.openxmlformats.org/presentationml/2006/main">
+  <p:cSld>
+    <p:spTree>
+      <p:nvGrpSpPr>
+        <p:cNvPr id="1" name=""/>
+        <p:cNvGrpSpPr/>
+        <p:nvPr/>
+      </p:nvGrpSpPr>
+      <p:grpSpPr>
+        <a:xfrm>
+          <a:off x="0" y="0"/>
+          <a:ext cx="0" cy="0"/>
+          <a:chOff x="0" y="0"/>
+          <a:chExt cx="0" cy="0"/>
+        </a:xfrm>
+      </p:grpSpPr>
+      <p:sp>
+        <p:nvSpPr>
+          <p:cNvPr id="2" name="Slide Image Placeholder 1"/>
+          <p:cNvSpPr>
+            <a:spLocks noGrp="1" noRot="1" noChangeAspect="1"/>
+          </p:cNvSpPr>
+          <p:nvPr>
+            <p:ph type="sldImg"/>
+          </p:nvPr>
+        </p:nvSpPr>
+        <p:spPr/>
+      </p:sp>
+      <p:sp>
+        <p:nvSpPr>
+          <p:cNvPr id="3" name="Notes Placeholder 2"/>
+          <p:cNvSpPr>
+            <a:spLocks noGrp="1"/>
+          </p:cNvSpPr>
+          <p:nvPr>
+            <p:ph type="body" idx="1"/>
+          </p:nvPr>
+        </p:nvSpPr>
+        <p:spPr/>
+        <p:txBody>
+          <a:bodyPr/>
+          <a:lstStyle/>
+          <a:p>
+            <a:endParaRPr lang="en-GB" dirty="0"/>
+          </a:p>
+        </p:txBody>
+      </p:sp>
+      <p:sp>
+        <p:nvSpPr>
+          <p:cNvPr id="4" name="Slide Number Placeholder 3"/>
+          <p:cNvSpPr>
+            <a:spLocks noGrp="1"/>
+          </p:cNvSpPr>
+          <p:nvPr>
+            <p:ph type="sldNum" sz="quarter" idx="10"/>
+          </p:nvPr>
+        </p:nvSpPr>
+        <p:spPr/>
+        <p:txBody>
+          <a:bodyPr/>
+          <a:lstStyle/>
+          <a:p>
+            <a:fld id="{021518E7-76CD-4222-AE5A-0A73B92E1587}" type="slidenum">
+              <a:rPr lang="en-GB" smtClean="0"/>
+              <a:t>5</a:t>
+            </a:fld>
+            <a:endParaRPr lang="en-GB"/>
+          </a:p>
+        </p:txBody>
+      </p:sp>
+    </p:spTree>
+    <p:extLst>
+      <p:ext uri="{BB962C8B-B14F-4D97-AF65-F5344CB8AC3E}">
+        <p14:creationId xmlns:p14="http://schemas.microsoft.com/office/powerpoint/2010/main" val="4114791727"/>
+      </p:ext>
+    </p:extLst>
+  </p:cSld>
+  <p:clrMapOvr>
+    <a:masterClrMapping/>
+  </p:clrMapOvr>
+</p:notes>
+</file>
+
 <file path=ppt/slideLayouts/slideLayout1.xml><?xml version="1.0" encoding="utf-8"?>
 <p:sldLayout xmlns:a="http://schemas.openxmlformats.org/drawingml/2006/main" xmlns:r="http://schemas.openxmlformats.org/officeDocument/2006/relationships" xmlns:p="http://schemas.openxmlformats.org/presentationml/2006/main" type="title" preserve="1">
   <p:cSld name="Title Slide">
@@ -289,7 +813,7 @@
           <a:p>
             <a:fld id="{8A6D80C7-9ADC-426C-A40B-A221DD1D62E3}" type="datetimeFigureOut">
               <a:rPr lang="en-GB" smtClean="0"/>
-              <a:t>16/02/2017</a:t>
+              <a:t>17/02/2017</a:t>
             </a:fld>
             <a:endParaRPr lang="en-GB"/>
           </a:p>
@@ -459,7 +983,7 @@
           <a:p>
             <a:fld id="{8A6D80C7-9ADC-426C-A40B-A221DD1D62E3}" type="datetimeFigureOut">
               <a:rPr lang="en-GB" smtClean="0"/>
-              <a:t>16/02/2017</a:t>
+              <a:t>17/02/2017</a:t>
             </a:fld>
             <a:endParaRPr lang="en-GB"/>
           </a:p>
@@ -639,7 +1163,7 @@
           <a:p>
             <a:fld id="{8A6D80C7-9ADC-426C-A40B-A221DD1D62E3}" type="datetimeFigureOut">
               <a:rPr lang="en-GB" smtClean="0"/>
-              <a:t>16/02/2017</a:t>
+              <a:t>17/02/2017</a:t>
             </a:fld>
             <a:endParaRPr lang="en-GB"/>
           </a:p>
@@ -809,7 +1333,7 @@
           <a:p>
             <a:fld id="{8A6D80C7-9ADC-426C-A40B-A221DD1D62E3}" type="datetimeFigureOut">
               <a:rPr lang="en-GB" smtClean="0"/>
-              <a:t>16/02/2017</a:t>
+              <a:t>17/02/2017</a:t>
             </a:fld>
             <a:endParaRPr lang="en-GB"/>
           </a:p>
@@ -1055,7 +1579,7 @@
           <a:p>
             <a:fld id="{8A6D80C7-9ADC-426C-A40B-A221DD1D62E3}" type="datetimeFigureOut">
               <a:rPr lang="en-GB" smtClean="0"/>
-              <a:t>16/02/2017</a:t>
+              <a:t>17/02/2017</a:t>
             </a:fld>
             <a:endParaRPr lang="en-GB"/>
           </a:p>
@@ -1343,7 +1867,7 @@
           <a:p>
             <a:fld id="{8A6D80C7-9ADC-426C-A40B-A221DD1D62E3}" type="datetimeFigureOut">
               <a:rPr lang="en-GB" smtClean="0"/>
-              <a:t>16/02/2017</a:t>
+              <a:t>17/02/2017</a:t>
             </a:fld>
             <a:endParaRPr lang="en-GB"/>
           </a:p>
@@ -1765,7 +2289,7 @@
           <a:p>
             <a:fld id="{8A6D80C7-9ADC-426C-A40B-A221DD1D62E3}" type="datetimeFigureOut">
               <a:rPr lang="en-GB" smtClean="0"/>
-              <a:t>16/02/2017</a:t>
+              <a:t>17/02/2017</a:t>
             </a:fld>
             <a:endParaRPr lang="en-GB"/>
           </a:p>
@@ -1883,7 +2407,7 @@
           <a:p>
             <a:fld id="{8A6D80C7-9ADC-426C-A40B-A221DD1D62E3}" type="datetimeFigureOut">
               <a:rPr lang="en-GB" smtClean="0"/>
-              <a:t>16/02/2017</a:t>
+              <a:t>17/02/2017</a:t>
             </a:fld>
             <a:endParaRPr lang="en-GB"/>
           </a:p>
@@ -1978,7 +2502,7 @@
           <a:p>
             <a:fld id="{8A6D80C7-9ADC-426C-A40B-A221DD1D62E3}" type="datetimeFigureOut">
               <a:rPr lang="en-GB" smtClean="0"/>
-              <a:t>16/02/2017</a:t>
+              <a:t>17/02/2017</a:t>
             </a:fld>
             <a:endParaRPr lang="en-GB"/>
           </a:p>
@@ -2255,7 +2779,7 @@
           <a:p>
             <a:fld id="{8A6D80C7-9ADC-426C-A40B-A221DD1D62E3}" type="datetimeFigureOut">
               <a:rPr lang="en-GB" smtClean="0"/>
-              <a:t>16/02/2017</a:t>
+              <a:t>17/02/2017</a:t>
             </a:fld>
             <a:endParaRPr lang="en-GB"/>
           </a:p>
@@ -2508,7 +3032,7 @@
           <a:p>
             <a:fld id="{8A6D80C7-9ADC-426C-A40B-A221DD1D62E3}" type="datetimeFigureOut">
               <a:rPr lang="en-GB" smtClean="0"/>
-              <a:t>16/02/2017</a:t>
+              <a:t>17/02/2017</a:t>
             </a:fld>
             <a:endParaRPr lang="en-GB"/>
           </a:p>
@@ -2721,7 +3245,7 @@
           <a:p>
             <a:fld id="{8A6D80C7-9ADC-426C-A40B-A221DD1D62E3}" type="datetimeFigureOut">
               <a:rPr lang="en-GB" smtClean="0"/>
-              <a:t>16/02/2017</a:t>
+              <a:t>17/02/2017</a:t>
             </a:fld>
             <a:endParaRPr lang="en-GB"/>
           </a:p>
@@ -3559,6 +4083,13 @@
   <p:clrMapOvr>
     <a:masterClrMapping/>
   </p:clrMapOvr>
+  <p:timing>
+    <p:tnLst>
+      <p:par>
+        <p:cTn id="1" dur="indefinite" restart="never" nodeType="tmRoot"/>
+      </p:par>
+    </p:tnLst>
+  </p:timing>
 </p:sld>
 </file>
 
@@ -3579,6 +4110,52 @@
           <a:chExt cx="0" cy="0"/>
         </a:xfrm>
       </p:grpSpPr>
+      <p:sp>
+        <p:nvSpPr>
+          <p:cNvPr id="45" name="Rectangle 44"/>
+          <p:cNvSpPr/>
+          <p:nvPr/>
+        </p:nvSpPr>
+        <p:spPr>
+          <a:xfrm>
+            <a:off x="0" y="1266419"/>
+            <a:ext cx="9144000" cy="650413"/>
+          </a:xfrm>
+          <a:prstGeom prst="rect">
+            <a:avLst/>
+          </a:prstGeom>
+          <a:solidFill>
+            <a:srgbClr val="DDEDA9"/>
+          </a:solidFill>
+          <a:ln>
+            <a:noFill/>
+          </a:ln>
+        </p:spPr>
+        <p:style>
+          <a:lnRef idx="2">
+            <a:schemeClr val="accent3">
+              <a:shade val="50000"/>
+            </a:schemeClr>
+          </a:lnRef>
+          <a:fillRef idx="1">
+            <a:schemeClr val="accent3"/>
+          </a:fillRef>
+          <a:effectRef idx="0">
+            <a:schemeClr val="accent3"/>
+          </a:effectRef>
+          <a:fontRef idx="minor">
+            <a:schemeClr val="lt1"/>
+          </a:fontRef>
+        </p:style>
+        <p:txBody>
+          <a:bodyPr rtlCol="0" anchor="ctr"/>
+          <a:lstStyle/>
+          <a:p>
+            <a:pPr algn="ctr"/>
+            <a:endParaRPr lang="en-GB"/>
+          </a:p>
+        </p:txBody>
+      </p:sp>
       <p:sp>
         <p:nvSpPr>
           <p:cNvPr id="5" name="Rectangle 4"/>
@@ -3625,16 +4202,1320 @@
           </a:p>
         </p:txBody>
       </p:sp>
-      <p:sp>
-        <p:nvSpPr>
-          <p:cNvPr id="4" name="TextBox 3"/>
+      <p:grpSp>
+        <p:nvGrpSpPr>
+          <p:cNvPr id="52" name="Group 51"/>
+          <p:cNvGrpSpPr/>
+          <p:nvPr/>
+        </p:nvGrpSpPr>
+        <p:grpSpPr>
+          <a:xfrm>
+            <a:off x="359532" y="2276872"/>
+            <a:ext cx="8424936" cy="2016224"/>
+            <a:chOff x="359532" y="2494656"/>
+            <a:chExt cx="8424936" cy="2016224"/>
+          </a:xfrm>
+        </p:grpSpPr>
+        <p:sp>
+          <p:nvSpPr>
+            <p:cNvPr id="8" name="Rectangle 7"/>
+            <p:cNvSpPr/>
+            <p:nvPr/>
+          </p:nvSpPr>
+          <p:spPr>
+            <a:xfrm>
+              <a:off x="359532" y="2494656"/>
+              <a:ext cx="8424936" cy="2016224"/>
+            </a:xfrm>
+            <a:prstGeom prst="rect">
+              <a:avLst/>
+            </a:prstGeom>
+            <a:solidFill>
+              <a:srgbClr val="C4E06A"/>
+            </a:solidFill>
+            <a:ln>
+              <a:solidFill>
+                <a:srgbClr val="A0C26A"/>
+              </a:solidFill>
+            </a:ln>
+          </p:spPr>
+          <p:style>
+            <a:lnRef idx="2">
+              <a:schemeClr val="accent1">
+                <a:shade val="50000"/>
+              </a:schemeClr>
+            </a:lnRef>
+            <a:fillRef idx="1">
+              <a:schemeClr val="accent1"/>
+            </a:fillRef>
+            <a:effectRef idx="0">
+              <a:schemeClr val="accent1"/>
+            </a:effectRef>
+            <a:fontRef idx="minor">
+              <a:schemeClr val="lt1"/>
+            </a:fontRef>
+          </p:style>
+          <p:txBody>
+            <a:bodyPr rtlCol="0" anchor="ctr"/>
+            <a:lstStyle/>
+            <a:p>
+              <a:pPr algn="ctr"/>
+              <a:endParaRPr lang="en-GB"/>
+            </a:p>
+          </p:txBody>
+        </p:sp>
+        <p:sp>
+          <p:nvSpPr>
+            <p:cNvPr id="11" name="Rectangle 10"/>
+            <p:cNvSpPr/>
+            <p:nvPr/>
+          </p:nvSpPr>
+          <p:spPr>
+            <a:xfrm>
+              <a:off x="539552" y="3263871"/>
+              <a:ext cx="1152128" cy="1080120"/>
+            </a:xfrm>
+            <a:prstGeom prst="rect">
+              <a:avLst/>
+            </a:prstGeom>
+            <a:solidFill>
+              <a:schemeClr val="bg1"/>
+            </a:solidFill>
+            <a:ln>
+              <a:solidFill>
+                <a:schemeClr val="tx1"/>
+              </a:solidFill>
+            </a:ln>
+          </p:spPr>
+          <p:style>
+            <a:lnRef idx="2">
+              <a:schemeClr val="accent1">
+                <a:shade val="50000"/>
+              </a:schemeClr>
+            </a:lnRef>
+            <a:fillRef idx="1">
+              <a:schemeClr val="accent1"/>
+            </a:fillRef>
+            <a:effectRef idx="0">
+              <a:schemeClr val="accent1"/>
+            </a:effectRef>
+            <a:fontRef idx="minor">
+              <a:schemeClr val="lt1"/>
+            </a:fontRef>
+          </p:style>
+          <p:txBody>
+            <a:bodyPr rtlCol="0" anchor="ctr"/>
+            <a:lstStyle/>
+            <a:p>
+              <a:pPr algn="ctr"/>
+              <a:endParaRPr lang="en-GB"/>
+            </a:p>
+          </p:txBody>
+        </p:sp>
+        <p:sp>
+          <p:nvSpPr>
+            <p:cNvPr id="18" name="Rectangle 17"/>
+            <p:cNvSpPr/>
+            <p:nvPr/>
+          </p:nvSpPr>
+          <p:spPr>
+            <a:xfrm>
+              <a:off x="3275856" y="3284984"/>
+              <a:ext cx="1152128" cy="1080120"/>
+            </a:xfrm>
+            <a:prstGeom prst="rect">
+              <a:avLst/>
+            </a:prstGeom>
+            <a:solidFill>
+              <a:schemeClr val="bg1"/>
+            </a:solidFill>
+            <a:ln>
+              <a:solidFill>
+                <a:schemeClr val="tx1"/>
+              </a:solidFill>
+            </a:ln>
+          </p:spPr>
+          <p:style>
+            <a:lnRef idx="2">
+              <a:schemeClr val="accent1">
+                <a:shade val="50000"/>
+              </a:schemeClr>
+            </a:lnRef>
+            <a:fillRef idx="1">
+              <a:schemeClr val="accent1"/>
+            </a:fillRef>
+            <a:effectRef idx="0">
+              <a:schemeClr val="accent1"/>
+            </a:effectRef>
+            <a:fontRef idx="minor">
+              <a:schemeClr val="lt1"/>
+            </a:fontRef>
+          </p:style>
+          <p:txBody>
+            <a:bodyPr rtlCol="0" anchor="ctr"/>
+            <a:lstStyle/>
+            <a:p>
+              <a:pPr algn="ctr"/>
+              <a:endParaRPr lang="en-GB"/>
+            </a:p>
+          </p:txBody>
+        </p:sp>
+        <p:sp>
+          <p:nvSpPr>
+            <p:cNvPr id="19" name="Rectangle 18"/>
+            <p:cNvSpPr/>
+            <p:nvPr/>
+          </p:nvSpPr>
+          <p:spPr>
+            <a:xfrm>
+              <a:off x="5940152" y="3284984"/>
+              <a:ext cx="1152128" cy="1080120"/>
+            </a:xfrm>
+            <a:prstGeom prst="rect">
+              <a:avLst/>
+            </a:prstGeom>
+            <a:solidFill>
+              <a:schemeClr val="bg1"/>
+            </a:solidFill>
+            <a:ln>
+              <a:solidFill>
+                <a:schemeClr val="tx1"/>
+              </a:solidFill>
+            </a:ln>
+          </p:spPr>
+          <p:style>
+            <a:lnRef idx="2">
+              <a:schemeClr val="accent1">
+                <a:shade val="50000"/>
+              </a:schemeClr>
+            </a:lnRef>
+            <a:fillRef idx="1">
+              <a:schemeClr val="accent1"/>
+            </a:fillRef>
+            <a:effectRef idx="0">
+              <a:schemeClr val="accent1"/>
+            </a:effectRef>
+            <a:fontRef idx="minor">
+              <a:schemeClr val="lt1"/>
+            </a:fontRef>
+          </p:style>
+          <p:txBody>
+            <a:bodyPr rtlCol="0" anchor="ctr"/>
+            <a:lstStyle/>
+            <a:p>
+              <a:pPr algn="ctr"/>
+              <a:endParaRPr lang="en-GB"/>
+            </a:p>
+          </p:txBody>
+        </p:sp>
+        <p:sp>
+          <p:nvSpPr>
+            <p:cNvPr id="20" name="TextBox 19"/>
+            <p:cNvSpPr txBox="1"/>
+            <p:nvPr/>
+          </p:nvSpPr>
+          <p:spPr>
+            <a:xfrm>
+              <a:off x="611560" y="3619265"/>
+              <a:ext cx="1008112" cy="369332"/>
+            </a:xfrm>
+            <a:prstGeom prst="rect">
+              <a:avLst/>
+            </a:prstGeom>
+            <a:noFill/>
+          </p:spPr>
+          <p:txBody>
+            <a:bodyPr wrap="square" rtlCol="0">
+              <a:spAutoFit/>
+            </a:bodyPr>
+            <a:lstStyle/>
+            <a:p>
+              <a:r>
+                <a:rPr lang="en-GB" dirty="0" smtClean="0"/>
+                <a:t>Picture 1</a:t>
+              </a:r>
+              <a:endParaRPr lang="en-GB" dirty="0"/>
+            </a:p>
+          </p:txBody>
+        </p:sp>
+        <p:sp>
+          <p:nvSpPr>
+            <p:cNvPr id="21" name="TextBox 20"/>
+            <p:cNvSpPr txBox="1"/>
+            <p:nvPr/>
+          </p:nvSpPr>
+          <p:spPr>
+            <a:xfrm>
+              <a:off x="3367043" y="3630780"/>
+              <a:ext cx="1060941" cy="369332"/>
+            </a:xfrm>
+            <a:prstGeom prst="rect">
+              <a:avLst/>
+            </a:prstGeom>
+            <a:noFill/>
+          </p:spPr>
+          <p:txBody>
+            <a:bodyPr wrap="square" rtlCol="0">
+              <a:spAutoFit/>
+            </a:bodyPr>
+            <a:lstStyle/>
+            <a:p>
+              <a:r>
+                <a:rPr lang="en-GB" dirty="0" smtClean="0"/>
+                <a:t>Picture 2</a:t>
+              </a:r>
+              <a:endParaRPr lang="en-GB" dirty="0"/>
+            </a:p>
+          </p:txBody>
+        </p:sp>
+        <p:sp>
+          <p:nvSpPr>
+            <p:cNvPr id="22" name="TextBox 21"/>
+            <p:cNvSpPr txBox="1"/>
+            <p:nvPr/>
+          </p:nvSpPr>
+          <p:spPr>
+            <a:xfrm>
+              <a:off x="6012160" y="3640378"/>
+              <a:ext cx="1080120" cy="369332"/>
+            </a:xfrm>
+            <a:prstGeom prst="rect">
+              <a:avLst/>
+            </a:prstGeom>
+            <a:noFill/>
+          </p:spPr>
+          <p:txBody>
+            <a:bodyPr wrap="square" rtlCol="0">
+              <a:spAutoFit/>
+            </a:bodyPr>
+            <a:lstStyle/>
+            <a:p>
+              <a:r>
+                <a:rPr lang="en-GB" dirty="0" smtClean="0"/>
+                <a:t>Picture 3</a:t>
+              </a:r>
+              <a:endParaRPr lang="en-GB" dirty="0"/>
+            </a:p>
+          </p:txBody>
+        </p:sp>
+        <p:sp>
+          <p:nvSpPr>
+            <p:cNvPr id="23" name="TextBox 22"/>
+            <p:cNvSpPr txBox="1"/>
+            <p:nvPr/>
+          </p:nvSpPr>
+          <p:spPr>
+            <a:xfrm>
+              <a:off x="539552" y="2591707"/>
+              <a:ext cx="3816424" cy="523220"/>
+            </a:xfrm>
+            <a:prstGeom prst="rect">
+              <a:avLst/>
+            </a:prstGeom>
+            <a:noFill/>
+          </p:spPr>
+          <p:txBody>
+            <a:bodyPr wrap="square" rtlCol="0">
+              <a:spAutoFit/>
+            </a:bodyPr>
+            <a:lstStyle/>
+            <a:p>
+              <a:r>
+                <a:rPr lang="en-GB" sz="2800" dirty="0" smtClean="0"/>
+                <a:t>Most Popular This Week</a:t>
+              </a:r>
+              <a:endParaRPr lang="en-GB" sz="2800" dirty="0"/>
+            </a:p>
+          </p:txBody>
+        </p:sp>
+        <p:sp>
+          <p:nvSpPr>
+            <p:cNvPr id="24" name="TextBox 23"/>
+            <p:cNvSpPr txBox="1"/>
+            <p:nvPr/>
+          </p:nvSpPr>
+          <p:spPr>
+            <a:xfrm>
+              <a:off x="1835696" y="3263871"/>
+              <a:ext cx="1224136" cy="923330"/>
+            </a:xfrm>
+            <a:prstGeom prst="rect">
+              <a:avLst/>
+            </a:prstGeom>
+            <a:noFill/>
+          </p:spPr>
+          <p:txBody>
+            <a:bodyPr wrap="square" rtlCol="0">
+              <a:spAutoFit/>
+            </a:bodyPr>
+            <a:lstStyle/>
+            <a:p>
+              <a:r>
+                <a:rPr lang="en-GB" dirty="0" smtClean="0"/>
+                <a:t>Recipe 1</a:t>
+              </a:r>
+            </a:p>
+            <a:p>
+              <a:r>
+                <a:rPr lang="en-GB" dirty="0" smtClean="0"/>
+                <a:t>User 1</a:t>
+              </a:r>
+            </a:p>
+            <a:p>
+              <a:r>
+                <a:rPr lang="en-GB" dirty="0" smtClean="0"/>
+                <a:t>Rating 1</a:t>
+              </a:r>
+              <a:endParaRPr lang="en-GB" dirty="0"/>
+            </a:p>
+          </p:txBody>
+        </p:sp>
+        <p:sp>
+          <p:nvSpPr>
+            <p:cNvPr id="25" name="TextBox 24"/>
+            <p:cNvSpPr txBox="1"/>
+            <p:nvPr/>
+          </p:nvSpPr>
+          <p:spPr>
+            <a:xfrm>
+              <a:off x="4572000" y="3280166"/>
+              <a:ext cx="1224136" cy="923330"/>
+            </a:xfrm>
+            <a:prstGeom prst="rect">
+              <a:avLst/>
+            </a:prstGeom>
+            <a:noFill/>
+          </p:spPr>
+          <p:txBody>
+            <a:bodyPr wrap="square" rtlCol="0">
+              <a:spAutoFit/>
+            </a:bodyPr>
+            <a:lstStyle/>
+            <a:p>
+              <a:r>
+                <a:rPr lang="en-GB" dirty="0" smtClean="0"/>
+                <a:t>Recipe 2</a:t>
+              </a:r>
+            </a:p>
+            <a:p>
+              <a:r>
+                <a:rPr lang="en-GB" dirty="0" smtClean="0"/>
+                <a:t>User 2</a:t>
+              </a:r>
+            </a:p>
+            <a:p>
+              <a:r>
+                <a:rPr lang="en-GB" dirty="0" smtClean="0"/>
+                <a:t>Rating 2</a:t>
+              </a:r>
+            </a:p>
+          </p:txBody>
+        </p:sp>
+        <p:sp>
+          <p:nvSpPr>
+            <p:cNvPr id="26" name="TextBox 25"/>
+            <p:cNvSpPr txBox="1"/>
+            <p:nvPr/>
+          </p:nvSpPr>
+          <p:spPr>
+            <a:xfrm>
+              <a:off x="7279463" y="3316342"/>
+              <a:ext cx="1224136" cy="923330"/>
+            </a:xfrm>
+            <a:prstGeom prst="rect">
+              <a:avLst/>
+            </a:prstGeom>
+            <a:noFill/>
+          </p:spPr>
+          <p:txBody>
+            <a:bodyPr wrap="square" rtlCol="0">
+              <a:spAutoFit/>
+            </a:bodyPr>
+            <a:lstStyle/>
+            <a:p>
+              <a:r>
+                <a:rPr lang="en-GB" dirty="0" smtClean="0"/>
+                <a:t>Recipe 3</a:t>
+              </a:r>
+            </a:p>
+            <a:p>
+              <a:r>
+                <a:rPr lang="en-GB" dirty="0" smtClean="0"/>
+                <a:t>User 3</a:t>
+              </a:r>
+            </a:p>
+            <a:p>
+              <a:r>
+                <a:rPr lang="en-GB" dirty="0" smtClean="0"/>
+                <a:t>Rating 3</a:t>
+              </a:r>
+              <a:endParaRPr lang="en-GB" dirty="0"/>
+            </a:p>
+          </p:txBody>
+        </p:sp>
+      </p:grpSp>
+      <p:grpSp>
+        <p:nvGrpSpPr>
+          <p:cNvPr id="53" name="Group 52"/>
+          <p:cNvGrpSpPr/>
+          <p:nvPr/>
+        </p:nvGrpSpPr>
+        <p:grpSpPr>
+          <a:xfrm>
+            <a:off x="359532" y="4509120"/>
+            <a:ext cx="8424936" cy="2016224"/>
+            <a:chOff x="359532" y="4661520"/>
+            <a:chExt cx="8424936" cy="2016224"/>
+          </a:xfrm>
+        </p:grpSpPr>
+        <p:sp>
+          <p:nvSpPr>
+            <p:cNvPr id="28" name="Rectangle 27"/>
+            <p:cNvSpPr/>
+            <p:nvPr/>
+          </p:nvSpPr>
+          <p:spPr>
+            <a:xfrm>
+              <a:off x="359532" y="4661520"/>
+              <a:ext cx="8424936" cy="2016224"/>
+            </a:xfrm>
+            <a:prstGeom prst="rect">
+              <a:avLst/>
+            </a:prstGeom>
+            <a:solidFill>
+              <a:srgbClr val="C4E06A"/>
+            </a:solidFill>
+            <a:ln>
+              <a:solidFill>
+                <a:srgbClr val="A0C26A"/>
+              </a:solidFill>
+            </a:ln>
+          </p:spPr>
+          <p:style>
+            <a:lnRef idx="2">
+              <a:schemeClr val="accent1">
+                <a:shade val="50000"/>
+              </a:schemeClr>
+            </a:lnRef>
+            <a:fillRef idx="1">
+              <a:schemeClr val="accent1"/>
+            </a:fillRef>
+            <a:effectRef idx="0">
+              <a:schemeClr val="accent1"/>
+            </a:effectRef>
+            <a:fontRef idx="minor">
+              <a:schemeClr val="lt1"/>
+            </a:fontRef>
+          </p:style>
+          <p:txBody>
+            <a:bodyPr rtlCol="0" anchor="ctr"/>
+            <a:lstStyle/>
+            <a:p>
+              <a:pPr algn="ctr"/>
+              <a:endParaRPr lang="en-GB"/>
+            </a:p>
+          </p:txBody>
+        </p:sp>
+        <p:sp>
+          <p:nvSpPr>
+            <p:cNvPr id="29" name="Rectangle 28"/>
+            <p:cNvSpPr/>
+            <p:nvPr/>
+          </p:nvSpPr>
+          <p:spPr>
+            <a:xfrm>
+              <a:off x="539552" y="5432495"/>
+              <a:ext cx="1152128" cy="1080120"/>
+            </a:xfrm>
+            <a:prstGeom prst="rect">
+              <a:avLst/>
+            </a:prstGeom>
+            <a:solidFill>
+              <a:schemeClr val="bg1"/>
+            </a:solidFill>
+            <a:ln>
+              <a:solidFill>
+                <a:schemeClr val="tx1"/>
+              </a:solidFill>
+            </a:ln>
+          </p:spPr>
+          <p:style>
+            <a:lnRef idx="2">
+              <a:schemeClr val="accent1">
+                <a:shade val="50000"/>
+              </a:schemeClr>
+            </a:lnRef>
+            <a:fillRef idx="1">
+              <a:schemeClr val="accent1"/>
+            </a:fillRef>
+            <a:effectRef idx="0">
+              <a:schemeClr val="accent1"/>
+            </a:effectRef>
+            <a:fontRef idx="minor">
+              <a:schemeClr val="lt1"/>
+            </a:fontRef>
+          </p:style>
+          <p:txBody>
+            <a:bodyPr rtlCol="0" anchor="ctr"/>
+            <a:lstStyle/>
+            <a:p>
+              <a:pPr algn="ctr"/>
+              <a:endParaRPr lang="en-GB"/>
+            </a:p>
+          </p:txBody>
+        </p:sp>
+        <p:sp>
+          <p:nvSpPr>
+            <p:cNvPr id="30" name="Rectangle 29"/>
+            <p:cNvSpPr/>
+            <p:nvPr/>
+          </p:nvSpPr>
+          <p:spPr>
+            <a:xfrm>
+              <a:off x="3275856" y="5453608"/>
+              <a:ext cx="1152128" cy="1080120"/>
+            </a:xfrm>
+            <a:prstGeom prst="rect">
+              <a:avLst/>
+            </a:prstGeom>
+            <a:solidFill>
+              <a:schemeClr val="bg1"/>
+            </a:solidFill>
+            <a:ln>
+              <a:solidFill>
+                <a:schemeClr val="tx1"/>
+              </a:solidFill>
+            </a:ln>
+          </p:spPr>
+          <p:style>
+            <a:lnRef idx="2">
+              <a:schemeClr val="accent1">
+                <a:shade val="50000"/>
+              </a:schemeClr>
+            </a:lnRef>
+            <a:fillRef idx="1">
+              <a:schemeClr val="accent1"/>
+            </a:fillRef>
+            <a:effectRef idx="0">
+              <a:schemeClr val="accent1"/>
+            </a:effectRef>
+            <a:fontRef idx="minor">
+              <a:schemeClr val="lt1"/>
+            </a:fontRef>
+          </p:style>
+          <p:txBody>
+            <a:bodyPr rtlCol="0" anchor="ctr"/>
+            <a:lstStyle/>
+            <a:p>
+              <a:pPr algn="ctr"/>
+              <a:endParaRPr lang="en-GB"/>
+            </a:p>
+          </p:txBody>
+        </p:sp>
+        <p:sp>
+          <p:nvSpPr>
+            <p:cNvPr id="31" name="Rectangle 30"/>
+            <p:cNvSpPr/>
+            <p:nvPr/>
+          </p:nvSpPr>
+          <p:spPr>
+            <a:xfrm>
+              <a:off x="5940152" y="5453608"/>
+              <a:ext cx="1152128" cy="1080120"/>
+            </a:xfrm>
+            <a:prstGeom prst="rect">
+              <a:avLst/>
+            </a:prstGeom>
+            <a:solidFill>
+              <a:schemeClr val="bg1"/>
+            </a:solidFill>
+            <a:ln>
+              <a:solidFill>
+                <a:schemeClr val="tx1"/>
+              </a:solidFill>
+            </a:ln>
+          </p:spPr>
+          <p:style>
+            <a:lnRef idx="2">
+              <a:schemeClr val="accent1">
+                <a:shade val="50000"/>
+              </a:schemeClr>
+            </a:lnRef>
+            <a:fillRef idx="1">
+              <a:schemeClr val="accent1"/>
+            </a:fillRef>
+            <a:effectRef idx="0">
+              <a:schemeClr val="accent1"/>
+            </a:effectRef>
+            <a:fontRef idx="minor">
+              <a:schemeClr val="lt1"/>
+            </a:fontRef>
+          </p:style>
+          <p:txBody>
+            <a:bodyPr rtlCol="0" anchor="ctr"/>
+            <a:lstStyle/>
+            <a:p>
+              <a:pPr algn="ctr"/>
+              <a:endParaRPr lang="en-GB"/>
+            </a:p>
+          </p:txBody>
+        </p:sp>
+        <p:sp>
+          <p:nvSpPr>
+            <p:cNvPr id="32" name="TextBox 31"/>
+            <p:cNvSpPr txBox="1"/>
+            <p:nvPr/>
+          </p:nvSpPr>
+          <p:spPr>
+            <a:xfrm>
+              <a:off x="611560" y="5787889"/>
+              <a:ext cx="1008112" cy="369332"/>
+            </a:xfrm>
+            <a:prstGeom prst="rect">
+              <a:avLst/>
+            </a:prstGeom>
+            <a:noFill/>
+          </p:spPr>
+          <p:txBody>
+            <a:bodyPr wrap="square" rtlCol="0">
+              <a:spAutoFit/>
+            </a:bodyPr>
+            <a:lstStyle/>
+            <a:p>
+              <a:r>
+                <a:rPr lang="en-GB" dirty="0" smtClean="0"/>
+                <a:t>Picture 1</a:t>
+              </a:r>
+              <a:endParaRPr lang="en-GB" dirty="0"/>
+            </a:p>
+          </p:txBody>
+        </p:sp>
+        <p:sp>
+          <p:nvSpPr>
+            <p:cNvPr id="33" name="TextBox 32"/>
+            <p:cNvSpPr txBox="1"/>
+            <p:nvPr/>
+          </p:nvSpPr>
+          <p:spPr>
+            <a:xfrm>
+              <a:off x="3367043" y="5799404"/>
+              <a:ext cx="1060941" cy="369332"/>
+            </a:xfrm>
+            <a:prstGeom prst="rect">
+              <a:avLst/>
+            </a:prstGeom>
+            <a:noFill/>
+          </p:spPr>
+          <p:txBody>
+            <a:bodyPr wrap="square" rtlCol="0">
+              <a:spAutoFit/>
+            </a:bodyPr>
+            <a:lstStyle/>
+            <a:p>
+              <a:r>
+                <a:rPr lang="en-GB" dirty="0" smtClean="0"/>
+                <a:t>Picture 2</a:t>
+              </a:r>
+              <a:endParaRPr lang="en-GB" dirty="0"/>
+            </a:p>
+          </p:txBody>
+        </p:sp>
+        <p:sp>
+          <p:nvSpPr>
+            <p:cNvPr id="34" name="TextBox 33"/>
+            <p:cNvSpPr txBox="1"/>
+            <p:nvPr/>
+          </p:nvSpPr>
+          <p:spPr>
+            <a:xfrm>
+              <a:off x="6012160" y="5809002"/>
+              <a:ext cx="1080120" cy="369332"/>
+            </a:xfrm>
+            <a:prstGeom prst="rect">
+              <a:avLst/>
+            </a:prstGeom>
+            <a:noFill/>
+          </p:spPr>
+          <p:txBody>
+            <a:bodyPr wrap="square" rtlCol="0">
+              <a:spAutoFit/>
+            </a:bodyPr>
+            <a:lstStyle/>
+            <a:p>
+              <a:r>
+                <a:rPr lang="en-GB" dirty="0" smtClean="0"/>
+                <a:t>Picture 3</a:t>
+              </a:r>
+              <a:endParaRPr lang="en-GB" dirty="0"/>
+            </a:p>
+          </p:txBody>
+        </p:sp>
+        <p:sp>
+          <p:nvSpPr>
+            <p:cNvPr id="35" name="TextBox 34"/>
+            <p:cNvSpPr txBox="1"/>
+            <p:nvPr/>
+          </p:nvSpPr>
+          <p:spPr>
+            <a:xfrm>
+              <a:off x="539552" y="4760331"/>
+              <a:ext cx="3816424" cy="523220"/>
+            </a:xfrm>
+            <a:prstGeom prst="rect">
+              <a:avLst/>
+            </a:prstGeom>
+            <a:noFill/>
+          </p:spPr>
+          <p:txBody>
+            <a:bodyPr wrap="square" rtlCol="0">
+              <a:spAutoFit/>
+            </a:bodyPr>
+            <a:lstStyle/>
+            <a:p>
+              <a:r>
+                <a:rPr lang="en-GB" sz="2800" dirty="0" smtClean="0"/>
+                <a:t>Newest</a:t>
+              </a:r>
+              <a:endParaRPr lang="en-GB" sz="2800" dirty="0"/>
+            </a:p>
+          </p:txBody>
+        </p:sp>
+        <p:sp>
+          <p:nvSpPr>
+            <p:cNvPr id="36" name="TextBox 35"/>
+            <p:cNvSpPr txBox="1"/>
+            <p:nvPr/>
+          </p:nvSpPr>
+          <p:spPr>
+            <a:xfrm>
+              <a:off x="1835696" y="5432495"/>
+              <a:ext cx="1224136" cy="923330"/>
+            </a:xfrm>
+            <a:prstGeom prst="rect">
+              <a:avLst/>
+            </a:prstGeom>
+            <a:noFill/>
+          </p:spPr>
+          <p:txBody>
+            <a:bodyPr wrap="square" rtlCol="0">
+              <a:spAutoFit/>
+            </a:bodyPr>
+            <a:lstStyle/>
+            <a:p>
+              <a:r>
+                <a:rPr lang="en-GB" dirty="0" smtClean="0"/>
+                <a:t>Recipe 1</a:t>
+              </a:r>
+            </a:p>
+            <a:p>
+              <a:r>
+                <a:rPr lang="en-GB" dirty="0" smtClean="0"/>
+                <a:t>User 1</a:t>
+              </a:r>
+            </a:p>
+            <a:p>
+              <a:r>
+                <a:rPr lang="en-GB" dirty="0" smtClean="0"/>
+                <a:t>Rating 1</a:t>
+              </a:r>
+              <a:endParaRPr lang="en-GB" dirty="0"/>
+            </a:p>
+          </p:txBody>
+        </p:sp>
+        <p:sp>
+          <p:nvSpPr>
+            <p:cNvPr id="37" name="TextBox 36"/>
+            <p:cNvSpPr txBox="1"/>
+            <p:nvPr/>
+          </p:nvSpPr>
+          <p:spPr>
+            <a:xfrm>
+              <a:off x="4572000" y="5448790"/>
+              <a:ext cx="1224136" cy="923330"/>
+            </a:xfrm>
+            <a:prstGeom prst="rect">
+              <a:avLst/>
+            </a:prstGeom>
+            <a:noFill/>
+          </p:spPr>
+          <p:txBody>
+            <a:bodyPr wrap="square" rtlCol="0">
+              <a:spAutoFit/>
+            </a:bodyPr>
+            <a:lstStyle/>
+            <a:p>
+              <a:r>
+                <a:rPr lang="en-GB" dirty="0" smtClean="0"/>
+                <a:t>Recipe 2</a:t>
+              </a:r>
+            </a:p>
+            <a:p>
+              <a:r>
+                <a:rPr lang="en-GB" dirty="0" smtClean="0"/>
+                <a:t>User 2</a:t>
+              </a:r>
+            </a:p>
+            <a:p>
+              <a:r>
+                <a:rPr lang="en-GB" dirty="0" smtClean="0"/>
+                <a:t>Rating 2</a:t>
+              </a:r>
+            </a:p>
+          </p:txBody>
+        </p:sp>
+        <p:sp>
+          <p:nvSpPr>
+            <p:cNvPr id="38" name="TextBox 37"/>
+            <p:cNvSpPr txBox="1"/>
+            <p:nvPr/>
+          </p:nvSpPr>
+          <p:spPr>
+            <a:xfrm>
+              <a:off x="7279463" y="5484966"/>
+              <a:ext cx="1224136" cy="923330"/>
+            </a:xfrm>
+            <a:prstGeom prst="rect">
+              <a:avLst/>
+            </a:prstGeom>
+            <a:noFill/>
+          </p:spPr>
+          <p:txBody>
+            <a:bodyPr wrap="square" rtlCol="0">
+              <a:spAutoFit/>
+            </a:bodyPr>
+            <a:lstStyle/>
+            <a:p>
+              <a:r>
+                <a:rPr lang="en-GB" dirty="0" smtClean="0"/>
+                <a:t>Recipe 3</a:t>
+              </a:r>
+            </a:p>
+            <a:p>
+              <a:r>
+                <a:rPr lang="en-GB" dirty="0" smtClean="0"/>
+                <a:t>User 3</a:t>
+              </a:r>
+            </a:p>
+            <a:p>
+              <a:r>
+                <a:rPr lang="en-GB" dirty="0" smtClean="0"/>
+                <a:t>Rating 3</a:t>
+              </a:r>
+              <a:endParaRPr lang="en-GB" dirty="0"/>
+            </a:p>
+          </p:txBody>
+        </p:sp>
+      </p:grpSp>
+      <p:sp>
+        <p:nvSpPr>
+          <p:cNvPr id="39" name="TextBox 38"/>
           <p:cNvSpPr txBox="1"/>
           <p:nvPr/>
         </p:nvSpPr>
         <p:spPr>
           <a:xfrm>
-            <a:off x="1547664" y="341992"/>
-            <a:ext cx="1944216" cy="584775"/>
+            <a:off x="332311" y="1408130"/>
+            <a:ext cx="1224136" cy="369332"/>
+          </a:xfrm>
+          <a:prstGeom prst="rect">
+            <a:avLst/>
+          </a:prstGeom>
+          <a:noFill/>
+        </p:spPr>
+        <p:txBody>
+          <a:bodyPr wrap="square" rtlCol="0">
+            <a:spAutoFit/>
+          </a:bodyPr>
+          <a:lstStyle/>
+          <a:p>
+            <a:r>
+              <a:rPr lang="en-GB" dirty="0" smtClean="0"/>
+              <a:t>Categories</a:t>
+            </a:r>
+            <a:endParaRPr lang="en-GB" dirty="0"/>
+          </a:p>
+        </p:txBody>
+      </p:sp>
+      <p:sp>
+        <p:nvSpPr>
+          <p:cNvPr id="40" name="TextBox 39"/>
+          <p:cNvSpPr txBox="1"/>
+          <p:nvPr/>
+        </p:nvSpPr>
+        <p:spPr>
+          <a:xfrm>
+            <a:off x="7488324" y="1408130"/>
+            <a:ext cx="1296144" cy="369332"/>
+          </a:xfrm>
+          <a:prstGeom prst="rect">
+            <a:avLst/>
+          </a:prstGeom>
+          <a:noFill/>
+        </p:spPr>
+        <p:txBody>
+          <a:bodyPr wrap="square" rtlCol="0">
+            <a:spAutoFit/>
+          </a:bodyPr>
+          <a:lstStyle/>
+          <a:p>
+            <a:r>
+              <a:rPr lang="en-GB" dirty="0" smtClean="0"/>
+              <a:t>Help/About</a:t>
+            </a:r>
+            <a:endParaRPr lang="en-GB" dirty="0"/>
+          </a:p>
+        </p:txBody>
+      </p:sp>
+      <p:grpSp>
+        <p:nvGrpSpPr>
+          <p:cNvPr id="3" name="Group 2"/>
+          <p:cNvGrpSpPr/>
+          <p:nvPr/>
+        </p:nvGrpSpPr>
+        <p:grpSpPr>
+          <a:xfrm>
+            <a:off x="1979712" y="1408130"/>
+            <a:ext cx="4536504" cy="369332"/>
+            <a:chOff x="2339752" y="1267672"/>
+            <a:chExt cx="4536504" cy="369332"/>
+          </a:xfrm>
+        </p:grpSpPr>
+        <p:sp>
+          <p:nvSpPr>
+            <p:cNvPr id="41" name="TextBox 40"/>
+            <p:cNvSpPr txBox="1"/>
+            <p:nvPr/>
+          </p:nvSpPr>
+          <p:spPr>
+            <a:xfrm>
+              <a:off x="2339752" y="1267672"/>
+              <a:ext cx="864096" cy="369332"/>
+            </a:xfrm>
+            <a:prstGeom prst="rect">
+              <a:avLst/>
+            </a:prstGeom>
+            <a:noFill/>
+          </p:spPr>
+          <p:txBody>
+            <a:bodyPr wrap="square" rtlCol="0">
+              <a:spAutoFit/>
+            </a:bodyPr>
+            <a:lstStyle/>
+            <a:p>
+              <a:r>
+                <a:rPr lang="en-GB" dirty="0" smtClean="0"/>
+                <a:t>Search</a:t>
+              </a:r>
+              <a:endParaRPr lang="en-GB" dirty="0"/>
+            </a:p>
+          </p:txBody>
+        </p:sp>
+        <p:sp>
+          <p:nvSpPr>
+            <p:cNvPr id="42" name="Rounded Rectangle 41"/>
+            <p:cNvSpPr/>
+            <p:nvPr/>
+          </p:nvSpPr>
+          <p:spPr>
+            <a:xfrm>
+              <a:off x="3203848" y="1313572"/>
+              <a:ext cx="3672408" cy="277532"/>
+            </a:xfrm>
+            <a:prstGeom prst="roundRect">
+              <a:avLst/>
+            </a:prstGeom>
+            <a:noFill/>
+            <a:ln>
+              <a:solidFill>
+                <a:schemeClr val="tx1"/>
+              </a:solidFill>
+            </a:ln>
+          </p:spPr>
+          <p:style>
+            <a:lnRef idx="2">
+              <a:schemeClr val="accent1">
+                <a:shade val="50000"/>
+              </a:schemeClr>
+            </a:lnRef>
+            <a:fillRef idx="1">
+              <a:schemeClr val="accent1"/>
+            </a:fillRef>
+            <a:effectRef idx="0">
+              <a:schemeClr val="accent1"/>
+            </a:effectRef>
+            <a:fontRef idx="minor">
+              <a:schemeClr val="lt1"/>
+            </a:fontRef>
+          </p:style>
+          <p:txBody>
+            <a:bodyPr rtlCol="0" anchor="ctr"/>
+            <a:lstStyle/>
+            <a:p>
+              <a:pPr algn="ctr"/>
+              <a:endParaRPr lang="en-GB"/>
+            </a:p>
+          </p:txBody>
+        </p:sp>
+      </p:grpSp>
+      <p:grpSp>
+        <p:nvGrpSpPr>
+          <p:cNvPr id="2" name="Group 1"/>
+          <p:cNvGrpSpPr/>
+          <p:nvPr/>
+        </p:nvGrpSpPr>
+        <p:grpSpPr>
+          <a:xfrm>
+            <a:off x="368315" y="341992"/>
+            <a:ext cx="2610435" cy="584775"/>
+            <a:chOff x="1097469" y="341992"/>
+            <a:chExt cx="2610435" cy="584775"/>
+          </a:xfrm>
+        </p:grpSpPr>
+        <p:sp>
+          <p:nvSpPr>
+            <p:cNvPr id="4" name="TextBox 3"/>
+            <p:cNvSpPr txBox="1"/>
+            <p:nvPr/>
+          </p:nvSpPr>
+          <p:spPr>
+            <a:xfrm>
+              <a:off x="1763688" y="341992"/>
+              <a:ext cx="1944216" cy="584775"/>
+            </a:xfrm>
+            <a:prstGeom prst="rect">
+              <a:avLst/>
+            </a:prstGeom>
+            <a:noFill/>
+            <a:ln>
+              <a:noFill/>
+            </a:ln>
+          </p:spPr>
+          <p:txBody>
+            <a:bodyPr wrap="square" rtlCol="0" anchor="ctr">
+              <a:spAutoFit/>
+            </a:bodyPr>
+            <a:lstStyle/>
+            <a:p>
+              <a:pPr algn="ctr"/>
+              <a:r>
+                <a:rPr lang="en-GB" sz="3200" dirty="0" smtClean="0"/>
+                <a:t>Site Name</a:t>
+              </a:r>
+              <a:endParaRPr lang="en-GB" sz="3200" dirty="0"/>
+            </a:p>
+          </p:txBody>
+        </p:sp>
+        <p:sp>
+          <p:nvSpPr>
+            <p:cNvPr id="43" name="Rectangle 42"/>
+            <p:cNvSpPr/>
+            <p:nvPr/>
+          </p:nvSpPr>
+          <p:spPr>
+            <a:xfrm>
+              <a:off x="1097469" y="364348"/>
+              <a:ext cx="576064" cy="540061"/>
+            </a:xfrm>
+            <a:prstGeom prst="rect">
+              <a:avLst/>
+            </a:prstGeom>
+            <a:solidFill>
+              <a:schemeClr val="bg1"/>
+            </a:solidFill>
+            <a:ln>
+              <a:solidFill>
+                <a:schemeClr val="tx1"/>
+              </a:solidFill>
+            </a:ln>
+          </p:spPr>
+          <p:style>
+            <a:lnRef idx="2">
+              <a:schemeClr val="accent1">
+                <a:shade val="50000"/>
+              </a:schemeClr>
+            </a:lnRef>
+            <a:fillRef idx="1">
+              <a:schemeClr val="accent1"/>
+            </a:fillRef>
+            <a:effectRef idx="0">
+              <a:schemeClr val="accent1"/>
+            </a:effectRef>
+            <a:fontRef idx="minor">
+              <a:schemeClr val="lt1"/>
+            </a:fontRef>
+          </p:style>
+          <p:txBody>
+            <a:bodyPr rtlCol="0" anchor="ctr"/>
+            <a:lstStyle/>
+            <a:p>
+              <a:pPr algn="ctr"/>
+              <a:r>
+                <a:rPr lang="en-GB" sz="1400" dirty="0" smtClean="0">
+                  <a:solidFill>
+                    <a:schemeClr val="tx1"/>
+                  </a:solidFill>
+                </a:rPr>
+                <a:t>Logo</a:t>
+              </a:r>
+              <a:endParaRPr lang="en-GB" sz="400" dirty="0">
+                <a:solidFill>
+                  <a:schemeClr val="tx1"/>
+                </a:solidFill>
+              </a:endParaRPr>
+            </a:p>
+          </p:txBody>
+        </p:sp>
+      </p:grpSp>
+      <p:cxnSp>
+        <p:nvCxnSpPr>
+          <p:cNvPr id="14" name="Straight Connector 13"/>
+          <p:cNvCxnSpPr/>
+          <p:nvPr/>
+        </p:nvCxnSpPr>
+        <p:spPr>
+          <a:xfrm>
+            <a:off x="1835696" y="1271101"/>
+            <a:ext cx="0" cy="645731"/>
+          </a:xfrm>
+          <a:prstGeom prst="line">
+            <a:avLst/>
+          </a:prstGeom>
+          <a:ln>
+            <a:solidFill>
+              <a:schemeClr val="tx1"/>
+            </a:solidFill>
+          </a:ln>
+        </p:spPr>
+        <p:style>
+          <a:lnRef idx="1">
+            <a:schemeClr val="accent1"/>
+          </a:lnRef>
+          <a:fillRef idx="0">
+            <a:schemeClr val="accent1"/>
+          </a:fillRef>
+          <a:effectRef idx="0">
+            <a:schemeClr val="accent1"/>
+          </a:effectRef>
+          <a:fontRef idx="minor">
+            <a:schemeClr val="tx1"/>
+          </a:fontRef>
+        </p:style>
+      </p:cxnSp>
+      <p:cxnSp>
+        <p:nvCxnSpPr>
+          <p:cNvPr id="46" name="Straight Connector 45"/>
+          <p:cNvCxnSpPr/>
+          <p:nvPr/>
+        </p:nvCxnSpPr>
+        <p:spPr>
+          <a:xfrm>
+            <a:off x="0" y="1916832"/>
+            <a:ext cx="9144000" cy="0"/>
+          </a:xfrm>
+          <a:prstGeom prst="line">
+            <a:avLst/>
+          </a:prstGeom>
+          <a:ln>
+            <a:solidFill>
+              <a:schemeClr val="tx1"/>
+            </a:solidFill>
+          </a:ln>
+        </p:spPr>
+        <p:style>
+          <a:lnRef idx="1">
+            <a:schemeClr val="accent1"/>
+          </a:lnRef>
+          <a:fillRef idx="0">
+            <a:schemeClr val="accent1"/>
+          </a:fillRef>
+          <a:effectRef idx="0">
+            <a:schemeClr val="accent1"/>
+          </a:effectRef>
+          <a:fontRef idx="minor">
+            <a:schemeClr val="tx1"/>
+          </a:fontRef>
+        </p:style>
+      </p:cxnSp>
+      <p:cxnSp>
+        <p:nvCxnSpPr>
+          <p:cNvPr id="47" name="Straight Connector 46"/>
+          <p:cNvCxnSpPr/>
+          <p:nvPr/>
+        </p:nvCxnSpPr>
+        <p:spPr>
+          <a:xfrm flipV="1">
+            <a:off x="0" y="1268760"/>
+            <a:ext cx="9144000" cy="2341"/>
+          </a:xfrm>
+          <a:prstGeom prst="line">
+            <a:avLst/>
+          </a:prstGeom>
+          <a:ln>
+            <a:solidFill>
+              <a:schemeClr val="tx1"/>
+            </a:solidFill>
+          </a:ln>
+        </p:spPr>
+        <p:style>
+          <a:lnRef idx="1">
+            <a:schemeClr val="accent1"/>
+          </a:lnRef>
+          <a:fillRef idx="0">
+            <a:schemeClr val="accent1"/>
+          </a:fillRef>
+          <a:effectRef idx="0">
+            <a:schemeClr val="accent1"/>
+          </a:effectRef>
+          <a:fontRef idx="minor">
+            <a:schemeClr val="tx1"/>
+          </a:fontRef>
+        </p:style>
+      </p:cxnSp>
+      <p:cxnSp>
+        <p:nvCxnSpPr>
+          <p:cNvPr id="51" name="Straight Connector 50"/>
+          <p:cNvCxnSpPr/>
+          <p:nvPr/>
+        </p:nvCxnSpPr>
+        <p:spPr>
+          <a:xfrm>
+            <a:off x="7092280" y="1271101"/>
+            <a:ext cx="0" cy="645731"/>
+          </a:xfrm>
+          <a:prstGeom prst="line">
+            <a:avLst/>
+          </a:prstGeom>
+          <a:ln>
+            <a:solidFill>
+              <a:schemeClr val="tx1"/>
+            </a:solidFill>
+          </a:ln>
+        </p:spPr>
+        <p:style>
+          <a:lnRef idx="1">
+            <a:schemeClr val="accent1"/>
+          </a:lnRef>
+          <a:fillRef idx="0">
+            <a:schemeClr val="accent1"/>
+          </a:fillRef>
+          <a:effectRef idx="0">
+            <a:schemeClr val="accent1"/>
+          </a:effectRef>
+          <a:fontRef idx="minor">
+            <a:schemeClr val="tx1"/>
+          </a:fontRef>
+        </p:style>
+      </p:cxnSp>
+      <p:sp>
+        <p:nvSpPr>
+          <p:cNvPr id="44" name="TextBox 43"/>
+          <p:cNvSpPr txBox="1"/>
+          <p:nvPr/>
+        </p:nvSpPr>
+        <p:spPr>
+          <a:xfrm>
+            <a:off x="6012160" y="403547"/>
+            <a:ext cx="1152128" cy="461665"/>
           </a:xfrm>
           <a:prstGeom prst="rect">
             <a:avLst/>
@@ -3652,23 +5533,23 @@
           <a:p>
             <a:pPr algn="ctr"/>
             <a:r>
-              <a:rPr lang="en-GB" sz="3200" dirty="0" smtClean="0"/>
-              <a:t>Site Name</a:t>
+              <a:rPr lang="en-GB" sz="2400" dirty="0" smtClean="0"/>
+              <a:t>Sign Up</a:t>
             </a:r>
-            <a:endParaRPr lang="en-GB" sz="3200" dirty="0"/>
-          </a:p>
-        </p:txBody>
-      </p:sp>
-      <p:sp>
-        <p:nvSpPr>
-          <p:cNvPr id="6" name="TextBox 5"/>
+            <a:endParaRPr lang="en-GB" sz="2400" dirty="0"/>
+          </a:p>
+        </p:txBody>
+      </p:sp>
+      <p:sp>
+        <p:nvSpPr>
+          <p:cNvPr id="48" name="TextBox 47"/>
           <p:cNvSpPr txBox="1"/>
           <p:nvPr/>
         </p:nvSpPr>
         <p:spPr>
           <a:xfrm>
-            <a:off x="6012160" y="403547"/>
-            <a:ext cx="1152128" cy="461665"/>
+            <a:off x="7452320" y="403547"/>
+            <a:ext cx="1008112" cy="461665"/>
           </a:xfrm>
           <a:prstGeom prst="rect">
             <a:avLst/>
@@ -3687,9 +5568,138 @@
             <a:pPr algn="ctr"/>
             <a:r>
               <a:rPr lang="en-GB" sz="2400" dirty="0" smtClean="0"/>
-              <a:t>Sign Up</a:t>
+              <a:t>Log In</a:t>
             </a:r>
             <a:endParaRPr lang="en-GB" sz="2400" dirty="0"/>
+          </a:p>
+        </p:txBody>
+      </p:sp>
+    </p:spTree>
+    <p:extLst>
+      <p:ext uri="{BB962C8B-B14F-4D97-AF65-F5344CB8AC3E}">
+        <p14:creationId xmlns:p14="http://schemas.microsoft.com/office/powerpoint/2010/main" val="1320775898"/>
+      </p:ext>
+    </p:extLst>
+  </p:cSld>
+  <p:clrMapOvr>
+    <a:masterClrMapping/>
+  </p:clrMapOvr>
+  <p:timing>
+    <p:tnLst>
+      <p:par>
+        <p:cTn id="1" dur="indefinite" restart="never" nodeType="tmRoot"/>
+      </p:par>
+    </p:tnLst>
+  </p:timing>
+</p:sld>
+</file>
+
+<file path=ppt/slides/slide3.xml><?xml version="1.0" encoding="utf-8"?>
+<p:sld xmlns:a="http://schemas.openxmlformats.org/drawingml/2006/main" xmlns:r="http://schemas.openxmlformats.org/officeDocument/2006/relationships" xmlns:p="http://schemas.openxmlformats.org/presentationml/2006/main">
+  <p:cSld>
+    <p:spTree>
+      <p:nvGrpSpPr>
+        <p:cNvPr id="1" name=""/>
+        <p:cNvGrpSpPr/>
+        <p:nvPr/>
+      </p:nvGrpSpPr>
+      <p:grpSpPr>
+        <a:xfrm>
+          <a:off x="0" y="0"/>
+          <a:ext cx="0" cy="0"/>
+          <a:chOff x="0" y="0"/>
+          <a:chExt cx="0" cy="0"/>
+        </a:xfrm>
+      </p:grpSpPr>
+      <p:sp>
+        <p:nvSpPr>
+          <p:cNvPr id="45" name="Rectangle 44"/>
+          <p:cNvSpPr/>
+          <p:nvPr/>
+        </p:nvSpPr>
+        <p:spPr>
+          <a:xfrm>
+            <a:off x="0" y="1266419"/>
+            <a:ext cx="9144000" cy="650413"/>
+          </a:xfrm>
+          <a:prstGeom prst="rect">
+            <a:avLst/>
+          </a:prstGeom>
+          <a:solidFill>
+            <a:srgbClr val="DDEDA9"/>
+          </a:solidFill>
+          <a:ln>
+            <a:noFill/>
+          </a:ln>
+        </p:spPr>
+        <p:style>
+          <a:lnRef idx="2">
+            <a:schemeClr val="accent3">
+              <a:shade val="50000"/>
+            </a:schemeClr>
+          </a:lnRef>
+          <a:fillRef idx="1">
+            <a:schemeClr val="accent3"/>
+          </a:fillRef>
+          <a:effectRef idx="0">
+            <a:schemeClr val="accent3"/>
+          </a:effectRef>
+          <a:fontRef idx="minor">
+            <a:schemeClr val="lt1"/>
+          </a:fontRef>
+        </p:style>
+        <p:txBody>
+          <a:bodyPr rtlCol="0" anchor="ctr"/>
+          <a:lstStyle/>
+          <a:p>
+            <a:pPr algn="ctr"/>
+            <a:endParaRPr lang="en-GB"/>
+          </a:p>
+        </p:txBody>
+      </p:sp>
+      <p:sp>
+        <p:nvSpPr>
+          <p:cNvPr id="5" name="Rectangle 4"/>
+          <p:cNvSpPr/>
+          <p:nvPr/>
+        </p:nvSpPr>
+        <p:spPr>
+          <a:xfrm>
+            <a:off x="0" y="0"/>
+            <a:ext cx="9144000" cy="1268760"/>
+          </a:xfrm>
+          <a:prstGeom prst="rect">
+            <a:avLst/>
+          </a:prstGeom>
+          <a:solidFill>
+            <a:srgbClr val="C4E06A"/>
+          </a:solidFill>
+          <a:ln>
+            <a:noFill/>
+          </a:ln>
+        </p:spPr>
+        <p:style>
+          <a:lnRef idx="2">
+            <a:schemeClr val="accent3">
+              <a:shade val="50000"/>
+            </a:schemeClr>
+          </a:lnRef>
+          <a:fillRef idx="1">
+            <a:schemeClr val="accent3"/>
+          </a:fillRef>
+          <a:effectRef idx="0">
+            <a:schemeClr val="accent3"/>
+          </a:effectRef>
+          <a:fontRef idx="minor">
+            <a:schemeClr val="lt1"/>
+          </a:fontRef>
+        </p:style>
+        <p:txBody>
+          <a:bodyPr rtlCol="0" anchor="ctr"/>
+          <a:lstStyle/>
+          <a:p>
+            <a:pPr algn="ctr"/>
+            <a:endParaRPr lang="en-GB"/>
           </a:p>
         </p:txBody>
       </p:sp>
@@ -3701,8 +5711,8 @@
         </p:nvSpPr>
         <p:spPr>
           <a:xfrm>
-            <a:off x="7452320" y="403547"/>
-            <a:ext cx="1008112" cy="461665"/>
+            <a:off x="5796136" y="403547"/>
+            <a:ext cx="2664296" cy="461665"/>
           </a:xfrm>
           <a:prstGeom prst="rect">
             <a:avLst/>
@@ -3718,25 +5728,2772 @@
           </a:bodyPr>
           <a:lstStyle/>
           <a:p>
+            <a:pPr algn="r"/>
+            <a:r>
+              <a:rPr lang="en-GB" sz="2400" dirty="0" smtClean="0"/>
+              <a:t>My Recipes</a:t>
+            </a:r>
+            <a:endParaRPr lang="en-GB" sz="2400" dirty="0"/>
+          </a:p>
+        </p:txBody>
+      </p:sp>
+      <p:grpSp>
+        <p:nvGrpSpPr>
+          <p:cNvPr id="52" name="Group 51"/>
+          <p:cNvGrpSpPr/>
+          <p:nvPr/>
+        </p:nvGrpSpPr>
+        <p:grpSpPr>
+          <a:xfrm>
+            <a:off x="359532" y="2276872"/>
+            <a:ext cx="8424936" cy="2016224"/>
+            <a:chOff x="359532" y="2494656"/>
+            <a:chExt cx="8424936" cy="2016224"/>
+          </a:xfrm>
+        </p:grpSpPr>
+        <p:sp>
+          <p:nvSpPr>
+            <p:cNvPr id="8" name="Rectangle 7"/>
+            <p:cNvSpPr/>
+            <p:nvPr/>
+          </p:nvSpPr>
+          <p:spPr>
+            <a:xfrm>
+              <a:off x="359532" y="2494656"/>
+              <a:ext cx="8424936" cy="2016224"/>
+            </a:xfrm>
+            <a:prstGeom prst="rect">
+              <a:avLst/>
+            </a:prstGeom>
+            <a:solidFill>
+              <a:srgbClr val="C4E06A"/>
+            </a:solidFill>
+            <a:ln>
+              <a:solidFill>
+                <a:srgbClr val="A0C26A"/>
+              </a:solidFill>
+            </a:ln>
+          </p:spPr>
+          <p:style>
+            <a:lnRef idx="2">
+              <a:schemeClr val="accent1">
+                <a:shade val="50000"/>
+              </a:schemeClr>
+            </a:lnRef>
+            <a:fillRef idx="1">
+              <a:schemeClr val="accent1"/>
+            </a:fillRef>
+            <a:effectRef idx="0">
+              <a:schemeClr val="accent1"/>
+            </a:effectRef>
+            <a:fontRef idx="minor">
+              <a:schemeClr val="lt1"/>
+            </a:fontRef>
+          </p:style>
+          <p:txBody>
+            <a:bodyPr rtlCol="0" anchor="ctr"/>
+            <a:lstStyle/>
+            <a:p>
+              <a:pPr algn="ctr"/>
+              <a:endParaRPr lang="en-GB"/>
+            </a:p>
+          </p:txBody>
+        </p:sp>
+        <p:sp>
+          <p:nvSpPr>
+            <p:cNvPr id="11" name="Rectangle 10"/>
+            <p:cNvSpPr/>
+            <p:nvPr/>
+          </p:nvSpPr>
+          <p:spPr>
+            <a:xfrm>
+              <a:off x="539552" y="3263871"/>
+              <a:ext cx="1152128" cy="1080120"/>
+            </a:xfrm>
+            <a:prstGeom prst="rect">
+              <a:avLst/>
+            </a:prstGeom>
+            <a:solidFill>
+              <a:schemeClr val="bg1"/>
+            </a:solidFill>
+            <a:ln>
+              <a:solidFill>
+                <a:schemeClr val="tx1"/>
+              </a:solidFill>
+            </a:ln>
+          </p:spPr>
+          <p:style>
+            <a:lnRef idx="2">
+              <a:schemeClr val="accent1">
+                <a:shade val="50000"/>
+              </a:schemeClr>
+            </a:lnRef>
+            <a:fillRef idx="1">
+              <a:schemeClr val="accent1"/>
+            </a:fillRef>
+            <a:effectRef idx="0">
+              <a:schemeClr val="accent1"/>
+            </a:effectRef>
+            <a:fontRef idx="minor">
+              <a:schemeClr val="lt1"/>
+            </a:fontRef>
+          </p:style>
+          <p:txBody>
+            <a:bodyPr rtlCol="0" anchor="ctr"/>
+            <a:lstStyle/>
+            <a:p>
+              <a:pPr algn="ctr"/>
+              <a:endParaRPr lang="en-GB"/>
+            </a:p>
+          </p:txBody>
+        </p:sp>
+        <p:sp>
+          <p:nvSpPr>
+            <p:cNvPr id="18" name="Rectangle 17"/>
+            <p:cNvSpPr/>
+            <p:nvPr/>
+          </p:nvSpPr>
+          <p:spPr>
+            <a:xfrm>
+              <a:off x="3275856" y="3284984"/>
+              <a:ext cx="1152128" cy="1080120"/>
+            </a:xfrm>
+            <a:prstGeom prst="rect">
+              <a:avLst/>
+            </a:prstGeom>
+            <a:solidFill>
+              <a:schemeClr val="bg1"/>
+            </a:solidFill>
+            <a:ln>
+              <a:solidFill>
+                <a:schemeClr val="tx1"/>
+              </a:solidFill>
+            </a:ln>
+          </p:spPr>
+          <p:style>
+            <a:lnRef idx="2">
+              <a:schemeClr val="accent1">
+                <a:shade val="50000"/>
+              </a:schemeClr>
+            </a:lnRef>
+            <a:fillRef idx="1">
+              <a:schemeClr val="accent1"/>
+            </a:fillRef>
+            <a:effectRef idx="0">
+              <a:schemeClr val="accent1"/>
+            </a:effectRef>
+            <a:fontRef idx="minor">
+              <a:schemeClr val="lt1"/>
+            </a:fontRef>
+          </p:style>
+          <p:txBody>
+            <a:bodyPr rtlCol="0" anchor="ctr"/>
+            <a:lstStyle/>
+            <a:p>
+              <a:pPr algn="ctr"/>
+              <a:endParaRPr lang="en-GB"/>
+            </a:p>
+          </p:txBody>
+        </p:sp>
+        <p:sp>
+          <p:nvSpPr>
+            <p:cNvPr id="19" name="Rectangle 18"/>
+            <p:cNvSpPr/>
+            <p:nvPr/>
+          </p:nvSpPr>
+          <p:spPr>
+            <a:xfrm>
+              <a:off x="5940152" y="3284984"/>
+              <a:ext cx="1152128" cy="1080120"/>
+            </a:xfrm>
+            <a:prstGeom prst="rect">
+              <a:avLst/>
+            </a:prstGeom>
+            <a:solidFill>
+              <a:schemeClr val="bg1"/>
+            </a:solidFill>
+            <a:ln>
+              <a:solidFill>
+                <a:schemeClr val="tx1"/>
+              </a:solidFill>
+            </a:ln>
+          </p:spPr>
+          <p:style>
+            <a:lnRef idx="2">
+              <a:schemeClr val="accent1">
+                <a:shade val="50000"/>
+              </a:schemeClr>
+            </a:lnRef>
+            <a:fillRef idx="1">
+              <a:schemeClr val="accent1"/>
+            </a:fillRef>
+            <a:effectRef idx="0">
+              <a:schemeClr val="accent1"/>
+            </a:effectRef>
+            <a:fontRef idx="minor">
+              <a:schemeClr val="lt1"/>
+            </a:fontRef>
+          </p:style>
+          <p:txBody>
+            <a:bodyPr rtlCol="0" anchor="ctr"/>
+            <a:lstStyle/>
+            <a:p>
+              <a:pPr algn="ctr"/>
+              <a:endParaRPr lang="en-GB"/>
+            </a:p>
+          </p:txBody>
+        </p:sp>
+        <p:sp>
+          <p:nvSpPr>
+            <p:cNvPr id="20" name="TextBox 19"/>
+            <p:cNvSpPr txBox="1"/>
+            <p:nvPr/>
+          </p:nvSpPr>
+          <p:spPr>
+            <a:xfrm>
+              <a:off x="611560" y="3619265"/>
+              <a:ext cx="1008112" cy="369332"/>
+            </a:xfrm>
+            <a:prstGeom prst="rect">
+              <a:avLst/>
+            </a:prstGeom>
+            <a:noFill/>
+          </p:spPr>
+          <p:txBody>
+            <a:bodyPr wrap="square" rtlCol="0">
+              <a:spAutoFit/>
+            </a:bodyPr>
+            <a:lstStyle/>
+            <a:p>
+              <a:r>
+                <a:rPr lang="en-GB" dirty="0" smtClean="0"/>
+                <a:t>Picture 1</a:t>
+              </a:r>
+              <a:endParaRPr lang="en-GB" dirty="0"/>
+            </a:p>
+          </p:txBody>
+        </p:sp>
+        <p:sp>
+          <p:nvSpPr>
+            <p:cNvPr id="21" name="TextBox 20"/>
+            <p:cNvSpPr txBox="1"/>
+            <p:nvPr/>
+          </p:nvSpPr>
+          <p:spPr>
+            <a:xfrm>
+              <a:off x="3367043" y="3630780"/>
+              <a:ext cx="1060941" cy="369332"/>
+            </a:xfrm>
+            <a:prstGeom prst="rect">
+              <a:avLst/>
+            </a:prstGeom>
+            <a:noFill/>
+          </p:spPr>
+          <p:txBody>
+            <a:bodyPr wrap="square" rtlCol="0">
+              <a:spAutoFit/>
+            </a:bodyPr>
+            <a:lstStyle/>
+            <a:p>
+              <a:r>
+                <a:rPr lang="en-GB" dirty="0" smtClean="0"/>
+                <a:t>Picture 2</a:t>
+              </a:r>
+              <a:endParaRPr lang="en-GB" dirty="0"/>
+            </a:p>
+          </p:txBody>
+        </p:sp>
+        <p:sp>
+          <p:nvSpPr>
+            <p:cNvPr id="22" name="TextBox 21"/>
+            <p:cNvSpPr txBox="1"/>
+            <p:nvPr/>
+          </p:nvSpPr>
+          <p:spPr>
+            <a:xfrm>
+              <a:off x="6012160" y="3640378"/>
+              <a:ext cx="1080120" cy="369332"/>
+            </a:xfrm>
+            <a:prstGeom prst="rect">
+              <a:avLst/>
+            </a:prstGeom>
+            <a:noFill/>
+          </p:spPr>
+          <p:txBody>
+            <a:bodyPr wrap="square" rtlCol="0">
+              <a:spAutoFit/>
+            </a:bodyPr>
+            <a:lstStyle/>
+            <a:p>
+              <a:r>
+                <a:rPr lang="en-GB" dirty="0" smtClean="0"/>
+                <a:t>Picture 3</a:t>
+              </a:r>
+              <a:endParaRPr lang="en-GB" dirty="0"/>
+            </a:p>
+          </p:txBody>
+        </p:sp>
+        <p:sp>
+          <p:nvSpPr>
+            <p:cNvPr id="23" name="TextBox 22"/>
+            <p:cNvSpPr txBox="1"/>
+            <p:nvPr/>
+          </p:nvSpPr>
+          <p:spPr>
+            <a:xfrm>
+              <a:off x="539552" y="2591707"/>
+              <a:ext cx="3816424" cy="523220"/>
+            </a:xfrm>
+            <a:prstGeom prst="rect">
+              <a:avLst/>
+            </a:prstGeom>
+            <a:noFill/>
+          </p:spPr>
+          <p:txBody>
+            <a:bodyPr wrap="square" rtlCol="0">
+              <a:spAutoFit/>
+            </a:bodyPr>
+            <a:lstStyle/>
+            <a:p>
+              <a:r>
+                <a:rPr lang="en-GB" sz="2800" dirty="0" smtClean="0"/>
+                <a:t>Most Popular This Week</a:t>
+              </a:r>
+              <a:endParaRPr lang="en-GB" sz="2800" dirty="0"/>
+            </a:p>
+          </p:txBody>
+        </p:sp>
+        <p:sp>
+          <p:nvSpPr>
+            <p:cNvPr id="24" name="TextBox 23"/>
+            <p:cNvSpPr txBox="1"/>
+            <p:nvPr/>
+          </p:nvSpPr>
+          <p:spPr>
+            <a:xfrm>
+              <a:off x="1835696" y="3263871"/>
+              <a:ext cx="1224136" cy="923330"/>
+            </a:xfrm>
+            <a:prstGeom prst="rect">
+              <a:avLst/>
+            </a:prstGeom>
+            <a:noFill/>
+          </p:spPr>
+          <p:txBody>
+            <a:bodyPr wrap="square" rtlCol="0">
+              <a:spAutoFit/>
+            </a:bodyPr>
+            <a:lstStyle/>
+            <a:p>
+              <a:r>
+                <a:rPr lang="en-GB" dirty="0" smtClean="0"/>
+                <a:t>Recipe 1</a:t>
+              </a:r>
+            </a:p>
+            <a:p>
+              <a:r>
+                <a:rPr lang="en-GB" dirty="0" smtClean="0"/>
+                <a:t>User 1</a:t>
+              </a:r>
+            </a:p>
+            <a:p>
+              <a:r>
+                <a:rPr lang="en-GB" dirty="0" smtClean="0"/>
+                <a:t>Rating 1</a:t>
+              </a:r>
+              <a:endParaRPr lang="en-GB" dirty="0"/>
+            </a:p>
+          </p:txBody>
+        </p:sp>
+        <p:sp>
+          <p:nvSpPr>
+            <p:cNvPr id="25" name="TextBox 24"/>
+            <p:cNvSpPr txBox="1"/>
+            <p:nvPr/>
+          </p:nvSpPr>
+          <p:spPr>
+            <a:xfrm>
+              <a:off x="4572000" y="3280166"/>
+              <a:ext cx="1224136" cy="923330"/>
+            </a:xfrm>
+            <a:prstGeom prst="rect">
+              <a:avLst/>
+            </a:prstGeom>
+            <a:noFill/>
+          </p:spPr>
+          <p:txBody>
+            <a:bodyPr wrap="square" rtlCol="0">
+              <a:spAutoFit/>
+            </a:bodyPr>
+            <a:lstStyle/>
+            <a:p>
+              <a:r>
+                <a:rPr lang="en-GB" dirty="0" smtClean="0"/>
+                <a:t>Recipe 2</a:t>
+              </a:r>
+            </a:p>
+            <a:p>
+              <a:r>
+                <a:rPr lang="en-GB" dirty="0" smtClean="0"/>
+                <a:t>User 2</a:t>
+              </a:r>
+            </a:p>
+            <a:p>
+              <a:r>
+                <a:rPr lang="en-GB" dirty="0" smtClean="0"/>
+                <a:t>Rating 2</a:t>
+              </a:r>
+            </a:p>
+          </p:txBody>
+        </p:sp>
+        <p:sp>
+          <p:nvSpPr>
+            <p:cNvPr id="26" name="TextBox 25"/>
+            <p:cNvSpPr txBox="1"/>
+            <p:nvPr/>
+          </p:nvSpPr>
+          <p:spPr>
+            <a:xfrm>
+              <a:off x="7279463" y="3316342"/>
+              <a:ext cx="1224136" cy="923330"/>
+            </a:xfrm>
+            <a:prstGeom prst="rect">
+              <a:avLst/>
+            </a:prstGeom>
+            <a:noFill/>
+          </p:spPr>
+          <p:txBody>
+            <a:bodyPr wrap="square" rtlCol="0">
+              <a:spAutoFit/>
+            </a:bodyPr>
+            <a:lstStyle/>
+            <a:p>
+              <a:r>
+                <a:rPr lang="en-GB" dirty="0" smtClean="0"/>
+                <a:t>Recipe 3</a:t>
+              </a:r>
+            </a:p>
+            <a:p>
+              <a:r>
+                <a:rPr lang="en-GB" dirty="0" smtClean="0"/>
+                <a:t>User 3</a:t>
+              </a:r>
+            </a:p>
+            <a:p>
+              <a:r>
+                <a:rPr lang="en-GB" dirty="0" smtClean="0"/>
+                <a:t>Rating 3</a:t>
+              </a:r>
+              <a:endParaRPr lang="en-GB" dirty="0"/>
+            </a:p>
+          </p:txBody>
+        </p:sp>
+      </p:grpSp>
+      <p:grpSp>
+        <p:nvGrpSpPr>
+          <p:cNvPr id="53" name="Group 52"/>
+          <p:cNvGrpSpPr/>
+          <p:nvPr/>
+        </p:nvGrpSpPr>
+        <p:grpSpPr>
+          <a:xfrm>
+            <a:off x="359532" y="4509120"/>
+            <a:ext cx="8424936" cy="2016224"/>
+            <a:chOff x="359532" y="4661520"/>
+            <a:chExt cx="8424936" cy="2016224"/>
+          </a:xfrm>
+        </p:grpSpPr>
+        <p:sp>
+          <p:nvSpPr>
+            <p:cNvPr id="28" name="Rectangle 27"/>
+            <p:cNvSpPr/>
+            <p:nvPr/>
+          </p:nvSpPr>
+          <p:spPr>
+            <a:xfrm>
+              <a:off x="359532" y="4661520"/>
+              <a:ext cx="8424936" cy="2016224"/>
+            </a:xfrm>
+            <a:prstGeom prst="rect">
+              <a:avLst/>
+            </a:prstGeom>
+            <a:solidFill>
+              <a:srgbClr val="C4E06A"/>
+            </a:solidFill>
+            <a:ln>
+              <a:solidFill>
+                <a:srgbClr val="A0C26A"/>
+              </a:solidFill>
+            </a:ln>
+          </p:spPr>
+          <p:style>
+            <a:lnRef idx="2">
+              <a:schemeClr val="accent1">
+                <a:shade val="50000"/>
+              </a:schemeClr>
+            </a:lnRef>
+            <a:fillRef idx="1">
+              <a:schemeClr val="accent1"/>
+            </a:fillRef>
+            <a:effectRef idx="0">
+              <a:schemeClr val="accent1"/>
+            </a:effectRef>
+            <a:fontRef idx="minor">
+              <a:schemeClr val="lt1"/>
+            </a:fontRef>
+          </p:style>
+          <p:txBody>
+            <a:bodyPr rtlCol="0" anchor="ctr"/>
+            <a:lstStyle/>
+            <a:p>
+              <a:pPr algn="ctr"/>
+              <a:endParaRPr lang="en-GB"/>
+            </a:p>
+          </p:txBody>
+        </p:sp>
+        <p:sp>
+          <p:nvSpPr>
+            <p:cNvPr id="29" name="Rectangle 28"/>
+            <p:cNvSpPr/>
+            <p:nvPr/>
+          </p:nvSpPr>
+          <p:spPr>
+            <a:xfrm>
+              <a:off x="539552" y="5432495"/>
+              <a:ext cx="1152128" cy="1080120"/>
+            </a:xfrm>
+            <a:prstGeom prst="rect">
+              <a:avLst/>
+            </a:prstGeom>
+            <a:solidFill>
+              <a:schemeClr val="bg1"/>
+            </a:solidFill>
+            <a:ln>
+              <a:solidFill>
+                <a:schemeClr val="tx1"/>
+              </a:solidFill>
+            </a:ln>
+          </p:spPr>
+          <p:style>
+            <a:lnRef idx="2">
+              <a:schemeClr val="accent1">
+                <a:shade val="50000"/>
+              </a:schemeClr>
+            </a:lnRef>
+            <a:fillRef idx="1">
+              <a:schemeClr val="accent1"/>
+            </a:fillRef>
+            <a:effectRef idx="0">
+              <a:schemeClr val="accent1"/>
+            </a:effectRef>
+            <a:fontRef idx="minor">
+              <a:schemeClr val="lt1"/>
+            </a:fontRef>
+          </p:style>
+          <p:txBody>
+            <a:bodyPr rtlCol="0" anchor="ctr"/>
+            <a:lstStyle/>
+            <a:p>
+              <a:pPr algn="ctr"/>
+              <a:endParaRPr lang="en-GB"/>
+            </a:p>
+          </p:txBody>
+        </p:sp>
+        <p:sp>
+          <p:nvSpPr>
+            <p:cNvPr id="30" name="Rectangle 29"/>
+            <p:cNvSpPr/>
+            <p:nvPr/>
+          </p:nvSpPr>
+          <p:spPr>
+            <a:xfrm>
+              <a:off x="3275856" y="5453608"/>
+              <a:ext cx="1152128" cy="1080120"/>
+            </a:xfrm>
+            <a:prstGeom prst="rect">
+              <a:avLst/>
+            </a:prstGeom>
+            <a:solidFill>
+              <a:schemeClr val="bg1"/>
+            </a:solidFill>
+            <a:ln>
+              <a:solidFill>
+                <a:schemeClr val="tx1"/>
+              </a:solidFill>
+            </a:ln>
+          </p:spPr>
+          <p:style>
+            <a:lnRef idx="2">
+              <a:schemeClr val="accent1">
+                <a:shade val="50000"/>
+              </a:schemeClr>
+            </a:lnRef>
+            <a:fillRef idx="1">
+              <a:schemeClr val="accent1"/>
+            </a:fillRef>
+            <a:effectRef idx="0">
+              <a:schemeClr val="accent1"/>
+            </a:effectRef>
+            <a:fontRef idx="minor">
+              <a:schemeClr val="lt1"/>
+            </a:fontRef>
+          </p:style>
+          <p:txBody>
+            <a:bodyPr rtlCol="0" anchor="ctr"/>
+            <a:lstStyle/>
+            <a:p>
+              <a:pPr algn="ctr"/>
+              <a:endParaRPr lang="en-GB"/>
+            </a:p>
+          </p:txBody>
+        </p:sp>
+        <p:sp>
+          <p:nvSpPr>
+            <p:cNvPr id="31" name="Rectangle 30"/>
+            <p:cNvSpPr/>
+            <p:nvPr/>
+          </p:nvSpPr>
+          <p:spPr>
+            <a:xfrm>
+              <a:off x="5940152" y="5453608"/>
+              <a:ext cx="1152128" cy="1080120"/>
+            </a:xfrm>
+            <a:prstGeom prst="rect">
+              <a:avLst/>
+            </a:prstGeom>
+            <a:solidFill>
+              <a:schemeClr val="bg1"/>
+            </a:solidFill>
+            <a:ln>
+              <a:solidFill>
+                <a:schemeClr val="tx1"/>
+              </a:solidFill>
+            </a:ln>
+          </p:spPr>
+          <p:style>
+            <a:lnRef idx="2">
+              <a:schemeClr val="accent1">
+                <a:shade val="50000"/>
+              </a:schemeClr>
+            </a:lnRef>
+            <a:fillRef idx="1">
+              <a:schemeClr val="accent1"/>
+            </a:fillRef>
+            <a:effectRef idx="0">
+              <a:schemeClr val="accent1"/>
+            </a:effectRef>
+            <a:fontRef idx="minor">
+              <a:schemeClr val="lt1"/>
+            </a:fontRef>
+          </p:style>
+          <p:txBody>
+            <a:bodyPr rtlCol="0" anchor="ctr"/>
+            <a:lstStyle/>
+            <a:p>
+              <a:pPr algn="ctr"/>
+              <a:endParaRPr lang="en-GB"/>
+            </a:p>
+          </p:txBody>
+        </p:sp>
+        <p:sp>
+          <p:nvSpPr>
+            <p:cNvPr id="32" name="TextBox 31"/>
+            <p:cNvSpPr txBox="1"/>
+            <p:nvPr/>
+          </p:nvSpPr>
+          <p:spPr>
+            <a:xfrm>
+              <a:off x="611560" y="5787889"/>
+              <a:ext cx="1008112" cy="369332"/>
+            </a:xfrm>
+            <a:prstGeom prst="rect">
+              <a:avLst/>
+            </a:prstGeom>
+            <a:noFill/>
+          </p:spPr>
+          <p:txBody>
+            <a:bodyPr wrap="square" rtlCol="0">
+              <a:spAutoFit/>
+            </a:bodyPr>
+            <a:lstStyle/>
+            <a:p>
+              <a:r>
+                <a:rPr lang="en-GB" dirty="0" smtClean="0"/>
+                <a:t>Picture 1</a:t>
+              </a:r>
+              <a:endParaRPr lang="en-GB" dirty="0"/>
+            </a:p>
+          </p:txBody>
+        </p:sp>
+        <p:sp>
+          <p:nvSpPr>
+            <p:cNvPr id="33" name="TextBox 32"/>
+            <p:cNvSpPr txBox="1"/>
+            <p:nvPr/>
+          </p:nvSpPr>
+          <p:spPr>
+            <a:xfrm>
+              <a:off x="3367043" y="5799404"/>
+              <a:ext cx="1060941" cy="369332"/>
+            </a:xfrm>
+            <a:prstGeom prst="rect">
+              <a:avLst/>
+            </a:prstGeom>
+            <a:noFill/>
+          </p:spPr>
+          <p:txBody>
+            <a:bodyPr wrap="square" rtlCol="0">
+              <a:spAutoFit/>
+            </a:bodyPr>
+            <a:lstStyle/>
+            <a:p>
+              <a:r>
+                <a:rPr lang="en-GB" dirty="0" smtClean="0"/>
+                <a:t>Picture 2</a:t>
+              </a:r>
+              <a:endParaRPr lang="en-GB" dirty="0"/>
+            </a:p>
+          </p:txBody>
+        </p:sp>
+        <p:sp>
+          <p:nvSpPr>
+            <p:cNvPr id="34" name="TextBox 33"/>
+            <p:cNvSpPr txBox="1"/>
+            <p:nvPr/>
+          </p:nvSpPr>
+          <p:spPr>
+            <a:xfrm>
+              <a:off x="6012160" y="5809002"/>
+              <a:ext cx="1080120" cy="369332"/>
+            </a:xfrm>
+            <a:prstGeom prst="rect">
+              <a:avLst/>
+            </a:prstGeom>
+            <a:noFill/>
+          </p:spPr>
+          <p:txBody>
+            <a:bodyPr wrap="square" rtlCol="0">
+              <a:spAutoFit/>
+            </a:bodyPr>
+            <a:lstStyle/>
+            <a:p>
+              <a:r>
+                <a:rPr lang="en-GB" dirty="0" smtClean="0"/>
+                <a:t>Picture 3</a:t>
+              </a:r>
+              <a:endParaRPr lang="en-GB" dirty="0"/>
+            </a:p>
+          </p:txBody>
+        </p:sp>
+        <p:sp>
+          <p:nvSpPr>
+            <p:cNvPr id="35" name="TextBox 34"/>
+            <p:cNvSpPr txBox="1"/>
+            <p:nvPr/>
+          </p:nvSpPr>
+          <p:spPr>
+            <a:xfrm>
+              <a:off x="539552" y="4760331"/>
+              <a:ext cx="3816424" cy="523220"/>
+            </a:xfrm>
+            <a:prstGeom prst="rect">
+              <a:avLst/>
+            </a:prstGeom>
+            <a:noFill/>
+          </p:spPr>
+          <p:txBody>
+            <a:bodyPr wrap="square" rtlCol="0">
+              <a:spAutoFit/>
+            </a:bodyPr>
+            <a:lstStyle/>
+            <a:p>
+              <a:r>
+                <a:rPr lang="en-GB" sz="2800" dirty="0" smtClean="0"/>
+                <a:t>Newest</a:t>
+              </a:r>
+              <a:endParaRPr lang="en-GB" sz="2800" dirty="0"/>
+            </a:p>
+          </p:txBody>
+        </p:sp>
+        <p:sp>
+          <p:nvSpPr>
+            <p:cNvPr id="36" name="TextBox 35"/>
+            <p:cNvSpPr txBox="1"/>
+            <p:nvPr/>
+          </p:nvSpPr>
+          <p:spPr>
+            <a:xfrm>
+              <a:off x="1835696" y="5432495"/>
+              <a:ext cx="1224136" cy="923330"/>
+            </a:xfrm>
+            <a:prstGeom prst="rect">
+              <a:avLst/>
+            </a:prstGeom>
+            <a:noFill/>
+          </p:spPr>
+          <p:txBody>
+            <a:bodyPr wrap="square" rtlCol="0">
+              <a:spAutoFit/>
+            </a:bodyPr>
+            <a:lstStyle/>
+            <a:p>
+              <a:r>
+                <a:rPr lang="en-GB" dirty="0" smtClean="0"/>
+                <a:t>Recipe 1</a:t>
+              </a:r>
+            </a:p>
+            <a:p>
+              <a:r>
+                <a:rPr lang="en-GB" dirty="0" smtClean="0"/>
+                <a:t>User 1</a:t>
+              </a:r>
+            </a:p>
+            <a:p>
+              <a:r>
+                <a:rPr lang="en-GB" dirty="0" smtClean="0"/>
+                <a:t>Rating 1</a:t>
+              </a:r>
+              <a:endParaRPr lang="en-GB" dirty="0"/>
+            </a:p>
+          </p:txBody>
+        </p:sp>
+        <p:sp>
+          <p:nvSpPr>
+            <p:cNvPr id="37" name="TextBox 36"/>
+            <p:cNvSpPr txBox="1"/>
+            <p:nvPr/>
+          </p:nvSpPr>
+          <p:spPr>
+            <a:xfrm>
+              <a:off x="4572000" y="5448790"/>
+              <a:ext cx="1224136" cy="923330"/>
+            </a:xfrm>
+            <a:prstGeom prst="rect">
+              <a:avLst/>
+            </a:prstGeom>
+            <a:noFill/>
+          </p:spPr>
+          <p:txBody>
+            <a:bodyPr wrap="square" rtlCol="0">
+              <a:spAutoFit/>
+            </a:bodyPr>
+            <a:lstStyle/>
+            <a:p>
+              <a:r>
+                <a:rPr lang="en-GB" dirty="0" smtClean="0"/>
+                <a:t>Recipe 2</a:t>
+              </a:r>
+            </a:p>
+            <a:p>
+              <a:r>
+                <a:rPr lang="en-GB" dirty="0" smtClean="0"/>
+                <a:t>User 2</a:t>
+              </a:r>
+            </a:p>
+            <a:p>
+              <a:r>
+                <a:rPr lang="en-GB" dirty="0" smtClean="0"/>
+                <a:t>Rating 2</a:t>
+              </a:r>
+            </a:p>
+          </p:txBody>
+        </p:sp>
+        <p:sp>
+          <p:nvSpPr>
+            <p:cNvPr id="38" name="TextBox 37"/>
+            <p:cNvSpPr txBox="1"/>
+            <p:nvPr/>
+          </p:nvSpPr>
+          <p:spPr>
+            <a:xfrm>
+              <a:off x="7279463" y="5484966"/>
+              <a:ext cx="1224136" cy="923330"/>
+            </a:xfrm>
+            <a:prstGeom prst="rect">
+              <a:avLst/>
+            </a:prstGeom>
+            <a:noFill/>
+          </p:spPr>
+          <p:txBody>
+            <a:bodyPr wrap="square" rtlCol="0">
+              <a:spAutoFit/>
+            </a:bodyPr>
+            <a:lstStyle/>
+            <a:p>
+              <a:r>
+                <a:rPr lang="en-GB" dirty="0" smtClean="0"/>
+                <a:t>Recipe 3</a:t>
+              </a:r>
+            </a:p>
+            <a:p>
+              <a:r>
+                <a:rPr lang="en-GB" dirty="0" smtClean="0"/>
+                <a:t>User 3</a:t>
+              </a:r>
+            </a:p>
+            <a:p>
+              <a:r>
+                <a:rPr lang="en-GB" dirty="0" smtClean="0"/>
+                <a:t>Rating 3</a:t>
+              </a:r>
+              <a:endParaRPr lang="en-GB" dirty="0"/>
+            </a:p>
+          </p:txBody>
+        </p:sp>
+      </p:grpSp>
+      <p:sp>
+        <p:nvSpPr>
+          <p:cNvPr id="39" name="TextBox 38"/>
+          <p:cNvSpPr txBox="1"/>
+          <p:nvPr/>
+        </p:nvSpPr>
+        <p:spPr>
+          <a:xfrm>
+            <a:off x="332311" y="1408130"/>
+            <a:ext cx="1224136" cy="369332"/>
+          </a:xfrm>
+          <a:prstGeom prst="rect">
+            <a:avLst/>
+          </a:prstGeom>
+          <a:noFill/>
+        </p:spPr>
+        <p:txBody>
+          <a:bodyPr wrap="square" rtlCol="0">
+            <a:spAutoFit/>
+          </a:bodyPr>
+          <a:lstStyle/>
+          <a:p>
+            <a:r>
+              <a:rPr lang="en-GB" dirty="0" smtClean="0"/>
+              <a:t>Categories</a:t>
+            </a:r>
+            <a:endParaRPr lang="en-GB" dirty="0"/>
+          </a:p>
+        </p:txBody>
+      </p:sp>
+      <p:sp>
+        <p:nvSpPr>
+          <p:cNvPr id="40" name="TextBox 39"/>
+          <p:cNvSpPr txBox="1"/>
+          <p:nvPr/>
+        </p:nvSpPr>
+        <p:spPr>
+          <a:xfrm>
+            <a:off x="7488324" y="1408130"/>
+            <a:ext cx="1296144" cy="369332"/>
+          </a:xfrm>
+          <a:prstGeom prst="rect">
+            <a:avLst/>
+          </a:prstGeom>
+          <a:noFill/>
+        </p:spPr>
+        <p:txBody>
+          <a:bodyPr wrap="square" rtlCol="0">
+            <a:spAutoFit/>
+          </a:bodyPr>
+          <a:lstStyle/>
+          <a:p>
+            <a:r>
+              <a:rPr lang="en-GB" dirty="0" smtClean="0"/>
+              <a:t>Help/About</a:t>
+            </a:r>
+            <a:endParaRPr lang="en-GB" dirty="0"/>
+          </a:p>
+        </p:txBody>
+      </p:sp>
+      <p:grpSp>
+        <p:nvGrpSpPr>
+          <p:cNvPr id="3" name="Group 2"/>
+          <p:cNvGrpSpPr/>
+          <p:nvPr/>
+        </p:nvGrpSpPr>
+        <p:grpSpPr>
+          <a:xfrm>
+            <a:off x="1979712" y="1408130"/>
+            <a:ext cx="4536504" cy="369332"/>
+            <a:chOff x="2339752" y="1267672"/>
+            <a:chExt cx="4536504" cy="369332"/>
+          </a:xfrm>
+        </p:grpSpPr>
+        <p:sp>
+          <p:nvSpPr>
+            <p:cNvPr id="41" name="TextBox 40"/>
+            <p:cNvSpPr txBox="1"/>
+            <p:nvPr/>
+          </p:nvSpPr>
+          <p:spPr>
+            <a:xfrm>
+              <a:off x="2339752" y="1267672"/>
+              <a:ext cx="864096" cy="369332"/>
+            </a:xfrm>
+            <a:prstGeom prst="rect">
+              <a:avLst/>
+            </a:prstGeom>
+            <a:noFill/>
+          </p:spPr>
+          <p:txBody>
+            <a:bodyPr wrap="square" rtlCol="0">
+              <a:spAutoFit/>
+            </a:bodyPr>
+            <a:lstStyle/>
+            <a:p>
+              <a:r>
+                <a:rPr lang="en-GB" dirty="0" smtClean="0"/>
+                <a:t>Search</a:t>
+              </a:r>
+              <a:endParaRPr lang="en-GB" dirty="0"/>
+            </a:p>
+          </p:txBody>
+        </p:sp>
+        <p:sp>
+          <p:nvSpPr>
+            <p:cNvPr id="42" name="Rounded Rectangle 41"/>
+            <p:cNvSpPr/>
+            <p:nvPr/>
+          </p:nvSpPr>
+          <p:spPr>
+            <a:xfrm>
+              <a:off x="3203848" y="1313572"/>
+              <a:ext cx="3672408" cy="277532"/>
+            </a:xfrm>
+            <a:prstGeom prst="roundRect">
+              <a:avLst/>
+            </a:prstGeom>
+            <a:noFill/>
+            <a:ln>
+              <a:solidFill>
+                <a:schemeClr val="tx1"/>
+              </a:solidFill>
+            </a:ln>
+          </p:spPr>
+          <p:style>
+            <a:lnRef idx="2">
+              <a:schemeClr val="accent1">
+                <a:shade val="50000"/>
+              </a:schemeClr>
+            </a:lnRef>
+            <a:fillRef idx="1">
+              <a:schemeClr val="accent1"/>
+            </a:fillRef>
+            <a:effectRef idx="0">
+              <a:schemeClr val="accent1"/>
+            </a:effectRef>
+            <a:fontRef idx="minor">
+              <a:schemeClr val="lt1"/>
+            </a:fontRef>
+          </p:style>
+          <p:txBody>
+            <a:bodyPr rtlCol="0" anchor="ctr"/>
+            <a:lstStyle/>
+            <a:p>
+              <a:pPr algn="ctr"/>
+              <a:endParaRPr lang="en-GB"/>
+            </a:p>
+          </p:txBody>
+        </p:sp>
+      </p:grpSp>
+      <p:grpSp>
+        <p:nvGrpSpPr>
+          <p:cNvPr id="2" name="Group 1"/>
+          <p:cNvGrpSpPr/>
+          <p:nvPr/>
+        </p:nvGrpSpPr>
+        <p:grpSpPr>
+          <a:xfrm>
+            <a:off x="368315" y="341992"/>
+            <a:ext cx="2610435" cy="584775"/>
+            <a:chOff x="1097469" y="341992"/>
+            <a:chExt cx="2610435" cy="584775"/>
+          </a:xfrm>
+        </p:grpSpPr>
+        <p:sp>
+          <p:nvSpPr>
+            <p:cNvPr id="4" name="TextBox 3"/>
+            <p:cNvSpPr txBox="1"/>
+            <p:nvPr/>
+          </p:nvSpPr>
+          <p:spPr>
+            <a:xfrm>
+              <a:off x="1763688" y="341992"/>
+              <a:ext cx="1944216" cy="584775"/>
+            </a:xfrm>
+            <a:prstGeom prst="rect">
+              <a:avLst/>
+            </a:prstGeom>
+            <a:noFill/>
+            <a:ln>
+              <a:noFill/>
+            </a:ln>
+          </p:spPr>
+          <p:txBody>
+            <a:bodyPr wrap="square" rtlCol="0" anchor="ctr">
+              <a:spAutoFit/>
+            </a:bodyPr>
+            <a:lstStyle/>
+            <a:p>
+              <a:pPr algn="ctr"/>
+              <a:r>
+                <a:rPr lang="en-GB" sz="3200" dirty="0" smtClean="0"/>
+                <a:t>Site Name</a:t>
+              </a:r>
+              <a:endParaRPr lang="en-GB" sz="3200" dirty="0"/>
+            </a:p>
+          </p:txBody>
+        </p:sp>
+        <p:sp>
+          <p:nvSpPr>
+            <p:cNvPr id="43" name="Rectangle 42"/>
+            <p:cNvSpPr/>
+            <p:nvPr/>
+          </p:nvSpPr>
+          <p:spPr>
+            <a:xfrm>
+              <a:off x="1097469" y="364348"/>
+              <a:ext cx="576064" cy="540061"/>
+            </a:xfrm>
+            <a:prstGeom prst="rect">
+              <a:avLst/>
+            </a:prstGeom>
+            <a:solidFill>
+              <a:schemeClr val="bg1"/>
+            </a:solidFill>
+            <a:ln>
+              <a:solidFill>
+                <a:schemeClr val="tx1"/>
+              </a:solidFill>
+            </a:ln>
+          </p:spPr>
+          <p:style>
+            <a:lnRef idx="2">
+              <a:schemeClr val="accent1">
+                <a:shade val="50000"/>
+              </a:schemeClr>
+            </a:lnRef>
+            <a:fillRef idx="1">
+              <a:schemeClr val="accent1"/>
+            </a:fillRef>
+            <a:effectRef idx="0">
+              <a:schemeClr val="accent1"/>
+            </a:effectRef>
+            <a:fontRef idx="minor">
+              <a:schemeClr val="lt1"/>
+            </a:fontRef>
+          </p:style>
+          <p:txBody>
+            <a:bodyPr rtlCol="0" anchor="ctr"/>
+            <a:lstStyle/>
+            <a:p>
+              <a:pPr algn="ctr"/>
+              <a:r>
+                <a:rPr lang="en-GB" sz="1400" dirty="0" smtClean="0">
+                  <a:solidFill>
+                    <a:schemeClr val="tx1"/>
+                  </a:solidFill>
+                </a:rPr>
+                <a:t>Logo</a:t>
+              </a:r>
+              <a:endParaRPr lang="en-GB" sz="400" dirty="0">
+                <a:solidFill>
+                  <a:schemeClr val="tx1"/>
+                </a:solidFill>
+              </a:endParaRPr>
+            </a:p>
+          </p:txBody>
+        </p:sp>
+      </p:grpSp>
+      <p:cxnSp>
+        <p:nvCxnSpPr>
+          <p:cNvPr id="14" name="Straight Connector 13"/>
+          <p:cNvCxnSpPr/>
+          <p:nvPr/>
+        </p:nvCxnSpPr>
+        <p:spPr>
+          <a:xfrm>
+            <a:off x="1835696" y="1271101"/>
+            <a:ext cx="0" cy="645731"/>
+          </a:xfrm>
+          <a:prstGeom prst="line">
+            <a:avLst/>
+          </a:prstGeom>
+          <a:ln>
+            <a:solidFill>
+              <a:schemeClr val="tx1"/>
+            </a:solidFill>
+          </a:ln>
+        </p:spPr>
+        <p:style>
+          <a:lnRef idx="1">
+            <a:schemeClr val="accent1"/>
+          </a:lnRef>
+          <a:fillRef idx="0">
+            <a:schemeClr val="accent1"/>
+          </a:fillRef>
+          <a:effectRef idx="0">
+            <a:schemeClr val="accent1"/>
+          </a:effectRef>
+          <a:fontRef idx="minor">
+            <a:schemeClr val="tx1"/>
+          </a:fontRef>
+        </p:style>
+      </p:cxnSp>
+      <p:cxnSp>
+        <p:nvCxnSpPr>
+          <p:cNvPr id="46" name="Straight Connector 45"/>
+          <p:cNvCxnSpPr/>
+          <p:nvPr/>
+        </p:nvCxnSpPr>
+        <p:spPr>
+          <a:xfrm>
+            <a:off x="0" y="1916832"/>
+            <a:ext cx="9144000" cy="0"/>
+          </a:xfrm>
+          <a:prstGeom prst="line">
+            <a:avLst/>
+          </a:prstGeom>
+          <a:ln>
+            <a:solidFill>
+              <a:schemeClr val="tx1"/>
+            </a:solidFill>
+          </a:ln>
+        </p:spPr>
+        <p:style>
+          <a:lnRef idx="1">
+            <a:schemeClr val="accent1"/>
+          </a:lnRef>
+          <a:fillRef idx="0">
+            <a:schemeClr val="accent1"/>
+          </a:fillRef>
+          <a:effectRef idx="0">
+            <a:schemeClr val="accent1"/>
+          </a:effectRef>
+          <a:fontRef idx="minor">
+            <a:schemeClr val="tx1"/>
+          </a:fontRef>
+        </p:style>
+      </p:cxnSp>
+      <p:cxnSp>
+        <p:nvCxnSpPr>
+          <p:cNvPr id="47" name="Straight Connector 46"/>
+          <p:cNvCxnSpPr/>
+          <p:nvPr/>
+        </p:nvCxnSpPr>
+        <p:spPr>
+          <a:xfrm flipV="1">
+            <a:off x="0" y="1268760"/>
+            <a:ext cx="9144000" cy="2341"/>
+          </a:xfrm>
+          <a:prstGeom prst="line">
+            <a:avLst/>
+          </a:prstGeom>
+          <a:ln>
+            <a:solidFill>
+              <a:schemeClr val="tx1"/>
+            </a:solidFill>
+          </a:ln>
+        </p:spPr>
+        <p:style>
+          <a:lnRef idx="1">
+            <a:schemeClr val="accent1"/>
+          </a:lnRef>
+          <a:fillRef idx="0">
+            <a:schemeClr val="accent1"/>
+          </a:fillRef>
+          <a:effectRef idx="0">
+            <a:schemeClr val="accent1"/>
+          </a:effectRef>
+          <a:fontRef idx="minor">
+            <a:schemeClr val="tx1"/>
+          </a:fontRef>
+        </p:style>
+      </p:cxnSp>
+      <p:cxnSp>
+        <p:nvCxnSpPr>
+          <p:cNvPr id="51" name="Straight Connector 50"/>
+          <p:cNvCxnSpPr/>
+          <p:nvPr/>
+        </p:nvCxnSpPr>
+        <p:spPr>
+          <a:xfrm>
+            <a:off x="7092280" y="1271101"/>
+            <a:ext cx="0" cy="645731"/>
+          </a:xfrm>
+          <a:prstGeom prst="line">
+            <a:avLst/>
+          </a:prstGeom>
+          <a:ln>
+            <a:solidFill>
+              <a:schemeClr val="tx1"/>
+            </a:solidFill>
+          </a:ln>
+        </p:spPr>
+        <p:style>
+          <a:lnRef idx="1">
+            <a:schemeClr val="accent1"/>
+          </a:lnRef>
+          <a:fillRef idx="0">
+            <a:schemeClr val="accent1"/>
+          </a:fillRef>
+          <a:effectRef idx="0">
+            <a:schemeClr val="accent1"/>
+          </a:effectRef>
+          <a:fontRef idx="minor">
+            <a:schemeClr val="tx1"/>
+          </a:fontRef>
+        </p:style>
+      </p:cxnSp>
+    </p:spTree>
+    <p:extLst>
+      <p:ext uri="{BB962C8B-B14F-4D97-AF65-F5344CB8AC3E}">
+        <p14:creationId xmlns:p14="http://schemas.microsoft.com/office/powerpoint/2010/main" val="470638447"/>
+      </p:ext>
+    </p:extLst>
+  </p:cSld>
+  <p:clrMapOvr>
+    <a:masterClrMapping/>
+  </p:clrMapOvr>
+  <p:timing>
+    <p:tnLst>
+      <p:par>
+        <p:cTn id="1" dur="indefinite" restart="never" nodeType="tmRoot"/>
+      </p:par>
+    </p:tnLst>
+  </p:timing>
+</p:sld>
+</file>
+
+<file path=ppt/slides/slide4.xml><?xml version="1.0" encoding="utf-8"?>
+<p:sld xmlns:a="http://schemas.openxmlformats.org/drawingml/2006/main" xmlns:r="http://schemas.openxmlformats.org/officeDocument/2006/relationships" xmlns:p="http://schemas.openxmlformats.org/presentationml/2006/main">
+  <p:cSld>
+    <p:spTree>
+      <p:nvGrpSpPr>
+        <p:cNvPr id="1" name=""/>
+        <p:cNvGrpSpPr/>
+        <p:nvPr/>
+      </p:nvGrpSpPr>
+      <p:grpSpPr>
+        <a:xfrm>
+          <a:off x="0" y="0"/>
+          <a:ext cx="0" cy="0"/>
+          <a:chOff x="0" y="0"/>
+          <a:chExt cx="0" cy="0"/>
+        </a:xfrm>
+      </p:grpSpPr>
+      <p:sp>
+        <p:nvSpPr>
+          <p:cNvPr id="45" name="Rectangle 44"/>
+          <p:cNvSpPr/>
+          <p:nvPr/>
+        </p:nvSpPr>
+        <p:spPr>
+          <a:xfrm>
+            <a:off x="0" y="1266419"/>
+            <a:ext cx="9144000" cy="650413"/>
+          </a:xfrm>
+          <a:prstGeom prst="rect">
+            <a:avLst/>
+          </a:prstGeom>
+          <a:solidFill>
+            <a:srgbClr val="DDEDA9"/>
+          </a:solidFill>
+          <a:ln>
+            <a:noFill/>
+          </a:ln>
+        </p:spPr>
+        <p:style>
+          <a:lnRef idx="2">
+            <a:schemeClr val="accent3">
+              <a:shade val="50000"/>
+            </a:schemeClr>
+          </a:lnRef>
+          <a:fillRef idx="1">
+            <a:schemeClr val="accent3"/>
+          </a:fillRef>
+          <a:effectRef idx="0">
+            <a:schemeClr val="accent3"/>
+          </a:effectRef>
+          <a:fontRef idx="minor">
+            <a:schemeClr val="lt1"/>
+          </a:fontRef>
+        </p:style>
+        <p:txBody>
+          <a:bodyPr rtlCol="0" anchor="ctr"/>
+          <a:lstStyle/>
+          <a:p>
+            <a:pPr algn="ctr"/>
+            <a:endParaRPr lang="en-GB"/>
+          </a:p>
+        </p:txBody>
+      </p:sp>
+      <p:sp>
+        <p:nvSpPr>
+          <p:cNvPr id="5" name="Rectangle 4"/>
+          <p:cNvSpPr/>
+          <p:nvPr/>
+        </p:nvSpPr>
+        <p:spPr>
+          <a:xfrm>
+            <a:off x="0" y="0"/>
+            <a:ext cx="9144000" cy="1268760"/>
+          </a:xfrm>
+          <a:prstGeom prst="rect">
+            <a:avLst/>
+          </a:prstGeom>
+          <a:solidFill>
+            <a:srgbClr val="C4E06A"/>
+          </a:solidFill>
+          <a:ln>
+            <a:noFill/>
+          </a:ln>
+        </p:spPr>
+        <p:style>
+          <a:lnRef idx="2">
+            <a:schemeClr val="accent3">
+              <a:shade val="50000"/>
+            </a:schemeClr>
+          </a:lnRef>
+          <a:fillRef idx="1">
+            <a:schemeClr val="accent3"/>
+          </a:fillRef>
+          <a:effectRef idx="0">
+            <a:schemeClr val="accent3"/>
+          </a:effectRef>
+          <a:fontRef idx="minor">
+            <a:schemeClr val="lt1"/>
+          </a:fontRef>
+        </p:style>
+        <p:txBody>
+          <a:bodyPr rtlCol="0" anchor="ctr"/>
+          <a:lstStyle/>
+          <a:p>
+            <a:pPr algn="ctr"/>
+            <a:endParaRPr lang="en-GB"/>
+          </a:p>
+        </p:txBody>
+      </p:sp>
+      <p:sp>
+        <p:nvSpPr>
+          <p:cNvPr id="7" name="TextBox 6"/>
+          <p:cNvSpPr txBox="1"/>
+          <p:nvPr/>
+        </p:nvSpPr>
+        <p:spPr>
+          <a:xfrm>
+            <a:off x="5796136" y="403547"/>
+            <a:ext cx="2664296" cy="461665"/>
+          </a:xfrm>
+          <a:prstGeom prst="rect">
+            <a:avLst/>
+          </a:prstGeom>
+          <a:noFill/>
+          <a:ln>
+            <a:noFill/>
+          </a:ln>
+        </p:spPr>
+        <p:txBody>
+          <a:bodyPr wrap="square" rtlCol="0" anchor="ctr">
+            <a:spAutoFit/>
+          </a:bodyPr>
+          <a:lstStyle/>
+          <a:p>
+            <a:pPr algn="r"/>
+            <a:r>
+              <a:rPr lang="en-GB" sz="2400" dirty="0" smtClean="0"/>
+              <a:t>My Recipes</a:t>
+            </a:r>
+            <a:endParaRPr lang="en-GB" sz="2400" dirty="0"/>
+          </a:p>
+        </p:txBody>
+      </p:sp>
+      <p:grpSp>
+        <p:nvGrpSpPr>
+          <p:cNvPr id="53" name="Group 52"/>
+          <p:cNvGrpSpPr/>
+          <p:nvPr/>
+        </p:nvGrpSpPr>
+        <p:grpSpPr>
+          <a:xfrm>
+            <a:off x="359532" y="2276872"/>
+            <a:ext cx="8424936" cy="4248471"/>
+            <a:chOff x="359532" y="4695124"/>
+            <a:chExt cx="8424936" cy="1982620"/>
+          </a:xfrm>
+        </p:grpSpPr>
+        <p:sp>
+          <p:nvSpPr>
+            <p:cNvPr id="28" name="Rectangle 27"/>
+            <p:cNvSpPr/>
+            <p:nvPr/>
+          </p:nvSpPr>
+          <p:spPr>
+            <a:xfrm>
+              <a:off x="359532" y="4695124"/>
+              <a:ext cx="8424936" cy="1982620"/>
+            </a:xfrm>
+            <a:prstGeom prst="rect">
+              <a:avLst/>
+            </a:prstGeom>
+            <a:solidFill>
+              <a:srgbClr val="C4E06A"/>
+            </a:solidFill>
+            <a:ln>
+              <a:solidFill>
+                <a:srgbClr val="A0C26A"/>
+              </a:solidFill>
+            </a:ln>
+          </p:spPr>
+          <p:style>
+            <a:lnRef idx="2">
+              <a:schemeClr val="accent1">
+                <a:shade val="50000"/>
+              </a:schemeClr>
+            </a:lnRef>
+            <a:fillRef idx="1">
+              <a:schemeClr val="accent1"/>
+            </a:fillRef>
+            <a:effectRef idx="0">
+              <a:schemeClr val="accent1"/>
+            </a:effectRef>
+            <a:fontRef idx="minor">
+              <a:schemeClr val="lt1"/>
+            </a:fontRef>
+          </p:style>
+          <p:txBody>
+            <a:bodyPr rtlCol="0" anchor="ctr"/>
+            <a:lstStyle/>
+            <a:p>
+              <a:pPr algn="ctr"/>
+              <a:endParaRPr lang="en-GB"/>
+            </a:p>
+          </p:txBody>
+        </p:sp>
+        <p:sp>
+          <p:nvSpPr>
+            <p:cNvPr id="35" name="TextBox 34"/>
+            <p:cNvSpPr txBox="1"/>
+            <p:nvPr/>
+          </p:nvSpPr>
+          <p:spPr>
+            <a:xfrm>
+              <a:off x="539552" y="4743167"/>
+              <a:ext cx="3816424" cy="523220"/>
+            </a:xfrm>
+            <a:prstGeom prst="rect">
+              <a:avLst/>
+            </a:prstGeom>
+            <a:noFill/>
+          </p:spPr>
+          <p:txBody>
+            <a:bodyPr wrap="square" rtlCol="0">
+              <a:spAutoFit/>
+            </a:bodyPr>
+            <a:lstStyle/>
+            <a:p>
+              <a:r>
+                <a:rPr lang="en-GB" sz="2800" dirty="0" smtClean="0"/>
+                <a:t>Categories</a:t>
+              </a:r>
+              <a:endParaRPr lang="en-GB" sz="2800" dirty="0"/>
+            </a:p>
+          </p:txBody>
+        </p:sp>
+      </p:grpSp>
+      <p:sp>
+        <p:nvSpPr>
+          <p:cNvPr id="39" name="TextBox 38"/>
+          <p:cNvSpPr txBox="1"/>
+          <p:nvPr/>
+        </p:nvSpPr>
+        <p:spPr>
+          <a:xfrm>
+            <a:off x="332311" y="1408130"/>
+            <a:ext cx="1224136" cy="369332"/>
+          </a:xfrm>
+          <a:prstGeom prst="rect">
+            <a:avLst/>
+          </a:prstGeom>
+          <a:noFill/>
+        </p:spPr>
+        <p:txBody>
+          <a:bodyPr wrap="square" rtlCol="0">
+            <a:spAutoFit/>
+          </a:bodyPr>
+          <a:lstStyle/>
+          <a:p>
+            <a:r>
+              <a:rPr lang="en-GB" dirty="0" smtClean="0"/>
+              <a:t>Categories</a:t>
+            </a:r>
+            <a:endParaRPr lang="en-GB" dirty="0"/>
+          </a:p>
+        </p:txBody>
+      </p:sp>
+      <p:sp>
+        <p:nvSpPr>
+          <p:cNvPr id="40" name="TextBox 39"/>
+          <p:cNvSpPr txBox="1"/>
+          <p:nvPr/>
+        </p:nvSpPr>
+        <p:spPr>
+          <a:xfrm>
+            <a:off x="7488324" y="1408130"/>
+            <a:ext cx="1296144" cy="369332"/>
+          </a:xfrm>
+          <a:prstGeom prst="rect">
+            <a:avLst/>
+          </a:prstGeom>
+          <a:noFill/>
+        </p:spPr>
+        <p:txBody>
+          <a:bodyPr wrap="square" rtlCol="0">
+            <a:spAutoFit/>
+          </a:bodyPr>
+          <a:lstStyle/>
+          <a:p>
+            <a:r>
+              <a:rPr lang="en-GB" dirty="0" smtClean="0"/>
+              <a:t>Help/About</a:t>
+            </a:r>
+            <a:endParaRPr lang="en-GB" dirty="0"/>
+          </a:p>
+        </p:txBody>
+      </p:sp>
+      <p:grpSp>
+        <p:nvGrpSpPr>
+          <p:cNvPr id="3" name="Group 2"/>
+          <p:cNvGrpSpPr/>
+          <p:nvPr/>
+        </p:nvGrpSpPr>
+        <p:grpSpPr>
+          <a:xfrm>
+            <a:off x="1979712" y="1408130"/>
+            <a:ext cx="4536504" cy="369332"/>
+            <a:chOff x="2339752" y="1267672"/>
+            <a:chExt cx="4536504" cy="369332"/>
+          </a:xfrm>
+        </p:grpSpPr>
+        <p:sp>
+          <p:nvSpPr>
+            <p:cNvPr id="41" name="TextBox 40"/>
+            <p:cNvSpPr txBox="1"/>
+            <p:nvPr/>
+          </p:nvSpPr>
+          <p:spPr>
+            <a:xfrm>
+              <a:off x="2339752" y="1267672"/>
+              <a:ext cx="864096" cy="369332"/>
+            </a:xfrm>
+            <a:prstGeom prst="rect">
+              <a:avLst/>
+            </a:prstGeom>
+            <a:noFill/>
+          </p:spPr>
+          <p:txBody>
+            <a:bodyPr wrap="square" rtlCol="0">
+              <a:spAutoFit/>
+            </a:bodyPr>
+            <a:lstStyle/>
+            <a:p>
+              <a:r>
+                <a:rPr lang="en-GB" dirty="0" smtClean="0"/>
+                <a:t>Search</a:t>
+              </a:r>
+              <a:endParaRPr lang="en-GB" dirty="0"/>
+            </a:p>
+          </p:txBody>
+        </p:sp>
+        <p:sp>
+          <p:nvSpPr>
+            <p:cNvPr id="42" name="Rounded Rectangle 41"/>
+            <p:cNvSpPr/>
+            <p:nvPr/>
+          </p:nvSpPr>
+          <p:spPr>
+            <a:xfrm>
+              <a:off x="3203848" y="1313572"/>
+              <a:ext cx="3672408" cy="277532"/>
+            </a:xfrm>
+            <a:prstGeom prst="roundRect">
+              <a:avLst/>
+            </a:prstGeom>
+            <a:noFill/>
+            <a:ln>
+              <a:solidFill>
+                <a:schemeClr val="tx1"/>
+              </a:solidFill>
+            </a:ln>
+          </p:spPr>
+          <p:style>
+            <a:lnRef idx="2">
+              <a:schemeClr val="accent1">
+                <a:shade val="50000"/>
+              </a:schemeClr>
+            </a:lnRef>
+            <a:fillRef idx="1">
+              <a:schemeClr val="accent1"/>
+            </a:fillRef>
+            <a:effectRef idx="0">
+              <a:schemeClr val="accent1"/>
+            </a:effectRef>
+            <a:fontRef idx="minor">
+              <a:schemeClr val="lt1"/>
+            </a:fontRef>
+          </p:style>
+          <p:txBody>
+            <a:bodyPr rtlCol="0" anchor="ctr"/>
+            <a:lstStyle/>
+            <a:p>
+              <a:pPr algn="ctr"/>
+              <a:endParaRPr lang="en-GB"/>
+            </a:p>
+          </p:txBody>
+        </p:sp>
+      </p:grpSp>
+      <p:grpSp>
+        <p:nvGrpSpPr>
+          <p:cNvPr id="2" name="Group 1"/>
+          <p:cNvGrpSpPr/>
+          <p:nvPr/>
+        </p:nvGrpSpPr>
+        <p:grpSpPr>
+          <a:xfrm>
+            <a:off x="368315" y="341992"/>
+            <a:ext cx="2610435" cy="584775"/>
+            <a:chOff x="1097469" y="341992"/>
+            <a:chExt cx="2610435" cy="584775"/>
+          </a:xfrm>
+        </p:grpSpPr>
+        <p:sp>
+          <p:nvSpPr>
+            <p:cNvPr id="4" name="TextBox 3"/>
+            <p:cNvSpPr txBox="1"/>
+            <p:nvPr/>
+          </p:nvSpPr>
+          <p:spPr>
+            <a:xfrm>
+              <a:off x="1763688" y="341992"/>
+              <a:ext cx="1944216" cy="584775"/>
+            </a:xfrm>
+            <a:prstGeom prst="rect">
+              <a:avLst/>
+            </a:prstGeom>
+            <a:noFill/>
+            <a:ln>
+              <a:noFill/>
+            </a:ln>
+          </p:spPr>
+          <p:txBody>
+            <a:bodyPr wrap="square" rtlCol="0" anchor="ctr">
+              <a:spAutoFit/>
+            </a:bodyPr>
+            <a:lstStyle/>
+            <a:p>
+              <a:pPr algn="ctr"/>
+              <a:r>
+                <a:rPr lang="en-GB" sz="3200" dirty="0" smtClean="0"/>
+                <a:t>Site Name</a:t>
+              </a:r>
+              <a:endParaRPr lang="en-GB" sz="3200" dirty="0"/>
+            </a:p>
+          </p:txBody>
+        </p:sp>
+        <p:sp>
+          <p:nvSpPr>
+            <p:cNvPr id="43" name="Rectangle 42"/>
+            <p:cNvSpPr/>
+            <p:nvPr/>
+          </p:nvSpPr>
+          <p:spPr>
+            <a:xfrm>
+              <a:off x="1097469" y="364348"/>
+              <a:ext cx="576064" cy="540061"/>
+            </a:xfrm>
+            <a:prstGeom prst="rect">
+              <a:avLst/>
+            </a:prstGeom>
+            <a:solidFill>
+              <a:schemeClr val="bg1"/>
+            </a:solidFill>
+            <a:ln>
+              <a:solidFill>
+                <a:schemeClr val="tx1"/>
+              </a:solidFill>
+            </a:ln>
+          </p:spPr>
+          <p:style>
+            <a:lnRef idx="2">
+              <a:schemeClr val="accent1">
+                <a:shade val="50000"/>
+              </a:schemeClr>
+            </a:lnRef>
+            <a:fillRef idx="1">
+              <a:schemeClr val="accent1"/>
+            </a:fillRef>
+            <a:effectRef idx="0">
+              <a:schemeClr val="accent1"/>
+            </a:effectRef>
+            <a:fontRef idx="minor">
+              <a:schemeClr val="lt1"/>
+            </a:fontRef>
+          </p:style>
+          <p:txBody>
+            <a:bodyPr rtlCol="0" anchor="ctr"/>
+            <a:lstStyle/>
+            <a:p>
+              <a:pPr algn="ctr"/>
+              <a:r>
+                <a:rPr lang="en-GB" sz="1400" dirty="0" smtClean="0">
+                  <a:solidFill>
+                    <a:schemeClr val="tx1"/>
+                  </a:solidFill>
+                </a:rPr>
+                <a:t>Logo</a:t>
+              </a:r>
+              <a:endParaRPr lang="en-GB" sz="400" dirty="0">
+                <a:solidFill>
+                  <a:schemeClr val="tx1"/>
+                </a:solidFill>
+              </a:endParaRPr>
+            </a:p>
+          </p:txBody>
+        </p:sp>
+      </p:grpSp>
+      <p:cxnSp>
+        <p:nvCxnSpPr>
+          <p:cNvPr id="14" name="Straight Connector 13"/>
+          <p:cNvCxnSpPr/>
+          <p:nvPr/>
+        </p:nvCxnSpPr>
+        <p:spPr>
+          <a:xfrm>
+            <a:off x="1835696" y="1271101"/>
+            <a:ext cx="0" cy="645731"/>
+          </a:xfrm>
+          <a:prstGeom prst="line">
+            <a:avLst/>
+          </a:prstGeom>
+          <a:ln>
+            <a:solidFill>
+              <a:schemeClr val="tx1"/>
+            </a:solidFill>
+          </a:ln>
+        </p:spPr>
+        <p:style>
+          <a:lnRef idx="1">
+            <a:schemeClr val="accent1"/>
+          </a:lnRef>
+          <a:fillRef idx="0">
+            <a:schemeClr val="accent1"/>
+          </a:fillRef>
+          <a:effectRef idx="0">
+            <a:schemeClr val="accent1"/>
+          </a:effectRef>
+          <a:fontRef idx="minor">
+            <a:schemeClr val="tx1"/>
+          </a:fontRef>
+        </p:style>
+      </p:cxnSp>
+      <p:cxnSp>
+        <p:nvCxnSpPr>
+          <p:cNvPr id="46" name="Straight Connector 45"/>
+          <p:cNvCxnSpPr/>
+          <p:nvPr/>
+        </p:nvCxnSpPr>
+        <p:spPr>
+          <a:xfrm>
+            <a:off x="0" y="1916832"/>
+            <a:ext cx="9144000" cy="0"/>
+          </a:xfrm>
+          <a:prstGeom prst="line">
+            <a:avLst/>
+          </a:prstGeom>
+          <a:ln>
+            <a:solidFill>
+              <a:schemeClr val="tx1"/>
+            </a:solidFill>
+          </a:ln>
+        </p:spPr>
+        <p:style>
+          <a:lnRef idx="1">
+            <a:schemeClr val="accent1"/>
+          </a:lnRef>
+          <a:fillRef idx="0">
+            <a:schemeClr val="accent1"/>
+          </a:fillRef>
+          <a:effectRef idx="0">
+            <a:schemeClr val="accent1"/>
+          </a:effectRef>
+          <a:fontRef idx="minor">
+            <a:schemeClr val="tx1"/>
+          </a:fontRef>
+        </p:style>
+      </p:cxnSp>
+      <p:cxnSp>
+        <p:nvCxnSpPr>
+          <p:cNvPr id="47" name="Straight Connector 46"/>
+          <p:cNvCxnSpPr/>
+          <p:nvPr/>
+        </p:nvCxnSpPr>
+        <p:spPr>
+          <a:xfrm flipV="1">
+            <a:off x="0" y="1268760"/>
+            <a:ext cx="9144000" cy="2341"/>
+          </a:xfrm>
+          <a:prstGeom prst="line">
+            <a:avLst/>
+          </a:prstGeom>
+          <a:ln>
+            <a:solidFill>
+              <a:schemeClr val="tx1"/>
+            </a:solidFill>
+          </a:ln>
+        </p:spPr>
+        <p:style>
+          <a:lnRef idx="1">
+            <a:schemeClr val="accent1"/>
+          </a:lnRef>
+          <a:fillRef idx="0">
+            <a:schemeClr val="accent1"/>
+          </a:fillRef>
+          <a:effectRef idx="0">
+            <a:schemeClr val="accent1"/>
+          </a:effectRef>
+          <a:fontRef idx="minor">
+            <a:schemeClr val="tx1"/>
+          </a:fontRef>
+        </p:style>
+      </p:cxnSp>
+      <p:cxnSp>
+        <p:nvCxnSpPr>
+          <p:cNvPr id="51" name="Straight Connector 50"/>
+          <p:cNvCxnSpPr/>
+          <p:nvPr/>
+        </p:nvCxnSpPr>
+        <p:spPr>
+          <a:xfrm>
+            <a:off x="7092280" y="1271101"/>
+            <a:ext cx="0" cy="645731"/>
+          </a:xfrm>
+          <a:prstGeom prst="line">
+            <a:avLst/>
+          </a:prstGeom>
+          <a:ln>
+            <a:solidFill>
+              <a:schemeClr val="tx1"/>
+            </a:solidFill>
+          </a:ln>
+        </p:spPr>
+        <p:style>
+          <a:lnRef idx="1">
+            <a:schemeClr val="accent1"/>
+          </a:lnRef>
+          <a:fillRef idx="0">
+            <a:schemeClr val="accent1"/>
+          </a:fillRef>
+          <a:effectRef idx="0">
+            <a:schemeClr val="accent1"/>
+          </a:effectRef>
+          <a:fontRef idx="minor">
+            <a:schemeClr val="tx1"/>
+          </a:fontRef>
+        </p:style>
+      </p:cxnSp>
+      <p:grpSp>
+        <p:nvGrpSpPr>
+          <p:cNvPr id="6" name="Group 5"/>
+          <p:cNvGrpSpPr/>
+          <p:nvPr/>
+        </p:nvGrpSpPr>
+        <p:grpSpPr>
+          <a:xfrm>
+            <a:off x="3941439" y="2996952"/>
+            <a:ext cx="1350641" cy="1224136"/>
+            <a:chOff x="1061118" y="2924944"/>
+            <a:chExt cx="1350641" cy="1224136"/>
+          </a:xfrm>
+        </p:grpSpPr>
+        <p:sp>
+          <p:nvSpPr>
+            <p:cNvPr id="44" name="Rectangle 43"/>
+            <p:cNvSpPr/>
+            <p:nvPr/>
+          </p:nvSpPr>
+          <p:spPr>
+            <a:xfrm>
+              <a:off x="1061118" y="2924944"/>
+              <a:ext cx="1350641" cy="1224136"/>
+            </a:xfrm>
+            <a:prstGeom prst="rect">
+              <a:avLst/>
+            </a:prstGeom>
+            <a:solidFill>
+              <a:schemeClr val="bg1"/>
+            </a:solidFill>
+            <a:ln>
+              <a:solidFill>
+                <a:schemeClr val="tx1"/>
+              </a:solidFill>
+            </a:ln>
+          </p:spPr>
+          <p:style>
+            <a:lnRef idx="2">
+              <a:schemeClr val="accent1">
+                <a:shade val="50000"/>
+              </a:schemeClr>
+            </a:lnRef>
+            <a:fillRef idx="1">
+              <a:schemeClr val="accent1"/>
+            </a:fillRef>
+            <a:effectRef idx="0">
+              <a:schemeClr val="accent1"/>
+            </a:effectRef>
+            <a:fontRef idx="minor">
+              <a:schemeClr val="lt1"/>
+            </a:fontRef>
+          </p:style>
+          <p:txBody>
+            <a:bodyPr rtlCol="0" anchor="ctr"/>
+            <a:lstStyle/>
+            <a:p>
+              <a:pPr algn="ctr"/>
+              <a:endParaRPr lang="en-GB"/>
+            </a:p>
+          </p:txBody>
+        </p:sp>
+        <p:sp>
+          <p:nvSpPr>
+            <p:cNvPr id="48" name="TextBox 47"/>
+            <p:cNvSpPr txBox="1"/>
+            <p:nvPr/>
+          </p:nvSpPr>
+          <p:spPr>
+            <a:xfrm>
+              <a:off x="1061118" y="3347700"/>
+              <a:ext cx="1350641" cy="369332"/>
+            </a:xfrm>
+            <a:prstGeom prst="rect">
+              <a:avLst/>
+            </a:prstGeom>
+            <a:noFill/>
+          </p:spPr>
+          <p:txBody>
+            <a:bodyPr wrap="square" rtlCol="0">
+              <a:spAutoFit/>
+            </a:bodyPr>
+            <a:lstStyle/>
+            <a:p>
+              <a:pPr algn="ctr"/>
+              <a:r>
+                <a:rPr lang="en-GB" dirty="0" smtClean="0"/>
+                <a:t>Picture</a:t>
+              </a:r>
+              <a:endParaRPr lang="en-GB" dirty="0"/>
+            </a:p>
+          </p:txBody>
+        </p:sp>
+      </p:grpSp>
+      <p:grpSp>
+        <p:nvGrpSpPr>
+          <p:cNvPr id="55" name="Group 54"/>
+          <p:cNvGrpSpPr/>
+          <p:nvPr/>
+        </p:nvGrpSpPr>
+        <p:grpSpPr>
+          <a:xfrm>
+            <a:off x="3941439" y="4797152"/>
+            <a:ext cx="1350641" cy="1224136"/>
+            <a:chOff x="1061118" y="2924944"/>
+            <a:chExt cx="1350641" cy="1224136"/>
+          </a:xfrm>
+        </p:grpSpPr>
+        <p:sp>
+          <p:nvSpPr>
+            <p:cNvPr id="56" name="Rectangle 55"/>
+            <p:cNvSpPr/>
+            <p:nvPr/>
+          </p:nvSpPr>
+          <p:spPr>
+            <a:xfrm>
+              <a:off x="1061118" y="2924944"/>
+              <a:ext cx="1350641" cy="1224136"/>
+            </a:xfrm>
+            <a:prstGeom prst="rect">
+              <a:avLst/>
+            </a:prstGeom>
+            <a:solidFill>
+              <a:schemeClr val="bg1"/>
+            </a:solidFill>
+            <a:ln>
+              <a:solidFill>
+                <a:schemeClr val="tx1"/>
+              </a:solidFill>
+            </a:ln>
+          </p:spPr>
+          <p:style>
+            <a:lnRef idx="2">
+              <a:schemeClr val="accent1">
+                <a:shade val="50000"/>
+              </a:schemeClr>
+            </a:lnRef>
+            <a:fillRef idx="1">
+              <a:schemeClr val="accent1"/>
+            </a:fillRef>
+            <a:effectRef idx="0">
+              <a:schemeClr val="accent1"/>
+            </a:effectRef>
+            <a:fontRef idx="minor">
+              <a:schemeClr val="lt1"/>
+            </a:fontRef>
+          </p:style>
+          <p:txBody>
+            <a:bodyPr rtlCol="0" anchor="ctr"/>
+            <a:lstStyle/>
+            <a:p>
+              <a:pPr algn="ctr"/>
+              <a:endParaRPr lang="en-GB"/>
+            </a:p>
+          </p:txBody>
+        </p:sp>
+        <p:sp>
+          <p:nvSpPr>
+            <p:cNvPr id="57" name="TextBox 56"/>
+            <p:cNvSpPr txBox="1"/>
+            <p:nvPr/>
+          </p:nvSpPr>
+          <p:spPr>
+            <a:xfrm>
+              <a:off x="1061118" y="3347700"/>
+              <a:ext cx="1350641" cy="369332"/>
+            </a:xfrm>
+            <a:prstGeom prst="rect">
+              <a:avLst/>
+            </a:prstGeom>
+            <a:noFill/>
+          </p:spPr>
+          <p:txBody>
+            <a:bodyPr wrap="square" rtlCol="0">
+              <a:spAutoFit/>
+            </a:bodyPr>
+            <a:lstStyle/>
+            <a:p>
+              <a:pPr algn="ctr"/>
+              <a:r>
+                <a:rPr lang="en-GB" dirty="0" smtClean="0"/>
+                <a:t>Picture</a:t>
+              </a:r>
+              <a:endParaRPr lang="en-GB" dirty="0"/>
+            </a:p>
+          </p:txBody>
+        </p:sp>
+      </p:grpSp>
+      <p:grpSp>
+        <p:nvGrpSpPr>
+          <p:cNvPr id="67" name="Group 66"/>
+          <p:cNvGrpSpPr/>
+          <p:nvPr/>
+        </p:nvGrpSpPr>
+        <p:grpSpPr>
+          <a:xfrm>
+            <a:off x="1475656" y="2996952"/>
+            <a:ext cx="1350641" cy="1224136"/>
+            <a:chOff x="1061118" y="2924944"/>
+            <a:chExt cx="1350641" cy="1224136"/>
+          </a:xfrm>
+        </p:grpSpPr>
+        <p:sp>
+          <p:nvSpPr>
+            <p:cNvPr id="68" name="Rectangle 67"/>
+            <p:cNvSpPr/>
+            <p:nvPr/>
+          </p:nvSpPr>
+          <p:spPr>
+            <a:xfrm>
+              <a:off x="1061118" y="2924944"/>
+              <a:ext cx="1350641" cy="1224136"/>
+            </a:xfrm>
+            <a:prstGeom prst="rect">
+              <a:avLst/>
+            </a:prstGeom>
+            <a:solidFill>
+              <a:schemeClr val="bg1"/>
+            </a:solidFill>
+            <a:ln>
+              <a:solidFill>
+                <a:schemeClr val="tx1"/>
+              </a:solidFill>
+            </a:ln>
+          </p:spPr>
+          <p:style>
+            <a:lnRef idx="2">
+              <a:schemeClr val="accent1">
+                <a:shade val="50000"/>
+              </a:schemeClr>
+            </a:lnRef>
+            <a:fillRef idx="1">
+              <a:schemeClr val="accent1"/>
+            </a:fillRef>
+            <a:effectRef idx="0">
+              <a:schemeClr val="accent1"/>
+            </a:effectRef>
+            <a:fontRef idx="minor">
+              <a:schemeClr val="lt1"/>
+            </a:fontRef>
+          </p:style>
+          <p:txBody>
+            <a:bodyPr rtlCol="0" anchor="ctr"/>
+            <a:lstStyle/>
+            <a:p>
+              <a:pPr algn="ctr"/>
+              <a:endParaRPr lang="en-GB"/>
+            </a:p>
+          </p:txBody>
+        </p:sp>
+        <p:sp>
+          <p:nvSpPr>
+            <p:cNvPr id="69" name="TextBox 68"/>
+            <p:cNvSpPr txBox="1"/>
+            <p:nvPr/>
+          </p:nvSpPr>
+          <p:spPr>
+            <a:xfrm>
+              <a:off x="1061118" y="3347700"/>
+              <a:ext cx="1350641" cy="369332"/>
+            </a:xfrm>
+            <a:prstGeom prst="rect">
+              <a:avLst/>
+            </a:prstGeom>
+            <a:noFill/>
+          </p:spPr>
+          <p:txBody>
+            <a:bodyPr wrap="square" rtlCol="0">
+              <a:spAutoFit/>
+            </a:bodyPr>
+            <a:lstStyle/>
+            <a:p>
+              <a:pPr algn="ctr"/>
+              <a:r>
+                <a:rPr lang="en-GB" dirty="0" smtClean="0"/>
+                <a:t>Picture</a:t>
+              </a:r>
+              <a:endParaRPr lang="en-GB" dirty="0"/>
+            </a:p>
+          </p:txBody>
+        </p:sp>
+      </p:grpSp>
+      <p:grpSp>
+        <p:nvGrpSpPr>
+          <p:cNvPr id="70" name="Group 69"/>
+          <p:cNvGrpSpPr/>
+          <p:nvPr/>
+        </p:nvGrpSpPr>
+        <p:grpSpPr>
+          <a:xfrm>
+            <a:off x="1475656" y="4797152"/>
+            <a:ext cx="1350641" cy="1224136"/>
+            <a:chOff x="1061118" y="2924944"/>
+            <a:chExt cx="1350641" cy="1224136"/>
+          </a:xfrm>
+        </p:grpSpPr>
+        <p:sp>
+          <p:nvSpPr>
+            <p:cNvPr id="71" name="Rectangle 70"/>
+            <p:cNvSpPr/>
+            <p:nvPr/>
+          </p:nvSpPr>
+          <p:spPr>
+            <a:xfrm>
+              <a:off x="1061118" y="2924944"/>
+              <a:ext cx="1350641" cy="1224136"/>
+            </a:xfrm>
+            <a:prstGeom prst="rect">
+              <a:avLst/>
+            </a:prstGeom>
+            <a:solidFill>
+              <a:schemeClr val="bg1"/>
+            </a:solidFill>
+            <a:ln>
+              <a:solidFill>
+                <a:schemeClr val="tx1"/>
+              </a:solidFill>
+            </a:ln>
+          </p:spPr>
+          <p:style>
+            <a:lnRef idx="2">
+              <a:schemeClr val="accent1">
+                <a:shade val="50000"/>
+              </a:schemeClr>
+            </a:lnRef>
+            <a:fillRef idx="1">
+              <a:schemeClr val="accent1"/>
+            </a:fillRef>
+            <a:effectRef idx="0">
+              <a:schemeClr val="accent1"/>
+            </a:effectRef>
+            <a:fontRef idx="minor">
+              <a:schemeClr val="lt1"/>
+            </a:fontRef>
+          </p:style>
+          <p:txBody>
+            <a:bodyPr rtlCol="0" anchor="ctr"/>
+            <a:lstStyle/>
+            <a:p>
+              <a:pPr algn="ctr"/>
+              <a:endParaRPr lang="en-GB"/>
+            </a:p>
+          </p:txBody>
+        </p:sp>
+        <p:sp>
+          <p:nvSpPr>
+            <p:cNvPr id="72" name="TextBox 71"/>
+            <p:cNvSpPr txBox="1"/>
+            <p:nvPr/>
+          </p:nvSpPr>
+          <p:spPr>
+            <a:xfrm>
+              <a:off x="1061118" y="3347700"/>
+              <a:ext cx="1350641" cy="369332"/>
+            </a:xfrm>
+            <a:prstGeom prst="rect">
+              <a:avLst/>
+            </a:prstGeom>
+            <a:noFill/>
+          </p:spPr>
+          <p:txBody>
+            <a:bodyPr wrap="square" rtlCol="0">
+              <a:spAutoFit/>
+            </a:bodyPr>
+            <a:lstStyle/>
+            <a:p>
+              <a:pPr algn="ctr"/>
+              <a:r>
+                <a:rPr lang="en-GB" dirty="0" smtClean="0"/>
+                <a:t>Picture</a:t>
+              </a:r>
+              <a:endParaRPr lang="en-GB" dirty="0"/>
+            </a:p>
+          </p:txBody>
+        </p:sp>
+      </p:grpSp>
+      <p:grpSp>
+        <p:nvGrpSpPr>
+          <p:cNvPr id="73" name="Group 72"/>
+          <p:cNvGrpSpPr/>
+          <p:nvPr/>
+        </p:nvGrpSpPr>
+        <p:grpSpPr>
+          <a:xfrm>
+            <a:off x="6317703" y="2996952"/>
+            <a:ext cx="1350641" cy="1224136"/>
+            <a:chOff x="1061118" y="2924944"/>
+            <a:chExt cx="1350641" cy="1224136"/>
+          </a:xfrm>
+        </p:grpSpPr>
+        <p:sp>
+          <p:nvSpPr>
+            <p:cNvPr id="74" name="Rectangle 73"/>
+            <p:cNvSpPr/>
+            <p:nvPr/>
+          </p:nvSpPr>
+          <p:spPr>
+            <a:xfrm>
+              <a:off x="1061118" y="2924944"/>
+              <a:ext cx="1350641" cy="1224136"/>
+            </a:xfrm>
+            <a:prstGeom prst="rect">
+              <a:avLst/>
+            </a:prstGeom>
+            <a:solidFill>
+              <a:schemeClr val="bg1"/>
+            </a:solidFill>
+            <a:ln>
+              <a:solidFill>
+                <a:schemeClr val="tx1"/>
+              </a:solidFill>
+            </a:ln>
+          </p:spPr>
+          <p:style>
+            <a:lnRef idx="2">
+              <a:schemeClr val="accent1">
+                <a:shade val="50000"/>
+              </a:schemeClr>
+            </a:lnRef>
+            <a:fillRef idx="1">
+              <a:schemeClr val="accent1"/>
+            </a:fillRef>
+            <a:effectRef idx="0">
+              <a:schemeClr val="accent1"/>
+            </a:effectRef>
+            <a:fontRef idx="minor">
+              <a:schemeClr val="lt1"/>
+            </a:fontRef>
+          </p:style>
+          <p:txBody>
+            <a:bodyPr rtlCol="0" anchor="ctr"/>
+            <a:lstStyle/>
+            <a:p>
+              <a:pPr algn="ctr"/>
+              <a:endParaRPr lang="en-GB"/>
+            </a:p>
+          </p:txBody>
+        </p:sp>
+        <p:sp>
+          <p:nvSpPr>
+            <p:cNvPr id="75" name="TextBox 74"/>
+            <p:cNvSpPr txBox="1"/>
+            <p:nvPr/>
+          </p:nvSpPr>
+          <p:spPr>
+            <a:xfrm>
+              <a:off x="1061118" y="3347700"/>
+              <a:ext cx="1350641" cy="369332"/>
+            </a:xfrm>
+            <a:prstGeom prst="rect">
+              <a:avLst/>
+            </a:prstGeom>
+            <a:noFill/>
+          </p:spPr>
+          <p:txBody>
+            <a:bodyPr wrap="square" rtlCol="0">
+              <a:spAutoFit/>
+            </a:bodyPr>
+            <a:lstStyle/>
+            <a:p>
+              <a:pPr algn="ctr"/>
+              <a:r>
+                <a:rPr lang="en-GB" dirty="0" smtClean="0"/>
+                <a:t>Picture</a:t>
+              </a:r>
+              <a:endParaRPr lang="en-GB" dirty="0"/>
+            </a:p>
+          </p:txBody>
+        </p:sp>
+      </p:grpSp>
+      <p:grpSp>
+        <p:nvGrpSpPr>
+          <p:cNvPr id="76" name="Group 75"/>
+          <p:cNvGrpSpPr/>
+          <p:nvPr/>
+        </p:nvGrpSpPr>
+        <p:grpSpPr>
+          <a:xfrm>
+            <a:off x="6317703" y="4797152"/>
+            <a:ext cx="1350641" cy="1224136"/>
+            <a:chOff x="1061118" y="2924944"/>
+            <a:chExt cx="1350641" cy="1224136"/>
+          </a:xfrm>
+        </p:grpSpPr>
+        <p:sp>
+          <p:nvSpPr>
+            <p:cNvPr id="77" name="Rectangle 76"/>
+            <p:cNvSpPr/>
+            <p:nvPr/>
+          </p:nvSpPr>
+          <p:spPr>
+            <a:xfrm>
+              <a:off x="1061118" y="2924944"/>
+              <a:ext cx="1350641" cy="1224136"/>
+            </a:xfrm>
+            <a:prstGeom prst="rect">
+              <a:avLst/>
+            </a:prstGeom>
+            <a:solidFill>
+              <a:schemeClr val="bg1"/>
+            </a:solidFill>
+            <a:ln>
+              <a:solidFill>
+                <a:schemeClr val="tx1"/>
+              </a:solidFill>
+            </a:ln>
+          </p:spPr>
+          <p:style>
+            <a:lnRef idx="2">
+              <a:schemeClr val="accent1">
+                <a:shade val="50000"/>
+              </a:schemeClr>
+            </a:lnRef>
+            <a:fillRef idx="1">
+              <a:schemeClr val="accent1"/>
+            </a:fillRef>
+            <a:effectRef idx="0">
+              <a:schemeClr val="accent1"/>
+            </a:effectRef>
+            <a:fontRef idx="minor">
+              <a:schemeClr val="lt1"/>
+            </a:fontRef>
+          </p:style>
+          <p:txBody>
+            <a:bodyPr rtlCol="0" anchor="ctr"/>
+            <a:lstStyle/>
+            <a:p>
+              <a:pPr algn="ctr"/>
+              <a:endParaRPr lang="en-GB"/>
+            </a:p>
+          </p:txBody>
+        </p:sp>
+        <p:sp>
+          <p:nvSpPr>
+            <p:cNvPr id="78" name="TextBox 77"/>
+            <p:cNvSpPr txBox="1"/>
+            <p:nvPr/>
+          </p:nvSpPr>
+          <p:spPr>
+            <a:xfrm>
+              <a:off x="1061118" y="3347700"/>
+              <a:ext cx="1350641" cy="369332"/>
+            </a:xfrm>
+            <a:prstGeom prst="rect">
+              <a:avLst/>
+            </a:prstGeom>
+            <a:noFill/>
+          </p:spPr>
+          <p:txBody>
+            <a:bodyPr wrap="square" rtlCol="0">
+              <a:spAutoFit/>
+            </a:bodyPr>
+            <a:lstStyle/>
+            <a:p>
+              <a:pPr algn="ctr"/>
+              <a:r>
+                <a:rPr lang="en-GB" dirty="0" smtClean="0"/>
+                <a:t>Picture </a:t>
+              </a:r>
+              <a:endParaRPr lang="en-GB" dirty="0"/>
+            </a:p>
+          </p:txBody>
+        </p:sp>
+      </p:grpSp>
+      <p:sp>
+        <p:nvSpPr>
+          <p:cNvPr id="79" name="TextBox 78"/>
+          <p:cNvSpPr txBox="1"/>
+          <p:nvPr/>
+        </p:nvSpPr>
+        <p:spPr>
+          <a:xfrm>
+            <a:off x="1475655" y="4221088"/>
+            <a:ext cx="1350641" cy="369332"/>
+          </a:xfrm>
+          <a:prstGeom prst="rect">
+            <a:avLst/>
+          </a:prstGeom>
+          <a:noFill/>
+        </p:spPr>
+        <p:txBody>
+          <a:bodyPr wrap="square" rtlCol="0">
+            <a:spAutoFit/>
+          </a:bodyPr>
+          <a:lstStyle/>
+          <a:p>
             <a:pPr algn="ctr"/>
             <a:r>
-              <a:rPr lang="en-GB" sz="2400" dirty="0" smtClean="0"/>
-              <a:t>Log In</a:t>
+              <a:rPr lang="en-GB" i="1" dirty="0" smtClean="0"/>
+              <a:t>Starters</a:t>
             </a:r>
-            <a:endParaRPr lang="en-GB" sz="2400" dirty="0"/>
-          </a:p>
-        </p:txBody>
-      </p:sp>
-      <p:sp>
-        <p:nvSpPr>
-          <p:cNvPr id="8" name="Rectangle 7"/>
+            <a:endParaRPr lang="en-GB" i="1" dirty="0"/>
+          </a:p>
+        </p:txBody>
+      </p:sp>
+      <p:sp>
+        <p:nvSpPr>
+          <p:cNvPr id="80" name="TextBox 79"/>
+          <p:cNvSpPr txBox="1"/>
+          <p:nvPr/>
+        </p:nvSpPr>
+        <p:spPr>
+          <a:xfrm>
+            <a:off x="1475654" y="6021288"/>
+            <a:ext cx="1350641" cy="369332"/>
+          </a:xfrm>
+          <a:prstGeom prst="rect">
+            <a:avLst/>
+          </a:prstGeom>
+          <a:noFill/>
+        </p:spPr>
+        <p:txBody>
+          <a:bodyPr wrap="square" rtlCol="0">
+            <a:spAutoFit/>
+          </a:bodyPr>
+          <a:lstStyle/>
+          <a:p>
+            <a:pPr algn="ctr"/>
+            <a:r>
+              <a:rPr lang="en-GB" i="1" dirty="0" smtClean="0"/>
+              <a:t>Snacks</a:t>
+            </a:r>
+            <a:endParaRPr lang="en-GB" i="1" dirty="0"/>
+          </a:p>
+        </p:txBody>
+      </p:sp>
+      <p:sp>
+        <p:nvSpPr>
+          <p:cNvPr id="81" name="TextBox 80"/>
+          <p:cNvSpPr txBox="1"/>
+          <p:nvPr/>
+        </p:nvSpPr>
+        <p:spPr>
+          <a:xfrm>
+            <a:off x="3941438" y="6021288"/>
+            <a:ext cx="1350641" cy="369332"/>
+          </a:xfrm>
+          <a:prstGeom prst="rect">
+            <a:avLst/>
+          </a:prstGeom>
+          <a:noFill/>
+        </p:spPr>
+        <p:txBody>
+          <a:bodyPr wrap="square" rtlCol="0">
+            <a:spAutoFit/>
+          </a:bodyPr>
+          <a:lstStyle/>
+          <a:p>
+            <a:pPr algn="ctr"/>
+            <a:r>
+              <a:rPr lang="en-GB" i="1" dirty="0" smtClean="0"/>
+              <a:t>Desserts</a:t>
+            </a:r>
+            <a:endParaRPr lang="en-GB" i="1" dirty="0"/>
+          </a:p>
+        </p:txBody>
+      </p:sp>
+      <p:sp>
+        <p:nvSpPr>
+          <p:cNvPr id="82" name="TextBox 81"/>
+          <p:cNvSpPr txBox="1"/>
+          <p:nvPr/>
+        </p:nvSpPr>
+        <p:spPr>
+          <a:xfrm>
+            <a:off x="6317702" y="6021288"/>
+            <a:ext cx="1350641" cy="369332"/>
+          </a:xfrm>
+          <a:prstGeom prst="rect">
+            <a:avLst/>
+          </a:prstGeom>
+          <a:noFill/>
+        </p:spPr>
+        <p:txBody>
+          <a:bodyPr wrap="square" rtlCol="0">
+            <a:spAutoFit/>
+          </a:bodyPr>
+          <a:lstStyle/>
+          <a:p>
+            <a:pPr algn="ctr"/>
+            <a:r>
+              <a:rPr lang="en-GB" i="1" dirty="0" smtClean="0"/>
+              <a:t>Drinks</a:t>
+            </a:r>
+            <a:endParaRPr lang="en-GB" i="1" dirty="0"/>
+          </a:p>
+        </p:txBody>
+      </p:sp>
+      <p:sp>
+        <p:nvSpPr>
+          <p:cNvPr id="83" name="TextBox 82"/>
+          <p:cNvSpPr txBox="1"/>
+          <p:nvPr/>
+        </p:nvSpPr>
+        <p:spPr>
+          <a:xfrm>
+            <a:off x="3941437" y="4221088"/>
+            <a:ext cx="1350641" cy="369332"/>
+          </a:xfrm>
+          <a:prstGeom prst="rect">
+            <a:avLst/>
+          </a:prstGeom>
+          <a:noFill/>
+        </p:spPr>
+        <p:txBody>
+          <a:bodyPr wrap="square" rtlCol="0">
+            <a:spAutoFit/>
+          </a:bodyPr>
+          <a:lstStyle/>
+          <a:p>
+            <a:pPr algn="ctr"/>
+            <a:r>
+              <a:rPr lang="en-GB" i="1" dirty="0" smtClean="0"/>
+              <a:t>Dinners</a:t>
+            </a:r>
+            <a:endParaRPr lang="en-GB" i="1" dirty="0"/>
+          </a:p>
+        </p:txBody>
+      </p:sp>
+      <p:sp>
+        <p:nvSpPr>
+          <p:cNvPr id="84" name="TextBox 83"/>
+          <p:cNvSpPr txBox="1"/>
+          <p:nvPr/>
+        </p:nvSpPr>
+        <p:spPr>
+          <a:xfrm>
+            <a:off x="6317703" y="4221088"/>
+            <a:ext cx="1350641" cy="369332"/>
+          </a:xfrm>
+          <a:prstGeom prst="rect">
+            <a:avLst/>
+          </a:prstGeom>
+          <a:noFill/>
+        </p:spPr>
+        <p:txBody>
+          <a:bodyPr wrap="square" rtlCol="0">
+            <a:spAutoFit/>
+          </a:bodyPr>
+          <a:lstStyle/>
+          <a:p>
+            <a:pPr algn="ctr"/>
+            <a:r>
+              <a:rPr lang="en-GB" i="1" dirty="0" smtClean="0"/>
+              <a:t>Lunches</a:t>
+            </a:r>
+            <a:endParaRPr lang="en-GB" i="1" dirty="0"/>
+          </a:p>
+        </p:txBody>
+      </p:sp>
+    </p:spTree>
+    <p:extLst>
+      <p:ext uri="{BB962C8B-B14F-4D97-AF65-F5344CB8AC3E}">
+        <p14:creationId xmlns:p14="http://schemas.microsoft.com/office/powerpoint/2010/main" val="1708785592"/>
+      </p:ext>
+    </p:extLst>
+  </p:cSld>
+  <p:clrMapOvr>
+    <a:masterClrMapping/>
+  </p:clrMapOvr>
+  <p:timing>
+    <p:tnLst>
+      <p:par>
+        <p:cTn id="1" dur="indefinite" restart="never" nodeType="tmRoot"/>
+      </p:par>
+    </p:tnLst>
+  </p:timing>
+</p:sld>
+</file>
+
+<file path=ppt/slides/slide5.xml><?xml version="1.0" encoding="utf-8"?>
+<p:sld xmlns:a="http://schemas.openxmlformats.org/drawingml/2006/main" xmlns:r="http://schemas.openxmlformats.org/officeDocument/2006/relationships" xmlns:p="http://schemas.openxmlformats.org/presentationml/2006/main">
+  <p:cSld>
+    <p:spTree>
+      <p:nvGrpSpPr>
+        <p:cNvPr id="1" name=""/>
+        <p:cNvGrpSpPr/>
+        <p:nvPr/>
+      </p:nvGrpSpPr>
+      <p:grpSpPr>
+        <a:xfrm>
+          <a:off x="0" y="0"/>
+          <a:ext cx="0" cy="0"/>
+          <a:chOff x="0" y="0"/>
+          <a:chExt cx="0" cy="0"/>
+        </a:xfrm>
+      </p:grpSpPr>
+      <p:sp>
+        <p:nvSpPr>
+          <p:cNvPr id="49" name="Rectangle 48"/>
           <p:cNvSpPr/>
           <p:nvPr/>
         </p:nvSpPr>
         <p:spPr>
           <a:xfrm>
-            <a:off x="359532" y="2492896"/>
-            <a:ext cx="8424936" cy="2016224"/>
+            <a:off x="3707904" y="2276872"/>
+            <a:ext cx="5228964" cy="4581128"/>
           </a:xfrm>
           <a:prstGeom prst="rect">
             <a:avLst/>
@@ -3777,14 +8534,758 @@
       </p:sp>
       <p:sp>
         <p:nvSpPr>
-          <p:cNvPr id="11" name="Rectangle 10"/>
+          <p:cNvPr id="45" name="Rectangle 44"/>
           <p:cNvSpPr/>
           <p:nvPr/>
         </p:nvSpPr>
         <p:spPr>
           <a:xfrm>
-            <a:off x="539552" y="3263871"/>
-            <a:ext cx="1152128" cy="1080120"/>
+            <a:off x="0" y="1266419"/>
+            <a:ext cx="9144000" cy="650413"/>
+          </a:xfrm>
+          <a:prstGeom prst="rect">
+            <a:avLst/>
+          </a:prstGeom>
+          <a:solidFill>
+            <a:srgbClr val="DDEDA9"/>
+          </a:solidFill>
+          <a:ln>
+            <a:noFill/>
+          </a:ln>
+        </p:spPr>
+        <p:style>
+          <a:lnRef idx="2">
+            <a:schemeClr val="accent3">
+              <a:shade val="50000"/>
+            </a:schemeClr>
+          </a:lnRef>
+          <a:fillRef idx="1">
+            <a:schemeClr val="accent3"/>
+          </a:fillRef>
+          <a:effectRef idx="0">
+            <a:schemeClr val="accent3"/>
+          </a:effectRef>
+          <a:fontRef idx="minor">
+            <a:schemeClr val="lt1"/>
+          </a:fontRef>
+        </p:style>
+        <p:txBody>
+          <a:bodyPr rtlCol="0" anchor="ctr"/>
+          <a:lstStyle/>
+          <a:p>
+            <a:pPr algn="ctr"/>
+            <a:endParaRPr lang="en-GB"/>
+          </a:p>
+        </p:txBody>
+      </p:sp>
+      <p:sp>
+        <p:nvSpPr>
+          <p:cNvPr id="5" name="Rectangle 4"/>
+          <p:cNvSpPr/>
+          <p:nvPr/>
+        </p:nvSpPr>
+        <p:spPr>
+          <a:xfrm>
+            <a:off x="0" y="0"/>
+            <a:ext cx="9144000" cy="1268760"/>
+          </a:xfrm>
+          <a:prstGeom prst="rect">
+            <a:avLst/>
+          </a:prstGeom>
+          <a:solidFill>
+            <a:srgbClr val="C4E06A"/>
+          </a:solidFill>
+          <a:ln>
+            <a:noFill/>
+          </a:ln>
+        </p:spPr>
+        <p:style>
+          <a:lnRef idx="2">
+            <a:schemeClr val="accent3">
+              <a:shade val="50000"/>
+            </a:schemeClr>
+          </a:lnRef>
+          <a:fillRef idx="1">
+            <a:schemeClr val="accent3"/>
+          </a:fillRef>
+          <a:effectRef idx="0">
+            <a:schemeClr val="accent3"/>
+          </a:effectRef>
+          <a:fontRef idx="minor">
+            <a:schemeClr val="lt1"/>
+          </a:fontRef>
+        </p:style>
+        <p:txBody>
+          <a:bodyPr rtlCol="0" anchor="ctr"/>
+          <a:lstStyle/>
+          <a:p>
+            <a:pPr algn="ctr"/>
+            <a:endParaRPr lang="en-GB"/>
+          </a:p>
+        </p:txBody>
+      </p:sp>
+      <p:sp>
+        <p:nvSpPr>
+          <p:cNvPr id="7" name="TextBox 6"/>
+          <p:cNvSpPr txBox="1"/>
+          <p:nvPr/>
+        </p:nvSpPr>
+        <p:spPr>
+          <a:xfrm>
+            <a:off x="5796136" y="403547"/>
+            <a:ext cx="2664296" cy="461665"/>
+          </a:xfrm>
+          <a:prstGeom prst="rect">
+            <a:avLst/>
+          </a:prstGeom>
+          <a:noFill/>
+          <a:ln>
+            <a:noFill/>
+          </a:ln>
+        </p:spPr>
+        <p:txBody>
+          <a:bodyPr wrap="square" rtlCol="0" anchor="ctr">
+            <a:spAutoFit/>
+          </a:bodyPr>
+          <a:lstStyle/>
+          <a:p>
+            <a:pPr algn="r"/>
+            <a:r>
+              <a:rPr lang="en-GB" sz="2400" dirty="0" smtClean="0"/>
+              <a:t>My Recipes</a:t>
+            </a:r>
+            <a:endParaRPr lang="en-GB" sz="2400" dirty="0"/>
+          </a:p>
+        </p:txBody>
+      </p:sp>
+      <p:grpSp>
+        <p:nvGrpSpPr>
+          <p:cNvPr id="53" name="Group 52"/>
+          <p:cNvGrpSpPr/>
+          <p:nvPr/>
+        </p:nvGrpSpPr>
+        <p:grpSpPr>
+          <a:xfrm>
+            <a:off x="359532" y="2276872"/>
+            <a:ext cx="2916324" cy="4581128"/>
+            <a:chOff x="359532" y="4695124"/>
+            <a:chExt cx="8424936" cy="2137860"/>
+          </a:xfrm>
+        </p:grpSpPr>
+        <p:sp>
+          <p:nvSpPr>
+            <p:cNvPr id="28" name="Rectangle 27"/>
+            <p:cNvSpPr/>
+            <p:nvPr/>
+          </p:nvSpPr>
+          <p:spPr>
+            <a:xfrm>
+              <a:off x="359532" y="4695124"/>
+              <a:ext cx="8424936" cy="2137860"/>
+            </a:xfrm>
+            <a:prstGeom prst="rect">
+              <a:avLst/>
+            </a:prstGeom>
+            <a:solidFill>
+              <a:srgbClr val="C4E06A"/>
+            </a:solidFill>
+            <a:ln>
+              <a:solidFill>
+                <a:srgbClr val="A0C26A"/>
+              </a:solidFill>
+            </a:ln>
+          </p:spPr>
+          <p:style>
+            <a:lnRef idx="2">
+              <a:schemeClr val="accent1">
+                <a:shade val="50000"/>
+              </a:schemeClr>
+            </a:lnRef>
+            <a:fillRef idx="1">
+              <a:schemeClr val="accent1"/>
+            </a:fillRef>
+            <a:effectRef idx="0">
+              <a:schemeClr val="accent1"/>
+            </a:effectRef>
+            <a:fontRef idx="minor">
+              <a:schemeClr val="lt1"/>
+            </a:fontRef>
+          </p:style>
+          <p:txBody>
+            <a:bodyPr rtlCol="0" anchor="ctr"/>
+            <a:lstStyle/>
+            <a:p>
+              <a:pPr algn="ctr"/>
+              <a:endParaRPr lang="en-GB"/>
+            </a:p>
+          </p:txBody>
+        </p:sp>
+        <p:sp>
+          <p:nvSpPr>
+            <p:cNvPr id="35" name="TextBox 34"/>
+            <p:cNvSpPr txBox="1"/>
+            <p:nvPr/>
+          </p:nvSpPr>
+          <p:spPr>
+            <a:xfrm>
+              <a:off x="539553" y="4743167"/>
+              <a:ext cx="7535447" cy="215444"/>
+            </a:xfrm>
+            <a:prstGeom prst="rect">
+              <a:avLst/>
+            </a:prstGeom>
+            <a:noFill/>
+          </p:spPr>
+          <p:txBody>
+            <a:bodyPr wrap="square" rtlCol="0">
+              <a:spAutoFit/>
+            </a:bodyPr>
+            <a:lstStyle/>
+            <a:p>
+              <a:r>
+                <a:rPr lang="en-GB" sz="2400" dirty="0" smtClean="0"/>
+                <a:t>Recent Comments</a:t>
+              </a:r>
+              <a:endParaRPr lang="en-GB" sz="2400" dirty="0"/>
+            </a:p>
+          </p:txBody>
+        </p:sp>
+      </p:grpSp>
+      <p:sp>
+        <p:nvSpPr>
+          <p:cNvPr id="39" name="TextBox 38"/>
+          <p:cNvSpPr txBox="1"/>
+          <p:nvPr/>
+        </p:nvSpPr>
+        <p:spPr>
+          <a:xfrm>
+            <a:off x="332311" y="1408130"/>
+            <a:ext cx="1224136" cy="369332"/>
+          </a:xfrm>
+          <a:prstGeom prst="rect">
+            <a:avLst/>
+          </a:prstGeom>
+          <a:noFill/>
+        </p:spPr>
+        <p:txBody>
+          <a:bodyPr wrap="square" rtlCol="0">
+            <a:spAutoFit/>
+          </a:bodyPr>
+          <a:lstStyle/>
+          <a:p>
+            <a:r>
+              <a:rPr lang="en-GB" dirty="0" smtClean="0"/>
+              <a:t>Categories</a:t>
+            </a:r>
+            <a:endParaRPr lang="en-GB" dirty="0"/>
+          </a:p>
+        </p:txBody>
+      </p:sp>
+      <p:sp>
+        <p:nvSpPr>
+          <p:cNvPr id="40" name="TextBox 39"/>
+          <p:cNvSpPr txBox="1"/>
+          <p:nvPr/>
+        </p:nvSpPr>
+        <p:spPr>
+          <a:xfrm>
+            <a:off x="7488324" y="1408130"/>
+            <a:ext cx="1296144" cy="369332"/>
+          </a:xfrm>
+          <a:prstGeom prst="rect">
+            <a:avLst/>
+          </a:prstGeom>
+          <a:noFill/>
+        </p:spPr>
+        <p:txBody>
+          <a:bodyPr wrap="square" rtlCol="0">
+            <a:spAutoFit/>
+          </a:bodyPr>
+          <a:lstStyle/>
+          <a:p>
+            <a:r>
+              <a:rPr lang="en-GB" dirty="0" smtClean="0"/>
+              <a:t>Help/About</a:t>
+            </a:r>
+            <a:endParaRPr lang="en-GB" dirty="0"/>
+          </a:p>
+        </p:txBody>
+      </p:sp>
+      <p:grpSp>
+        <p:nvGrpSpPr>
+          <p:cNvPr id="3" name="Group 2"/>
+          <p:cNvGrpSpPr/>
+          <p:nvPr/>
+        </p:nvGrpSpPr>
+        <p:grpSpPr>
+          <a:xfrm>
+            <a:off x="1979712" y="1408130"/>
+            <a:ext cx="4536504" cy="369332"/>
+            <a:chOff x="2339752" y="1267672"/>
+            <a:chExt cx="4536504" cy="369332"/>
+          </a:xfrm>
+        </p:grpSpPr>
+        <p:sp>
+          <p:nvSpPr>
+            <p:cNvPr id="41" name="TextBox 40"/>
+            <p:cNvSpPr txBox="1"/>
+            <p:nvPr/>
+          </p:nvSpPr>
+          <p:spPr>
+            <a:xfrm>
+              <a:off x="2339752" y="1267672"/>
+              <a:ext cx="864096" cy="369332"/>
+            </a:xfrm>
+            <a:prstGeom prst="rect">
+              <a:avLst/>
+            </a:prstGeom>
+            <a:noFill/>
+          </p:spPr>
+          <p:txBody>
+            <a:bodyPr wrap="square" rtlCol="0">
+              <a:spAutoFit/>
+            </a:bodyPr>
+            <a:lstStyle/>
+            <a:p>
+              <a:r>
+                <a:rPr lang="en-GB" dirty="0" smtClean="0"/>
+                <a:t>Search</a:t>
+              </a:r>
+              <a:endParaRPr lang="en-GB" dirty="0"/>
+            </a:p>
+          </p:txBody>
+        </p:sp>
+        <p:sp>
+          <p:nvSpPr>
+            <p:cNvPr id="42" name="Rounded Rectangle 41"/>
+            <p:cNvSpPr/>
+            <p:nvPr/>
+          </p:nvSpPr>
+          <p:spPr>
+            <a:xfrm>
+              <a:off x="3203848" y="1313572"/>
+              <a:ext cx="3672408" cy="277532"/>
+            </a:xfrm>
+            <a:prstGeom prst="roundRect">
+              <a:avLst/>
+            </a:prstGeom>
+            <a:noFill/>
+            <a:ln>
+              <a:solidFill>
+                <a:schemeClr val="tx1"/>
+              </a:solidFill>
+            </a:ln>
+          </p:spPr>
+          <p:style>
+            <a:lnRef idx="2">
+              <a:schemeClr val="accent1">
+                <a:shade val="50000"/>
+              </a:schemeClr>
+            </a:lnRef>
+            <a:fillRef idx="1">
+              <a:schemeClr val="accent1"/>
+            </a:fillRef>
+            <a:effectRef idx="0">
+              <a:schemeClr val="accent1"/>
+            </a:effectRef>
+            <a:fontRef idx="minor">
+              <a:schemeClr val="lt1"/>
+            </a:fontRef>
+          </p:style>
+          <p:txBody>
+            <a:bodyPr rtlCol="0" anchor="ctr"/>
+            <a:lstStyle/>
+            <a:p>
+              <a:pPr algn="ctr"/>
+              <a:endParaRPr lang="en-GB"/>
+            </a:p>
+          </p:txBody>
+        </p:sp>
+      </p:grpSp>
+      <p:grpSp>
+        <p:nvGrpSpPr>
+          <p:cNvPr id="2" name="Group 1"/>
+          <p:cNvGrpSpPr/>
+          <p:nvPr/>
+        </p:nvGrpSpPr>
+        <p:grpSpPr>
+          <a:xfrm>
+            <a:off x="368315" y="341992"/>
+            <a:ext cx="2610435" cy="584775"/>
+            <a:chOff x="1097469" y="341992"/>
+            <a:chExt cx="2610435" cy="584775"/>
+          </a:xfrm>
+        </p:grpSpPr>
+        <p:sp>
+          <p:nvSpPr>
+            <p:cNvPr id="4" name="TextBox 3"/>
+            <p:cNvSpPr txBox="1"/>
+            <p:nvPr/>
+          </p:nvSpPr>
+          <p:spPr>
+            <a:xfrm>
+              <a:off x="1763688" y="341992"/>
+              <a:ext cx="1944216" cy="584775"/>
+            </a:xfrm>
+            <a:prstGeom prst="rect">
+              <a:avLst/>
+            </a:prstGeom>
+            <a:noFill/>
+            <a:ln>
+              <a:noFill/>
+            </a:ln>
+          </p:spPr>
+          <p:txBody>
+            <a:bodyPr wrap="square" rtlCol="0" anchor="ctr">
+              <a:spAutoFit/>
+            </a:bodyPr>
+            <a:lstStyle/>
+            <a:p>
+              <a:pPr algn="ctr"/>
+              <a:r>
+                <a:rPr lang="en-GB" sz="3200" dirty="0" smtClean="0"/>
+                <a:t>Site Name</a:t>
+              </a:r>
+              <a:endParaRPr lang="en-GB" sz="3200" dirty="0"/>
+            </a:p>
+          </p:txBody>
+        </p:sp>
+        <p:sp>
+          <p:nvSpPr>
+            <p:cNvPr id="43" name="Rectangle 42"/>
+            <p:cNvSpPr/>
+            <p:nvPr/>
+          </p:nvSpPr>
+          <p:spPr>
+            <a:xfrm>
+              <a:off x="1097469" y="364348"/>
+              <a:ext cx="576064" cy="540061"/>
+            </a:xfrm>
+            <a:prstGeom prst="rect">
+              <a:avLst/>
+            </a:prstGeom>
+            <a:solidFill>
+              <a:schemeClr val="bg1"/>
+            </a:solidFill>
+            <a:ln>
+              <a:solidFill>
+                <a:schemeClr val="tx1"/>
+              </a:solidFill>
+            </a:ln>
+          </p:spPr>
+          <p:style>
+            <a:lnRef idx="2">
+              <a:schemeClr val="accent1">
+                <a:shade val="50000"/>
+              </a:schemeClr>
+            </a:lnRef>
+            <a:fillRef idx="1">
+              <a:schemeClr val="accent1"/>
+            </a:fillRef>
+            <a:effectRef idx="0">
+              <a:schemeClr val="accent1"/>
+            </a:effectRef>
+            <a:fontRef idx="minor">
+              <a:schemeClr val="lt1"/>
+            </a:fontRef>
+          </p:style>
+          <p:txBody>
+            <a:bodyPr rtlCol="0" anchor="ctr"/>
+            <a:lstStyle/>
+            <a:p>
+              <a:pPr algn="ctr"/>
+              <a:r>
+                <a:rPr lang="en-GB" sz="1400" dirty="0" smtClean="0">
+                  <a:solidFill>
+                    <a:schemeClr val="tx1"/>
+                  </a:solidFill>
+                </a:rPr>
+                <a:t>Logo</a:t>
+              </a:r>
+              <a:endParaRPr lang="en-GB" sz="400" dirty="0">
+                <a:solidFill>
+                  <a:schemeClr val="tx1"/>
+                </a:solidFill>
+              </a:endParaRPr>
+            </a:p>
+          </p:txBody>
+        </p:sp>
+      </p:grpSp>
+      <p:cxnSp>
+        <p:nvCxnSpPr>
+          <p:cNvPr id="14" name="Straight Connector 13"/>
+          <p:cNvCxnSpPr/>
+          <p:nvPr/>
+        </p:nvCxnSpPr>
+        <p:spPr>
+          <a:xfrm>
+            <a:off x="1835696" y="1271101"/>
+            <a:ext cx="0" cy="645731"/>
+          </a:xfrm>
+          <a:prstGeom prst="line">
+            <a:avLst/>
+          </a:prstGeom>
+          <a:ln>
+            <a:solidFill>
+              <a:schemeClr val="tx1"/>
+            </a:solidFill>
+          </a:ln>
+        </p:spPr>
+        <p:style>
+          <a:lnRef idx="1">
+            <a:schemeClr val="accent1"/>
+          </a:lnRef>
+          <a:fillRef idx="0">
+            <a:schemeClr val="accent1"/>
+          </a:fillRef>
+          <a:effectRef idx="0">
+            <a:schemeClr val="accent1"/>
+          </a:effectRef>
+          <a:fontRef idx="minor">
+            <a:schemeClr val="tx1"/>
+          </a:fontRef>
+        </p:style>
+      </p:cxnSp>
+      <p:cxnSp>
+        <p:nvCxnSpPr>
+          <p:cNvPr id="46" name="Straight Connector 45"/>
+          <p:cNvCxnSpPr/>
+          <p:nvPr/>
+        </p:nvCxnSpPr>
+        <p:spPr>
+          <a:xfrm>
+            <a:off x="0" y="1916832"/>
+            <a:ext cx="9144000" cy="0"/>
+          </a:xfrm>
+          <a:prstGeom prst="line">
+            <a:avLst/>
+          </a:prstGeom>
+          <a:ln>
+            <a:solidFill>
+              <a:schemeClr val="tx1"/>
+            </a:solidFill>
+          </a:ln>
+        </p:spPr>
+        <p:style>
+          <a:lnRef idx="1">
+            <a:schemeClr val="accent1"/>
+          </a:lnRef>
+          <a:fillRef idx="0">
+            <a:schemeClr val="accent1"/>
+          </a:fillRef>
+          <a:effectRef idx="0">
+            <a:schemeClr val="accent1"/>
+          </a:effectRef>
+          <a:fontRef idx="minor">
+            <a:schemeClr val="tx1"/>
+          </a:fontRef>
+        </p:style>
+      </p:cxnSp>
+      <p:cxnSp>
+        <p:nvCxnSpPr>
+          <p:cNvPr id="47" name="Straight Connector 46"/>
+          <p:cNvCxnSpPr/>
+          <p:nvPr/>
+        </p:nvCxnSpPr>
+        <p:spPr>
+          <a:xfrm flipV="1">
+            <a:off x="0" y="1268760"/>
+            <a:ext cx="9144000" cy="2341"/>
+          </a:xfrm>
+          <a:prstGeom prst="line">
+            <a:avLst/>
+          </a:prstGeom>
+          <a:ln>
+            <a:solidFill>
+              <a:schemeClr val="tx1"/>
+            </a:solidFill>
+          </a:ln>
+        </p:spPr>
+        <p:style>
+          <a:lnRef idx="1">
+            <a:schemeClr val="accent1"/>
+          </a:lnRef>
+          <a:fillRef idx="0">
+            <a:schemeClr val="accent1"/>
+          </a:fillRef>
+          <a:effectRef idx="0">
+            <a:schemeClr val="accent1"/>
+          </a:effectRef>
+          <a:fontRef idx="minor">
+            <a:schemeClr val="tx1"/>
+          </a:fontRef>
+        </p:style>
+      </p:cxnSp>
+      <p:cxnSp>
+        <p:nvCxnSpPr>
+          <p:cNvPr id="51" name="Straight Connector 50"/>
+          <p:cNvCxnSpPr/>
+          <p:nvPr/>
+        </p:nvCxnSpPr>
+        <p:spPr>
+          <a:xfrm>
+            <a:off x="7092280" y="1271101"/>
+            <a:ext cx="0" cy="645731"/>
+          </a:xfrm>
+          <a:prstGeom prst="line">
+            <a:avLst/>
+          </a:prstGeom>
+          <a:ln>
+            <a:solidFill>
+              <a:schemeClr val="tx1"/>
+            </a:solidFill>
+          </a:ln>
+        </p:spPr>
+        <p:style>
+          <a:lnRef idx="1">
+            <a:schemeClr val="accent1"/>
+          </a:lnRef>
+          <a:fillRef idx="0">
+            <a:schemeClr val="accent1"/>
+          </a:fillRef>
+          <a:effectRef idx="0">
+            <a:schemeClr val="accent1"/>
+          </a:effectRef>
+          <a:fontRef idx="minor">
+            <a:schemeClr val="tx1"/>
+          </a:fontRef>
+        </p:style>
+      </p:cxnSp>
+      <p:grpSp>
+        <p:nvGrpSpPr>
+          <p:cNvPr id="73" name="Group 72"/>
+          <p:cNvGrpSpPr/>
+          <p:nvPr/>
+        </p:nvGrpSpPr>
+        <p:grpSpPr>
+          <a:xfrm>
+            <a:off x="4004691" y="2564904"/>
+            <a:ext cx="1350641" cy="1224136"/>
+            <a:chOff x="1061118" y="2924944"/>
+            <a:chExt cx="1350641" cy="1224136"/>
+          </a:xfrm>
+        </p:grpSpPr>
+        <p:sp>
+          <p:nvSpPr>
+            <p:cNvPr id="74" name="Rectangle 73"/>
+            <p:cNvSpPr/>
+            <p:nvPr/>
+          </p:nvSpPr>
+          <p:spPr>
+            <a:xfrm>
+              <a:off x="1061118" y="2924944"/>
+              <a:ext cx="1350641" cy="1224136"/>
+            </a:xfrm>
+            <a:prstGeom prst="rect">
+              <a:avLst/>
+            </a:prstGeom>
+            <a:solidFill>
+              <a:schemeClr val="bg1"/>
+            </a:solidFill>
+            <a:ln>
+              <a:solidFill>
+                <a:schemeClr val="tx1"/>
+              </a:solidFill>
+            </a:ln>
+          </p:spPr>
+          <p:style>
+            <a:lnRef idx="2">
+              <a:schemeClr val="accent1">
+                <a:shade val="50000"/>
+              </a:schemeClr>
+            </a:lnRef>
+            <a:fillRef idx="1">
+              <a:schemeClr val="accent1"/>
+            </a:fillRef>
+            <a:effectRef idx="0">
+              <a:schemeClr val="accent1"/>
+            </a:effectRef>
+            <a:fontRef idx="minor">
+              <a:schemeClr val="lt1"/>
+            </a:fontRef>
+          </p:style>
+          <p:txBody>
+            <a:bodyPr rtlCol="0" anchor="ctr"/>
+            <a:lstStyle/>
+            <a:p>
+              <a:pPr algn="ctr"/>
+              <a:endParaRPr lang="en-GB"/>
+            </a:p>
+          </p:txBody>
+        </p:sp>
+        <p:sp>
+          <p:nvSpPr>
+            <p:cNvPr id="75" name="TextBox 74"/>
+            <p:cNvSpPr txBox="1"/>
+            <p:nvPr/>
+          </p:nvSpPr>
+          <p:spPr>
+            <a:xfrm>
+              <a:off x="1061118" y="3347700"/>
+              <a:ext cx="1350641" cy="369332"/>
+            </a:xfrm>
+            <a:prstGeom prst="rect">
+              <a:avLst/>
+            </a:prstGeom>
+            <a:noFill/>
+          </p:spPr>
+          <p:txBody>
+            <a:bodyPr wrap="square" rtlCol="0">
+              <a:spAutoFit/>
+            </a:bodyPr>
+            <a:lstStyle/>
+            <a:p>
+              <a:pPr algn="ctr"/>
+              <a:r>
+                <a:rPr lang="en-GB" dirty="0" smtClean="0"/>
+                <a:t>Picture 1</a:t>
+              </a:r>
+              <a:endParaRPr lang="en-GB" dirty="0"/>
+            </a:p>
+          </p:txBody>
+        </p:sp>
+      </p:grpSp>
+      <p:sp>
+        <p:nvSpPr>
+          <p:cNvPr id="84" name="TextBox 83"/>
+          <p:cNvSpPr txBox="1"/>
+          <p:nvPr/>
+        </p:nvSpPr>
+        <p:spPr>
+          <a:xfrm>
+            <a:off x="3770665" y="3789040"/>
+            <a:ext cx="1818693" cy="369332"/>
+          </a:xfrm>
+          <a:prstGeom prst="rect">
+            <a:avLst/>
+          </a:prstGeom>
+          <a:noFill/>
+        </p:spPr>
+        <p:txBody>
+          <a:bodyPr wrap="square" rtlCol="0">
+            <a:spAutoFit/>
+          </a:bodyPr>
+          <a:lstStyle/>
+          <a:p>
+            <a:pPr algn="ctr"/>
+            <a:r>
+              <a:rPr lang="en-GB" dirty="0" smtClean="0"/>
+              <a:t>Recipe name 1</a:t>
+            </a:r>
+            <a:endParaRPr lang="en-GB" dirty="0"/>
+          </a:p>
+        </p:txBody>
+      </p:sp>
+      <p:sp>
+        <p:nvSpPr>
+          <p:cNvPr id="52" name="Rectangle 51"/>
+          <p:cNvSpPr/>
+          <p:nvPr/>
+        </p:nvSpPr>
+        <p:spPr>
+          <a:xfrm>
+            <a:off x="629071" y="2997732"/>
+            <a:ext cx="2214737" cy="3860268"/>
           </a:xfrm>
           <a:prstGeom prst="rect">
             <a:avLst/>
@@ -3793,9 +9294,7 @@
             <a:schemeClr val="bg1"/>
           </a:solidFill>
           <a:ln>
-            <a:solidFill>
-              <a:schemeClr val="tx1"/>
-            </a:solidFill>
+            <a:noFill/>
           </a:ln>
         </p:spPr>
         <p:style>
@@ -3823,112 +9322,546 @@
           </a:p>
         </p:txBody>
       </p:sp>
-      <p:sp>
-        <p:nvSpPr>
-          <p:cNvPr id="18" name="Rectangle 17"/>
-          <p:cNvSpPr/>
+      <p:grpSp>
+        <p:nvGrpSpPr>
+          <p:cNvPr id="8" name="Group 7"/>
+          <p:cNvGrpSpPr/>
           <p:nvPr/>
-        </p:nvSpPr>
+        </p:nvGrpSpPr>
+        <p:grpSpPr>
+          <a:xfrm>
+            <a:off x="616947" y="2985289"/>
+            <a:ext cx="2218223" cy="1720978"/>
+            <a:chOff x="616947" y="2985289"/>
+            <a:chExt cx="2218223" cy="1720978"/>
+          </a:xfrm>
+        </p:grpSpPr>
+        <p:sp>
+          <p:nvSpPr>
+            <p:cNvPr id="59" name="Rectangle 58"/>
+            <p:cNvSpPr/>
+            <p:nvPr/>
+          </p:nvSpPr>
+          <p:spPr>
+            <a:xfrm>
+              <a:off x="620433" y="2985289"/>
+              <a:ext cx="2214737" cy="1523831"/>
+            </a:xfrm>
+            <a:prstGeom prst="rect">
+              <a:avLst/>
+            </a:prstGeom>
+            <a:noFill/>
+            <a:ln w="25400">
+              <a:solidFill>
+                <a:schemeClr val="tx1"/>
+              </a:solidFill>
+            </a:ln>
+          </p:spPr>
+          <p:style>
+            <a:lnRef idx="2">
+              <a:schemeClr val="accent1">
+                <a:shade val="50000"/>
+              </a:schemeClr>
+            </a:lnRef>
+            <a:fillRef idx="1">
+              <a:schemeClr val="accent1"/>
+            </a:fillRef>
+            <a:effectRef idx="0">
+              <a:schemeClr val="accent1"/>
+            </a:effectRef>
+            <a:fontRef idx="minor">
+              <a:schemeClr val="lt1"/>
+            </a:fontRef>
+          </p:style>
+          <p:txBody>
+            <a:bodyPr rtlCol="0" anchor="ctr"/>
+            <a:lstStyle/>
+            <a:p>
+              <a:pPr algn="ctr"/>
+              <a:endParaRPr lang="en-GB"/>
+            </a:p>
+          </p:txBody>
+        </p:sp>
+        <p:sp>
+          <p:nvSpPr>
+            <p:cNvPr id="60" name="TextBox 59"/>
+            <p:cNvSpPr txBox="1"/>
+            <p:nvPr/>
+          </p:nvSpPr>
+          <p:spPr>
+            <a:xfrm>
+              <a:off x="616947" y="2988775"/>
+              <a:ext cx="1362765" cy="287748"/>
+            </a:xfrm>
+            <a:prstGeom prst="rect">
+              <a:avLst/>
+            </a:prstGeom>
+            <a:noFill/>
+          </p:spPr>
+          <p:txBody>
+            <a:bodyPr wrap="square" rtlCol="0">
+              <a:spAutoFit/>
+            </a:bodyPr>
+            <a:lstStyle/>
+            <a:p>
+              <a:pPr algn="ctr"/>
+              <a:r>
+                <a:rPr lang="en-GB" dirty="0" smtClean="0">
+                  <a:solidFill>
+                    <a:schemeClr val="bg1">
+                      <a:lumMod val="50000"/>
+                    </a:schemeClr>
+                  </a:solidFill>
+                </a:rPr>
+                <a:t>Username1</a:t>
+              </a:r>
+              <a:endParaRPr lang="en-GB" dirty="0">
+                <a:solidFill>
+                  <a:schemeClr val="bg1">
+                    <a:lumMod val="50000"/>
+                  </a:schemeClr>
+                </a:solidFill>
+              </a:endParaRPr>
+            </a:p>
+          </p:txBody>
+        </p:sp>
+        <p:sp>
+          <p:nvSpPr>
+            <p:cNvPr id="61" name="TextBox 60"/>
+            <p:cNvSpPr txBox="1"/>
+            <p:nvPr/>
+          </p:nvSpPr>
+          <p:spPr>
+            <a:xfrm>
+              <a:off x="616947" y="3321272"/>
+              <a:ext cx="2218223" cy="1384995"/>
+            </a:xfrm>
+            <a:prstGeom prst="rect">
+              <a:avLst/>
+            </a:prstGeom>
+            <a:noFill/>
+          </p:spPr>
+          <p:txBody>
+            <a:bodyPr wrap="square" rtlCol="0">
+              <a:spAutoFit/>
+            </a:bodyPr>
+            <a:lstStyle/>
+            <a:p>
+              <a:r>
+                <a:rPr lang="en-GB" sz="1400" dirty="0" smtClean="0"/>
+                <a:t>comment_text_comment_text_comment_text_comment_text_comment_text_comment_text_comment_text_comment_text_comment</a:t>
+              </a:r>
+              <a:endParaRPr lang="en-GB" sz="1400" dirty="0"/>
+            </a:p>
+            <a:p>
+              <a:endParaRPr lang="en-GB" sz="1400" dirty="0"/>
+            </a:p>
+          </p:txBody>
+        </p:sp>
+      </p:grpSp>
+      <p:grpSp>
+        <p:nvGrpSpPr>
+          <p:cNvPr id="62" name="Group 61"/>
+          <p:cNvGrpSpPr/>
+          <p:nvPr/>
+        </p:nvGrpSpPr>
+        <p:grpSpPr>
+          <a:xfrm>
+            <a:off x="616946" y="4516334"/>
+            <a:ext cx="2218223" cy="1720978"/>
+            <a:chOff x="616947" y="2985289"/>
+            <a:chExt cx="2218223" cy="1720978"/>
+          </a:xfrm>
+        </p:grpSpPr>
+        <p:sp>
+          <p:nvSpPr>
+            <p:cNvPr id="63" name="Rectangle 62"/>
+            <p:cNvSpPr/>
+            <p:nvPr/>
+          </p:nvSpPr>
+          <p:spPr>
+            <a:xfrm>
+              <a:off x="620433" y="2985289"/>
+              <a:ext cx="2214737" cy="1523831"/>
+            </a:xfrm>
+            <a:prstGeom prst="rect">
+              <a:avLst/>
+            </a:prstGeom>
+            <a:noFill/>
+            <a:ln w="25400">
+              <a:solidFill>
+                <a:schemeClr val="tx1"/>
+              </a:solidFill>
+            </a:ln>
+          </p:spPr>
+          <p:style>
+            <a:lnRef idx="2">
+              <a:schemeClr val="accent1">
+                <a:shade val="50000"/>
+              </a:schemeClr>
+            </a:lnRef>
+            <a:fillRef idx="1">
+              <a:schemeClr val="accent1"/>
+            </a:fillRef>
+            <a:effectRef idx="0">
+              <a:schemeClr val="accent1"/>
+            </a:effectRef>
+            <a:fontRef idx="minor">
+              <a:schemeClr val="lt1"/>
+            </a:fontRef>
+          </p:style>
+          <p:txBody>
+            <a:bodyPr rtlCol="0" anchor="ctr"/>
+            <a:lstStyle/>
+            <a:p>
+              <a:pPr algn="ctr"/>
+              <a:endParaRPr lang="en-GB"/>
+            </a:p>
+          </p:txBody>
+        </p:sp>
+        <p:sp>
+          <p:nvSpPr>
+            <p:cNvPr id="64" name="TextBox 63"/>
+            <p:cNvSpPr txBox="1"/>
+            <p:nvPr/>
+          </p:nvSpPr>
+          <p:spPr>
+            <a:xfrm>
+              <a:off x="616947" y="2988775"/>
+              <a:ext cx="1362765" cy="369332"/>
+            </a:xfrm>
+            <a:prstGeom prst="rect">
+              <a:avLst/>
+            </a:prstGeom>
+            <a:noFill/>
+          </p:spPr>
+          <p:txBody>
+            <a:bodyPr wrap="square" rtlCol="0">
+              <a:spAutoFit/>
+            </a:bodyPr>
+            <a:lstStyle/>
+            <a:p>
+              <a:pPr algn="ctr"/>
+              <a:r>
+                <a:rPr lang="en-GB" dirty="0" smtClean="0">
+                  <a:solidFill>
+                    <a:schemeClr val="bg1">
+                      <a:lumMod val="50000"/>
+                    </a:schemeClr>
+                  </a:solidFill>
+                </a:rPr>
+                <a:t>Username2</a:t>
+              </a:r>
+              <a:endParaRPr lang="en-GB" dirty="0">
+                <a:solidFill>
+                  <a:schemeClr val="bg1">
+                    <a:lumMod val="50000"/>
+                  </a:schemeClr>
+                </a:solidFill>
+              </a:endParaRPr>
+            </a:p>
+          </p:txBody>
+        </p:sp>
+        <p:sp>
+          <p:nvSpPr>
+            <p:cNvPr id="65" name="TextBox 64"/>
+            <p:cNvSpPr txBox="1"/>
+            <p:nvPr/>
+          </p:nvSpPr>
+          <p:spPr>
+            <a:xfrm>
+              <a:off x="616947" y="3321272"/>
+              <a:ext cx="2218223" cy="1384995"/>
+            </a:xfrm>
+            <a:prstGeom prst="rect">
+              <a:avLst/>
+            </a:prstGeom>
+            <a:noFill/>
+          </p:spPr>
+          <p:txBody>
+            <a:bodyPr wrap="square" rtlCol="0">
+              <a:spAutoFit/>
+            </a:bodyPr>
+            <a:lstStyle/>
+            <a:p>
+              <a:r>
+                <a:rPr lang="en-GB" sz="1400" dirty="0" smtClean="0"/>
+                <a:t>comment_text_comment_text_comment_text_comment_text_comment_text_comment_text_comment_text_comment_text_comment</a:t>
+              </a:r>
+              <a:endParaRPr lang="en-GB" sz="1400" dirty="0"/>
+            </a:p>
+            <a:p>
+              <a:endParaRPr lang="en-GB" sz="1400" dirty="0"/>
+            </a:p>
+          </p:txBody>
+        </p:sp>
+      </p:grpSp>
+      <p:grpSp>
+        <p:nvGrpSpPr>
+          <p:cNvPr id="66" name="Group 65"/>
+          <p:cNvGrpSpPr/>
+          <p:nvPr/>
+        </p:nvGrpSpPr>
+        <p:grpSpPr>
+          <a:xfrm>
+            <a:off x="614573" y="6043651"/>
+            <a:ext cx="2218223" cy="855717"/>
+            <a:chOff x="616947" y="2988775"/>
+            <a:chExt cx="2218223" cy="855717"/>
+          </a:xfrm>
+        </p:grpSpPr>
+        <p:sp>
+          <p:nvSpPr>
+            <p:cNvPr id="86" name="TextBox 85"/>
+            <p:cNvSpPr txBox="1"/>
+            <p:nvPr/>
+          </p:nvSpPr>
+          <p:spPr>
+            <a:xfrm>
+              <a:off x="616947" y="2988775"/>
+              <a:ext cx="1362765" cy="369332"/>
+            </a:xfrm>
+            <a:prstGeom prst="rect">
+              <a:avLst/>
+            </a:prstGeom>
+            <a:noFill/>
+          </p:spPr>
+          <p:txBody>
+            <a:bodyPr wrap="square" rtlCol="0">
+              <a:spAutoFit/>
+            </a:bodyPr>
+            <a:lstStyle/>
+            <a:p>
+              <a:pPr algn="ctr"/>
+              <a:r>
+                <a:rPr lang="en-GB" dirty="0" smtClean="0">
+                  <a:solidFill>
+                    <a:schemeClr val="bg1">
+                      <a:lumMod val="50000"/>
+                    </a:schemeClr>
+                  </a:solidFill>
+                </a:rPr>
+                <a:t>Username3</a:t>
+              </a:r>
+              <a:endParaRPr lang="en-GB" dirty="0">
+                <a:solidFill>
+                  <a:schemeClr val="bg1">
+                    <a:lumMod val="50000"/>
+                  </a:schemeClr>
+                </a:solidFill>
+              </a:endParaRPr>
+            </a:p>
+          </p:txBody>
+        </p:sp>
+        <p:sp>
+          <p:nvSpPr>
+            <p:cNvPr id="87" name="TextBox 86"/>
+            <p:cNvSpPr txBox="1"/>
+            <p:nvPr/>
+          </p:nvSpPr>
+          <p:spPr>
+            <a:xfrm>
+              <a:off x="616947" y="3321272"/>
+              <a:ext cx="2218223" cy="523220"/>
+            </a:xfrm>
+            <a:prstGeom prst="rect">
+              <a:avLst/>
+            </a:prstGeom>
+            <a:noFill/>
+          </p:spPr>
+          <p:txBody>
+            <a:bodyPr wrap="square" rtlCol="0">
+              <a:spAutoFit/>
+            </a:bodyPr>
+            <a:lstStyle/>
+            <a:p>
+              <a:r>
+                <a:rPr lang="en-GB" sz="1400" dirty="0" err="1" smtClean="0"/>
+                <a:t>comment_text_comment_text_comment_text_comme</a:t>
+              </a:r>
+              <a:endParaRPr lang="en-GB" sz="1400" dirty="0" smtClean="0"/>
+            </a:p>
+          </p:txBody>
+        </p:sp>
+      </p:grpSp>
+      <p:cxnSp>
+        <p:nvCxnSpPr>
+          <p:cNvPr id="10" name="Straight Connector 9"/>
+          <p:cNvCxnSpPr/>
+          <p:nvPr/>
+        </p:nvCxnSpPr>
         <p:spPr>
-          <a:xfrm>
-            <a:off x="3275856" y="3284984"/>
-            <a:ext cx="1152128" cy="1080120"/>
-          </a:xfrm>
-          <a:prstGeom prst="rect">
+          <a:xfrm flipH="1">
+            <a:off x="614573" y="6021288"/>
+            <a:ext cx="2374" cy="836712"/>
+          </a:xfrm>
+          <a:prstGeom prst="line">
             <a:avLst/>
           </a:prstGeom>
-          <a:solidFill>
-            <a:schemeClr val="bg1"/>
-          </a:solidFill>
-          <a:ln>
+          <a:ln w="25400">
             <a:solidFill>
               <a:schemeClr val="tx1"/>
             </a:solidFill>
           </a:ln>
         </p:spPr>
         <p:style>
-          <a:lnRef idx="2">
-            <a:schemeClr val="accent1">
-              <a:shade val="50000"/>
-            </a:schemeClr>
+          <a:lnRef idx="1">
+            <a:schemeClr val="accent1"/>
           </a:lnRef>
-          <a:fillRef idx="1">
+          <a:fillRef idx="0">
             <a:schemeClr val="accent1"/>
           </a:fillRef>
           <a:effectRef idx="0">
             <a:schemeClr val="accent1"/>
           </a:effectRef>
           <a:fontRef idx="minor">
-            <a:schemeClr val="lt1"/>
+            <a:schemeClr val="tx1"/>
           </a:fontRef>
         </p:style>
-        <p:txBody>
-          <a:bodyPr rtlCol="0" anchor="ctr"/>
-          <a:lstStyle/>
-          <a:p>
-            <a:pPr algn="ctr"/>
-            <a:endParaRPr lang="en-GB"/>
-          </a:p>
-        </p:txBody>
-      </p:sp>
-      <p:sp>
-        <p:nvSpPr>
-          <p:cNvPr id="19" name="Rectangle 18"/>
-          <p:cNvSpPr/>
+      </p:cxnSp>
+      <p:cxnSp>
+        <p:nvCxnSpPr>
+          <p:cNvPr id="88" name="Straight Connector 87"/>
+          <p:cNvCxnSpPr/>
           <p:nvPr/>
-        </p:nvSpPr>
+        </p:nvCxnSpPr>
         <p:spPr>
           <a:xfrm>
-            <a:off x="5940152" y="3284984"/>
-            <a:ext cx="1152128" cy="1080120"/>
-          </a:xfrm>
-          <a:prstGeom prst="rect">
+            <a:off x="2835170" y="5913276"/>
+            <a:ext cx="0" cy="944724"/>
+          </a:xfrm>
+          <a:prstGeom prst="line">
             <a:avLst/>
           </a:prstGeom>
-          <a:solidFill>
-            <a:schemeClr val="bg1"/>
-          </a:solidFill>
-          <a:ln>
+          <a:ln w="25400">
             <a:solidFill>
               <a:schemeClr val="tx1"/>
             </a:solidFill>
           </a:ln>
         </p:spPr>
         <p:style>
-          <a:lnRef idx="2">
-            <a:schemeClr val="accent1">
-              <a:shade val="50000"/>
-            </a:schemeClr>
+          <a:lnRef idx="1">
+            <a:schemeClr val="accent1"/>
           </a:lnRef>
-          <a:fillRef idx="1">
+          <a:fillRef idx="0">
             <a:schemeClr val="accent1"/>
           </a:fillRef>
           <a:effectRef idx="0">
             <a:schemeClr val="accent1"/>
           </a:effectRef>
           <a:fontRef idx="minor">
-            <a:schemeClr val="lt1"/>
+            <a:schemeClr val="tx1"/>
           </a:fontRef>
         </p:style>
-        <p:txBody>
-          <a:bodyPr rtlCol="0" anchor="ctr"/>
-          <a:lstStyle/>
-          <a:p>
-            <a:pPr algn="ctr"/>
-            <a:endParaRPr lang="en-GB"/>
-          </a:p>
-        </p:txBody>
-      </p:sp>
-      <p:sp>
-        <p:nvSpPr>
-          <p:cNvPr id="20" name="TextBox 19"/>
+      </p:cxnSp>
+      <p:grpSp>
+        <p:nvGrpSpPr>
+          <p:cNvPr id="89" name="Group 88"/>
+          <p:cNvGrpSpPr/>
+          <p:nvPr/>
+        </p:nvGrpSpPr>
+        <p:grpSpPr>
+          <a:xfrm>
+            <a:off x="4004690" y="4427820"/>
+            <a:ext cx="1350641" cy="1224136"/>
+            <a:chOff x="1061118" y="2924944"/>
+            <a:chExt cx="1350641" cy="1224136"/>
+          </a:xfrm>
+        </p:grpSpPr>
+        <p:sp>
+          <p:nvSpPr>
+            <p:cNvPr id="90" name="Rectangle 89"/>
+            <p:cNvSpPr/>
+            <p:nvPr/>
+          </p:nvSpPr>
+          <p:spPr>
+            <a:xfrm>
+              <a:off x="1061118" y="2924944"/>
+              <a:ext cx="1350641" cy="1224136"/>
+            </a:xfrm>
+            <a:prstGeom prst="rect">
+              <a:avLst/>
+            </a:prstGeom>
+            <a:solidFill>
+              <a:schemeClr val="bg1"/>
+            </a:solidFill>
+            <a:ln>
+              <a:solidFill>
+                <a:schemeClr val="tx1"/>
+              </a:solidFill>
+            </a:ln>
+          </p:spPr>
+          <p:style>
+            <a:lnRef idx="2">
+              <a:schemeClr val="accent1">
+                <a:shade val="50000"/>
+              </a:schemeClr>
+            </a:lnRef>
+            <a:fillRef idx="1">
+              <a:schemeClr val="accent1"/>
+            </a:fillRef>
+            <a:effectRef idx="0">
+              <a:schemeClr val="accent1"/>
+            </a:effectRef>
+            <a:fontRef idx="minor">
+              <a:schemeClr val="lt1"/>
+            </a:fontRef>
+          </p:style>
+          <p:txBody>
+            <a:bodyPr rtlCol="0" anchor="ctr"/>
+            <a:lstStyle/>
+            <a:p>
+              <a:pPr algn="ctr"/>
+              <a:endParaRPr lang="en-GB"/>
+            </a:p>
+          </p:txBody>
+        </p:sp>
+        <p:sp>
+          <p:nvSpPr>
+            <p:cNvPr id="91" name="TextBox 90"/>
+            <p:cNvSpPr txBox="1"/>
+            <p:nvPr/>
+          </p:nvSpPr>
+          <p:spPr>
+            <a:xfrm>
+              <a:off x="1061118" y="3347700"/>
+              <a:ext cx="1350641" cy="369332"/>
+            </a:xfrm>
+            <a:prstGeom prst="rect">
+              <a:avLst/>
+            </a:prstGeom>
+            <a:noFill/>
+          </p:spPr>
+          <p:txBody>
+            <a:bodyPr wrap="square" rtlCol="0">
+              <a:spAutoFit/>
+            </a:bodyPr>
+            <a:lstStyle/>
+            <a:p>
+              <a:pPr algn="ctr"/>
+              <a:r>
+                <a:rPr lang="en-GB" dirty="0" smtClean="0"/>
+                <a:t>Picture </a:t>
+              </a:r>
+              <a:r>
+                <a:rPr lang="en-GB" dirty="0" smtClean="0"/>
+                <a:t>2</a:t>
+              </a:r>
+              <a:endParaRPr lang="en-GB" dirty="0"/>
+            </a:p>
+          </p:txBody>
+        </p:sp>
+      </p:grpSp>
+      <p:sp>
+        <p:nvSpPr>
+          <p:cNvPr id="92" name="TextBox 91"/>
           <p:cNvSpPr txBox="1"/>
           <p:nvPr/>
         </p:nvSpPr>
         <p:spPr>
           <a:xfrm>
-            <a:off x="611560" y="3619265"/>
-            <a:ext cx="1008112" cy="369332"/>
+            <a:off x="3770664" y="5651956"/>
+            <a:ext cx="1818693" cy="369332"/>
           </a:xfrm>
           <a:prstGeom prst="rect">
             <a:avLst/>
@@ -3941,246 +9874,29 @@
           </a:bodyPr>
           <a:lstStyle/>
           <a:p>
+            <a:pPr algn="ctr"/>
             <a:r>
               <a:rPr lang="en-GB" dirty="0" smtClean="0"/>
-              <a:t>Picture 1</a:t>
+              <a:t>Recipe name 2</a:t>
             </a:r>
             <a:endParaRPr lang="en-GB" dirty="0"/>
           </a:p>
         </p:txBody>
       </p:sp>
-      <p:sp>
-        <p:nvSpPr>
-          <p:cNvPr id="21" name="TextBox 20"/>
-          <p:cNvSpPr txBox="1"/>
+      <p:cxnSp>
+        <p:nvCxnSpPr>
+          <p:cNvPr id="25" name="Straight Connector 24"/>
+          <p:cNvCxnSpPr/>
           <p:nvPr/>
-        </p:nvSpPr>
+        </p:nvCxnSpPr>
         <p:spPr>
           <a:xfrm>
-            <a:off x="3367043" y="3630780"/>
-            <a:ext cx="1060941" cy="369332"/>
-          </a:xfrm>
-          <a:prstGeom prst="rect">
+            <a:off x="3707904" y="4221088"/>
+            <a:ext cx="5228964" cy="0"/>
+          </a:xfrm>
+          <a:prstGeom prst="line">
             <a:avLst/>
           </a:prstGeom>
-          <a:noFill/>
-        </p:spPr>
-        <p:txBody>
-          <a:bodyPr wrap="square" rtlCol="0">
-            <a:spAutoFit/>
-          </a:bodyPr>
-          <a:lstStyle/>
-          <a:p>
-            <a:r>
-              <a:rPr lang="en-GB" dirty="0" smtClean="0"/>
-              <a:t>Picture 2</a:t>
-            </a:r>
-            <a:endParaRPr lang="en-GB" dirty="0"/>
-          </a:p>
-        </p:txBody>
-      </p:sp>
-      <p:sp>
-        <p:nvSpPr>
-          <p:cNvPr id="22" name="TextBox 21"/>
-          <p:cNvSpPr txBox="1"/>
-          <p:nvPr/>
-        </p:nvSpPr>
-        <p:spPr>
-          <a:xfrm>
-            <a:off x="6012160" y="3640378"/>
-            <a:ext cx="1080120" cy="369332"/>
-          </a:xfrm>
-          <a:prstGeom prst="rect">
-            <a:avLst/>
-          </a:prstGeom>
-          <a:noFill/>
-        </p:spPr>
-        <p:txBody>
-          <a:bodyPr wrap="square" rtlCol="0">
-            <a:spAutoFit/>
-          </a:bodyPr>
-          <a:lstStyle/>
-          <a:p>
-            <a:r>
-              <a:rPr lang="en-GB" dirty="0" smtClean="0"/>
-              <a:t>Picture 3</a:t>
-            </a:r>
-            <a:endParaRPr lang="en-GB" dirty="0"/>
-          </a:p>
-        </p:txBody>
-      </p:sp>
-      <p:sp>
-        <p:nvSpPr>
-          <p:cNvPr id="23" name="TextBox 22"/>
-          <p:cNvSpPr txBox="1"/>
-          <p:nvPr/>
-        </p:nvSpPr>
-        <p:spPr>
-          <a:xfrm>
-            <a:off x="539552" y="2591707"/>
-            <a:ext cx="3816424" cy="523220"/>
-          </a:xfrm>
-          <a:prstGeom prst="rect">
-            <a:avLst/>
-          </a:prstGeom>
-          <a:noFill/>
-        </p:spPr>
-        <p:txBody>
-          <a:bodyPr wrap="square" rtlCol="0">
-            <a:spAutoFit/>
-          </a:bodyPr>
-          <a:lstStyle/>
-          <a:p>
-            <a:r>
-              <a:rPr lang="en-GB" sz="2800" dirty="0" smtClean="0"/>
-              <a:t>Most Popular This Week</a:t>
-            </a:r>
-            <a:endParaRPr lang="en-GB" sz="2800" dirty="0"/>
-          </a:p>
-        </p:txBody>
-      </p:sp>
-      <p:sp>
-        <p:nvSpPr>
-          <p:cNvPr id="24" name="TextBox 23"/>
-          <p:cNvSpPr txBox="1"/>
-          <p:nvPr/>
-        </p:nvSpPr>
-        <p:spPr>
-          <a:xfrm>
-            <a:off x="1835696" y="3263871"/>
-            <a:ext cx="1224136" cy="923330"/>
-          </a:xfrm>
-          <a:prstGeom prst="rect">
-            <a:avLst/>
-          </a:prstGeom>
-          <a:noFill/>
-        </p:spPr>
-        <p:txBody>
-          <a:bodyPr wrap="square" rtlCol="0">
-            <a:spAutoFit/>
-          </a:bodyPr>
-          <a:lstStyle/>
-          <a:p>
-            <a:r>
-              <a:rPr lang="en-GB" dirty="0" smtClean="0"/>
-              <a:t>Recipe 1</a:t>
-            </a:r>
-          </a:p>
-          <a:p>
-            <a:r>
-              <a:rPr lang="en-GB" dirty="0" smtClean="0"/>
-              <a:t>User 1</a:t>
-            </a:r>
-          </a:p>
-          <a:p>
-            <a:r>
-              <a:rPr lang="en-GB" dirty="0" smtClean="0"/>
-              <a:t>Rating 1</a:t>
-            </a:r>
-            <a:endParaRPr lang="en-GB" dirty="0"/>
-          </a:p>
-        </p:txBody>
-      </p:sp>
-      <p:sp>
-        <p:nvSpPr>
-          <p:cNvPr id="25" name="TextBox 24"/>
-          <p:cNvSpPr txBox="1"/>
-          <p:nvPr/>
-        </p:nvSpPr>
-        <p:spPr>
-          <a:xfrm>
-            <a:off x="4572000" y="3280166"/>
-            <a:ext cx="1224136" cy="923330"/>
-          </a:xfrm>
-          <a:prstGeom prst="rect">
-            <a:avLst/>
-          </a:prstGeom>
-          <a:noFill/>
-        </p:spPr>
-        <p:txBody>
-          <a:bodyPr wrap="square" rtlCol="0">
-            <a:spAutoFit/>
-          </a:bodyPr>
-          <a:lstStyle/>
-          <a:p>
-            <a:r>
-              <a:rPr lang="en-GB" dirty="0" smtClean="0"/>
-              <a:t>Recipe 2</a:t>
-            </a:r>
-          </a:p>
-          <a:p>
-            <a:r>
-              <a:rPr lang="en-GB" dirty="0" smtClean="0"/>
-              <a:t>User 2</a:t>
-            </a:r>
-          </a:p>
-          <a:p>
-            <a:r>
-              <a:rPr lang="en-GB" dirty="0" smtClean="0"/>
-              <a:t>Rating 2</a:t>
-            </a:r>
-          </a:p>
-        </p:txBody>
-      </p:sp>
-      <p:sp>
-        <p:nvSpPr>
-          <p:cNvPr id="26" name="TextBox 25"/>
-          <p:cNvSpPr txBox="1"/>
-          <p:nvPr/>
-        </p:nvSpPr>
-        <p:spPr>
-          <a:xfrm>
-            <a:off x="7279463" y="3316342"/>
-            <a:ext cx="1224136" cy="923330"/>
-          </a:xfrm>
-          <a:prstGeom prst="rect">
-            <a:avLst/>
-          </a:prstGeom>
-          <a:noFill/>
-        </p:spPr>
-        <p:txBody>
-          <a:bodyPr wrap="square" rtlCol="0">
-            <a:spAutoFit/>
-          </a:bodyPr>
-          <a:lstStyle/>
-          <a:p>
-            <a:r>
-              <a:rPr lang="en-GB" dirty="0" smtClean="0"/>
-              <a:t>Recipe 3</a:t>
-            </a:r>
-          </a:p>
-          <a:p>
-            <a:r>
-              <a:rPr lang="en-GB" dirty="0" smtClean="0"/>
-              <a:t>User 3</a:t>
-            </a:r>
-          </a:p>
-          <a:p>
-            <a:r>
-              <a:rPr lang="en-GB" dirty="0" smtClean="0"/>
-              <a:t>Rating 3</a:t>
-            </a:r>
-            <a:endParaRPr lang="en-GB" dirty="0"/>
-          </a:p>
-        </p:txBody>
-      </p:sp>
-      <p:sp>
-        <p:nvSpPr>
-          <p:cNvPr id="28" name="Rectangle 27"/>
-          <p:cNvSpPr/>
-          <p:nvPr/>
-        </p:nvSpPr>
-        <p:spPr>
-          <a:xfrm>
-            <a:off x="359532" y="4661520"/>
-            <a:ext cx="8424936" cy="2016224"/>
-          </a:xfrm>
-          <a:prstGeom prst="rect">
-            <a:avLst/>
-          </a:prstGeom>
-          <a:solidFill>
-            <a:srgbClr val="C4E06A"/>
-          </a:solidFill>
           <a:ln>
             <a:solidFill>
               <a:srgbClr val="A0C26A"/>
@@ -4188,184 +9904,65 @@
           </a:ln>
         </p:spPr>
         <p:style>
-          <a:lnRef idx="2">
-            <a:schemeClr val="accent1">
-              <a:shade val="50000"/>
-            </a:schemeClr>
+          <a:lnRef idx="1">
+            <a:schemeClr val="accent1"/>
           </a:lnRef>
-          <a:fillRef idx="1">
+          <a:fillRef idx="0">
             <a:schemeClr val="accent1"/>
           </a:fillRef>
           <a:effectRef idx="0">
             <a:schemeClr val="accent1"/>
           </a:effectRef>
           <a:fontRef idx="minor">
-            <a:schemeClr val="lt1"/>
+            <a:schemeClr val="tx1"/>
           </a:fontRef>
         </p:style>
-        <p:txBody>
-          <a:bodyPr rtlCol="0" anchor="ctr"/>
-          <a:lstStyle/>
-          <a:p>
-            <a:pPr algn="ctr"/>
-            <a:endParaRPr lang="en-GB"/>
-          </a:p>
-        </p:txBody>
-      </p:sp>
-      <p:sp>
-        <p:nvSpPr>
-          <p:cNvPr id="29" name="Rectangle 28"/>
-          <p:cNvSpPr/>
+      </p:cxnSp>
+      <p:cxnSp>
+        <p:nvCxnSpPr>
+          <p:cNvPr id="93" name="Straight Connector 92"/>
+          <p:cNvCxnSpPr/>
           <p:nvPr/>
-        </p:nvSpPr>
+        </p:nvCxnSpPr>
         <p:spPr>
           <a:xfrm>
-            <a:off x="539552" y="5432495"/>
-            <a:ext cx="1152128" cy="1080120"/>
-          </a:xfrm>
-          <a:prstGeom prst="rect">
+            <a:off x="3707904" y="6093296"/>
+            <a:ext cx="5228964" cy="0"/>
+          </a:xfrm>
+          <a:prstGeom prst="line">
             <a:avLst/>
           </a:prstGeom>
-          <a:solidFill>
-            <a:schemeClr val="bg1"/>
-          </a:solidFill>
           <a:ln>
             <a:solidFill>
-              <a:schemeClr val="tx1"/>
+              <a:srgbClr val="A0C26A"/>
             </a:solidFill>
           </a:ln>
         </p:spPr>
         <p:style>
-          <a:lnRef idx="2">
-            <a:schemeClr val="accent1">
-              <a:shade val="50000"/>
-            </a:schemeClr>
+          <a:lnRef idx="1">
+            <a:schemeClr val="accent1"/>
           </a:lnRef>
-          <a:fillRef idx="1">
+          <a:fillRef idx="0">
             <a:schemeClr val="accent1"/>
           </a:fillRef>
           <a:effectRef idx="0">
             <a:schemeClr val="accent1"/>
           </a:effectRef>
           <a:fontRef idx="minor">
-            <a:schemeClr val="lt1"/>
+            <a:schemeClr val="tx1"/>
           </a:fontRef>
         </p:style>
-        <p:txBody>
-          <a:bodyPr rtlCol="0" anchor="ctr"/>
-          <a:lstStyle/>
-          <a:p>
-            <a:pPr algn="ctr"/>
-            <a:endParaRPr lang="en-GB"/>
-          </a:p>
-        </p:txBody>
-      </p:sp>
-      <p:sp>
-        <p:nvSpPr>
-          <p:cNvPr id="30" name="Rectangle 29"/>
-          <p:cNvSpPr/>
-          <p:nvPr/>
-        </p:nvSpPr>
-        <p:spPr>
-          <a:xfrm>
-            <a:off x="3275856" y="5453608"/>
-            <a:ext cx="1152128" cy="1080120"/>
-          </a:xfrm>
-          <a:prstGeom prst="rect">
-            <a:avLst/>
-          </a:prstGeom>
-          <a:solidFill>
-            <a:schemeClr val="bg1"/>
-          </a:solidFill>
-          <a:ln>
-            <a:solidFill>
-              <a:schemeClr val="tx1"/>
-            </a:solidFill>
-          </a:ln>
-        </p:spPr>
-        <p:style>
-          <a:lnRef idx="2">
-            <a:schemeClr val="accent1">
-              <a:shade val="50000"/>
-            </a:schemeClr>
-          </a:lnRef>
-          <a:fillRef idx="1">
-            <a:schemeClr val="accent1"/>
-          </a:fillRef>
-          <a:effectRef idx="0">
-            <a:schemeClr val="accent1"/>
-          </a:effectRef>
-          <a:fontRef idx="minor">
-            <a:schemeClr val="lt1"/>
-          </a:fontRef>
-        </p:style>
-        <p:txBody>
-          <a:bodyPr rtlCol="0" anchor="ctr"/>
-          <a:lstStyle/>
-          <a:p>
-            <a:pPr algn="ctr"/>
-            <a:endParaRPr lang="en-GB"/>
-          </a:p>
-        </p:txBody>
-      </p:sp>
-      <p:sp>
-        <p:nvSpPr>
-          <p:cNvPr id="31" name="Rectangle 30"/>
-          <p:cNvSpPr/>
-          <p:nvPr/>
-        </p:nvSpPr>
-        <p:spPr>
-          <a:xfrm>
-            <a:off x="5940152" y="5453608"/>
-            <a:ext cx="1152128" cy="1080120"/>
-          </a:xfrm>
-          <a:prstGeom prst="rect">
-            <a:avLst/>
-          </a:prstGeom>
-          <a:solidFill>
-            <a:schemeClr val="bg1"/>
-          </a:solidFill>
-          <a:ln>
-            <a:solidFill>
-              <a:schemeClr val="tx1"/>
-            </a:solidFill>
-          </a:ln>
-        </p:spPr>
-        <p:style>
-          <a:lnRef idx="2">
-            <a:schemeClr val="accent1">
-              <a:shade val="50000"/>
-            </a:schemeClr>
-          </a:lnRef>
-          <a:fillRef idx="1">
-            <a:schemeClr val="accent1"/>
-          </a:fillRef>
-          <a:effectRef idx="0">
-            <a:schemeClr val="accent1"/>
-          </a:effectRef>
-          <a:fontRef idx="minor">
-            <a:schemeClr val="lt1"/>
-          </a:fontRef>
-        </p:style>
-        <p:txBody>
-          <a:bodyPr rtlCol="0" anchor="ctr"/>
-          <a:lstStyle/>
-          <a:p>
-            <a:pPr algn="ctr"/>
-            <a:endParaRPr lang="en-GB"/>
-          </a:p>
-        </p:txBody>
-      </p:sp>
-      <p:sp>
-        <p:nvSpPr>
-          <p:cNvPr id="32" name="TextBox 31"/>
+      </p:cxnSp>
+      <p:sp>
+        <p:nvSpPr>
+          <p:cNvPr id="94" name="TextBox 93"/>
           <p:cNvSpPr txBox="1"/>
           <p:nvPr/>
         </p:nvSpPr>
         <p:spPr>
           <a:xfrm>
-            <a:off x="611560" y="5787889"/>
-            <a:ext cx="1008112" cy="369332"/>
+            <a:off x="5589356" y="2564904"/>
+            <a:ext cx="3195111" cy="646331"/>
           </a:xfrm>
           <a:prstGeom prst="rect">
             <a:avLst/>
@@ -4380,7 +9977,14 @@
           <a:p>
             <a:r>
               <a:rPr lang="en-GB" dirty="0" smtClean="0"/>
-              <a:t>Picture 1</a:t>
+              <a:t>Rating 1</a:t>
+            </a:r>
+            <a:endParaRPr lang="en-GB" dirty="0" smtClean="0"/>
+          </a:p>
+          <a:p>
+            <a:r>
+              <a:rPr lang="en-GB" dirty="0" smtClean="0"/>
+              <a:t>Description 1</a:t>
             </a:r>
             <a:endParaRPr lang="en-GB" dirty="0"/>
           </a:p>
@@ -4388,14 +9992,14 @@
       </p:sp>
       <p:sp>
         <p:nvSpPr>
-          <p:cNvPr id="33" name="TextBox 32"/>
+          <p:cNvPr id="95" name="TextBox 94"/>
           <p:cNvSpPr txBox="1"/>
           <p:nvPr/>
         </p:nvSpPr>
         <p:spPr>
           <a:xfrm>
-            <a:off x="3367043" y="5799404"/>
-            <a:ext cx="1060941" cy="369332"/>
+            <a:off x="5589358" y="4427820"/>
+            <a:ext cx="3195111" cy="646331"/>
           </a:xfrm>
           <a:prstGeom prst="rect">
             <a:avLst/>
@@ -4410,343 +10014,35 @@
           <a:p>
             <a:r>
               <a:rPr lang="en-GB" dirty="0" smtClean="0"/>
-              <a:t>Picture 2</a:t>
+              <a:t>Rating 2</a:t>
+            </a:r>
+          </a:p>
+          <a:p>
+            <a:r>
+              <a:rPr lang="en-GB" dirty="0" smtClean="0"/>
+              <a:t>Description 2</a:t>
             </a:r>
             <a:endParaRPr lang="en-GB" dirty="0"/>
-          </a:p>
-        </p:txBody>
-      </p:sp>
-      <p:sp>
-        <p:nvSpPr>
-          <p:cNvPr id="34" name="TextBox 33"/>
-          <p:cNvSpPr txBox="1"/>
-          <p:nvPr/>
-        </p:nvSpPr>
-        <p:spPr>
-          <a:xfrm>
-            <a:off x="6012160" y="5809002"/>
-            <a:ext cx="1080120" cy="369332"/>
-          </a:xfrm>
-          <a:prstGeom prst="rect">
-            <a:avLst/>
-          </a:prstGeom>
-          <a:noFill/>
-        </p:spPr>
-        <p:txBody>
-          <a:bodyPr wrap="square" rtlCol="0">
-            <a:spAutoFit/>
-          </a:bodyPr>
-          <a:lstStyle/>
-          <a:p>
-            <a:r>
-              <a:rPr lang="en-GB" dirty="0" smtClean="0"/>
-              <a:t>Picture 3</a:t>
-            </a:r>
-            <a:endParaRPr lang="en-GB" dirty="0"/>
-          </a:p>
-        </p:txBody>
-      </p:sp>
-      <p:sp>
-        <p:nvSpPr>
-          <p:cNvPr id="35" name="TextBox 34"/>
-          <p:cNvSpPr txBox="1"/>
-          <p:nvPr/>
-        </p:nvSpPr>
-        <p:spPr>
-          <a:xfrm>
-            <a:off x="539552" y="4760331"/>
-            <a:ext cx="3816424" cy="523220"/>
-          </a:xfrm>
-          <a:prstGeom prst="rect">
-            <a:avLst/>
-          </a:prstGeom>
-          <a:noFill/>
-        </p:spPr>
-        <p:txBody>
-          <a:bodyPr wrap="square" rtlCol="0">
-            <a:spAutoFit/>
-          </a:bodyPr>
-          <a:lstStyle/>
-          <a:p>
-            <a:r>
-              <a:rPr lang="en-GB" sz="2800" dirty="0" smtClean="0"/>
-              <a:t>Newest</a:t>
-            </a:r>
-            <a:endParaRPr lang="en-GB" sz="2800" dirty="0"/>
-          </a:p>
-        </p:txBody>
-      </p:sp>
-      <p:sp>
-        <p:nvSpPr>
-          <p:cNvPr id="36" name="TextBox 35"/>
-          <p:cNvSpPr txBox="1"/>
-          <p:nvPr/>
-        </p:nvSpPr>
-        <p:spPr>
-          <a:xfrm>
-            <a:off x="1835696" y="5432495"/>
-            <a:ext cx="1224136" cy="923330"/>
-          </a:xfrm>
-          <a:prstGeom prst="rect">
-            <a:avLst/>
-          </a:prstGeom>
-          <a:noFill/>
-        </p:spPr>
-        <p:txBody>
-          <a:bodyPr wrap="square" rtlCol="0">
-            <a:spAutoFit/>
-          </a:bodyPr>
-          <a:lstStyle/>
-          <a:p>
-            <a:r>
-              <a:rPr lang="en-GB" dirty="0" smtClean="0"/>
-              <a:t>Recipe 1</a:t>
-            </a:r>
-          </a:p>
-          <a:p>
-            <a:r>
-              <a:rPr lang="en-GB" dirty="0" smtClean="0"/>
-              <a:t>User 1</a:t>
-            </a:r>
-          </a:p>
-          <a:p>
-            <a:r>
-              <a:rPr lang="en-GB" dirty="0" smtClean="0"/>
-              <a:t>Rating 1</a:t>
-            </a:r>
-            <a:endParaRPr lang="en-GB" dirty="0"/>
-          </a:p>
-        </p:txBody>
-      </p:sp>
-      <p:sp>
-        <p:nvSpPr>
-          <p:cNvPr id="37" name="TextBox 36"/>
-          <p:cNvSpPr txBox="1"/>
-          <p:nvPr/>
-        </p:nvSpPr>
-        <p:spPr>
-          <a:xfrm>
-            <a:off x="4572000" y="5448790"/>
-            <a:ext cx="1224136" cy="923330"/>
-          </a:xfrm>
-          <a:prstGeom prst="rect">
-            <a:avLst/>
-          </a:prstGeom>
-          <a:noFill/>
-        </p:spPr>
-        <p:txBody>
-          <a:bodyPr wrap="square" rtlCol="0">
-            <a:spAutoFit/>
-          </a:bodyPr>
-          <a:lstStyle/>
-          <a:p>
-            <a:r>
-              <a:rPr lang="en-GB" dirty="0" smtClean="0"/>
-              <a:t>Recipe 2</a:t>
-            </a:r>
-          </a:p>
-          <a:p>
-            <a:r>
-              <a:rPr lang="en-GB" dirty="0" smtClean="0"/>
-              <a:t>User 2</a:t>
-            </a:r>
-          </a:p>
-          <a:p>
-            <a:r>
-              <a:rPr lang="en-GB" dirty="0" smtClean="0"/>
-              <a:t>Rating 2</a:t>
-            </a:r>
-          </a:p>
-        </p:txBody>
-      </p:sp>
-      <p:sp>
-        <p:nvSpPr>
-          <p:cNvPr id="38" name="TextBox 37"/>
-          <p:cNvSpPr txBox="1"/>
-          <p:nvPr/>
-        </p:nvSpPr>
-        <p:spPr>
-          <a:xfrm>
-            <a:off x="7279463" y="5484966"/>
-            <a:ext cx="1224136" cy="923330"/>
-          </a:xfrm>
-          <a:prstGeom prst="rect">
-            <a:avLst/>
-          </a:prstGeom>
-          <a:noFill/>
-        </p:spPr>
-        <p:txBody>
-          <a:bodyPr wrap="square" rtlCol="0">
-            <a:spAutoFit/>
-          </a:bodyPr>
-          <a:lstStyle/>
-          <a:p>
-            <a:r>
-              <a:rPr lang="en-GB" dirty="0" smtClean="0"/>
-              <a:t>Recipe 3</a:t>
-            </a:r>
-          </a:p>
-          <a:p>
-            <a:r>
-              <a:rPr lang="en-GB" dirty="0" smtClean="0"/>
-              <a:t>User 3</a:t>
-            </a:r>
-          </a:p>
-          <a:p>
-            <a:r>
-              <a:rPr lang="en-GB" dirty="0" smtClean="0"/>
-              <a:t>Rating 3</a:t>
-            </a:r>
-            <a:endParaRPr lang="en-GB" dirty="0"/>
-          </a:p>
-        </p:txBody>
-      </p:sp>
-      <p:sp>
-        <p:nvSpPr>
-          <p:cNvPr id="39" name="TextBox 38"/>
-          <p:cNvSpPr txBox="1"/>
-          <p:nvPr/>
-        </p:nvSpPr>
-        <p:spPr>
-          <a:xfrm>
-            <a:off x="611560" y="1669450"/>
-            <a:ext cx="1224136" cy="369332"/>
-          </a:xfrm>
-          <a:prstGeom prst="rect">
-            <a:avLst/>
-          </a:prstGeom>
-          <a:noFill/>
-        </p:spPr>
-        <p:txBody>
-          <a:bodyPr wrap="square" rtlCol="0">
-            <a:spAutoFit/>
-          </a:bodyPr>
-          <a:lstStyle/>
-          <a:p>
-            <a:r>
-              <a:rPr lang="en-GB" dirty="0" smtClean="0"/>
-              <a:t>Categories</a:t>
-            </a:r>
-            <a:endParaRPr lang="en-GB" dirty="0"/>
-          </a:p>
-        </p:txBody>
-      </p:sp>
-      <p:sp>
-        <p:nvSpPr>
-          <p:cNvPr id="40" name="TextBox 39"/>
-          <p:cNvSpPr txBox="1"/>
-          <p:nvPr/>
-        </p:nvSpPr>
-        <p:spPr>
-          <a:xfrm>
-            <a:off x="7325955" y="1681016"/>
-            <a:ext cx="1296144" cy="369332"/>
-          </a:xfrm>
-          <a:prstGeom prst="rect">
-            <a:avLst/>
-          </a:prstGeom>
-          <a:noFill/>
-        </p:spPr>
-        <p:txBody>
-          <a:bodyPr wrap="square" rtlCol="0">
-            <a:spAutoFit/>
-          </a:bodyPr>
-          <a:lstStyle/>
-          <a:p>
-            <a:r>
-              <a:rPr lang="en-GB" dirty="0" smtClean="0"/>
-              <a:t>Help/About</a:t>
-            </a:r>
-            <a:endParaRPr lang="en-GB" dirty="0"/>
-          </a:p>
-        </p:txBody>
-      </p:sp>
-      <p:sp>
-        <p:nvSpPr>
-          <p:cNvPr id="41" name="TextBox 40"/>
-          <p:cNvSpPr txBox="1"/>
-          <p:nvPr/>
-        </p:nvSpPr>
-        <p:spPr>
-          <a:xfrm>
-            <a:off x="2339752" y="1669450"/>
-            <a:ext cx="864096" cy="369332"/>
-          </a:xfrm>
-          <a:prstGeom prst="rect">
-            <a:avLst/>
-          </a:prstGeom>
-          <a:noFill/>
-        </p:spPr>
-        <p:txBody>
-          <a:bodyPr wrap="square" rtlCol="0">
-            <a:spAutoFit/>
-          </a:bodyPr>
-          <a:lstStyle/>
-          <a:p>
-            <a:r>
-              <a:rPr lang="en-GB" dirty="0" smtClean="0"/>
-              <a:t>Search</a:t>
-            </a:r>
-            <a:endParaRPr lang="en-GB" dirty="0"/>
-          </a:p>
-        </p:txBody>
-      </p:sp>
-      <p:sp>
-        <p:nvSpPr>
-          <p:cNvPr id="42" name="Rounded Rectangle 41"/>
-          <p:cNvSpPr/>
-          <p:nvPr/>
-        </p:nvSpPr>
-        <p:spPr>
-          <a:xfrm>
-            <a:off x="3203848" y="1726916"/>
-            <a:ext cx="3672408" cy="277532"/>
-          </a:xfrm>
-          <a:prstGeom prst="roundRect">
-            <a:avLst/>
-          </a:prstGeom>
-          <a:noFill/>
-          <a:ln>
-            <a:solidFill>
-              <a:schemeClr val="tx1"/>
-            </a:solidFill>
-          </a:ln>
-        </p:spPr>
-        <p:style>
-          <a:lnRef idx="2">
-            <a:schemeClr val="accent1">
-              <a:shade val="50000"/>
-            </a:schemeClr>
-          </a:lnRef>
-          <a:fillRef idx="1">
-            <a:schemeClr val="accent1"/>
-          </a:fillRef>
-          <a:effectRef idx="0">
-            <a:schemeClr val="accent1"/>
-          </a:effectRef>
-          <a:fontRef idx="minor">
-            <a:schemeClr val="lt1"/>
-          </a:fontRef>
-        </p:style>
-        <p:txBody>
-          <a:bodyPr rtlCol="0" anchor="ctr"/>
-          <a:lstStyle/>
-          <a:p>
-            <a:pPr algn="ctr"/>
-            <a:endParaRPr lang="en-GB"/>
           </a:p>
         </p:txBody>
       </p:sp>
     </p:spTree>
     <p:extLst>
       <p:ext uri="{BB962C8B-B14F-4D97-AF65-F5344CB8AC3E}">
-        <p14:creationId xmlns:p14="http://schemas.microsoft.com/office/powerpoint/2010/main" val="3844769780"/>
+        <p14:creationId xmlns:p14="http://schemas.microsoft.com/office/powerpoint/2010/main" val="568269292"/>
       </p:ext>
     </p:extLst>
   </p:cSld>
   <p:clrMapOvr>
     <a:masterClrMapping/>
   </p:clrMapOvr>
+  <p:timing>
+    <p:tnLst>
+      <p:par>
+        <p:cTn id="1" dur="indefinite" restart="never" nodeType="tmRoot"/>
+      </p:par>
+    </p:tnLst>
+  </p:timing>
 </p:sld>
 </file>
 
@@ -5033,4 +10329,289 @@
   <a:objectDefaults/>
   <a:extraClrSchemeLst/>
 </a:theme>
+</file>
+
+<file path=ppt/theme/theme2.xml><?xml version="1.0" encoding="utf-8"?>
+<a:theme xmlns:a="http://schemas.openxmlformats.org/drawingml/2006/main" name="Office Theme">
+  <a:themeElements>
+    <a:clrScheme name="Office">
+      <a:dk1>
+        <a:sysClr val="windowText" lastClr="000000"/>
+      </a:dk1>
+      <a:lt1>
+        <a:sysClr val="window" lastClr="FFFFFF"/>
+      </a:lt1>
+      <a:dk2>
+        <a:srgbClr val="1F497D"/>
+      </a:dk2>
+      <a:lt2>
+        <a:srgbClr val="EEECE1"/>
+      </a:lt2>
+      <a:accent1>
+        <a:srgbClr val="4F81BD"/>
+      </a:accent1>
+      <a:accent2>
+        <a:srgbClr val="C0504D"/>
+      </a:accent2>
+      <a:accent3>
+        <a:srgbClr val="9BBB59"/>
+      </a:accent3>
+      <a:accent4>
+        <a:srgbClr val="8064A2"/>
+      </a:accent4>
+      <a:accent5>
+        <a:srgbClr val="4BACC6"/>
+      </a:accent5>
+      <a:accent6>
+        <a:srgbClr val="F79646"/>
+      </a:accent6>
+      <a:hlink>
+        <a:srgbClr val="0000FF"/>
+      </a:hlink>
+      <a:folHlink>
+        <a:srgbClr val="800080"/>
+      </a:folHlink>
+    </a:clrScheme>
+    <a:fontScheme name="Office">
+      <a:majorFont>
+        <a:latin typeface="Calibri"/>
+        <a:ea typeface=""/>
+        <a:cs typeface=""/>
+        <a:font script="Jpan" typeface="ＭＳ Ｐゴシック"/>
+        <a:font script="Hang" typeface="맑은 고딕"/>
+        <a:font script="Hans" typeface="宋体"/>
+        <a:font script="Hant" typeface="新細明體"/>
+        <a:font script="Arab" typeface="Times New Roman"/>
+        <a:font script="Hebr" typeface="Times New Roman"/>
+        <a:font script="Thai" typeface="Angsana New"/>
+        <a:font script="Ethi" typeface="Nyala"/>
+        <a:font script="Beng" typeface="Vrinda"/>
+        <a:font script="Gujr" typeface="Shruti"/>
+        <a:font script="Khmr" typeface="MoolBoran"/>
+        <a:font script="Knda" typeface="Tunga"/>
+        <a:font script="Guru" typeface="Raavi"/>
+        <a:font script="Cans" typeface="Euphemia"/>
+        <a:font script="Cher" typeface="Plantagenet Cherokee"/>
+        <a:font script="Yiii" typeface="Microsoft Yi Baiti"/>
+        <a:font script="Tibt" typeface="Microsoft Himalaya"/>
+        <a:font script="Thaa" typeface="MV Boli"/>
+        <a:font script="Deva" typeface="Mangal"/>
+        <a:font script="Telu" typeface="Gautami"/>
+        <a:font script="Taml" typeface="Latha"/>
+        <a:font script="Syrc" typeface="Estrangelo Edessa"/>
+        <a:font script="Orya" typeface="Kalinga"/>
+        <a:font script="Mlym" typeface="Kartika"/>
+        <a:font script="Laoo" typeface="DokChampa"/>
+        <a:font script="Sinh" typeface="Iskoola Pota"/>
+        <a:font script="Mong" typeface="Mongolian Baiti"/>
+        <a:font script="Viet" typeface="Times New Roman"/>
+        <a:font script="Uigh" typeface="Microsoft Uighur"/>
+        <a:font script="Geor" typeface="Sylfaen"/>
+      </a:majorFont>
+      <a:minorFont>
+        <a:latin typeface="Calibri"/>
+        <a:ea typeface=""/>
+        <a:cs typeface=""/>
+        <a:font script="Jpan" typeface="ＭＳ Ｐゴシック"/>
+        <a:font script="Hang" typeface="맑은 고딕"/>
+        <a:font script="Hans" typeface="宋体"/>
+        <a:font script="Hant" typeface="新細明體"/>
+        <a:font script="Arab" typeface="Arial"/>
+        <a:font script="Hebr" typeface="Arial"/>
+        <a:font script="Thai" typeface="Cordia New"/>
+        <a:font script="Ethi" typeface="Nyala"/>
+        <a:font script="Beng" typeface="Vrinda"/>
+        <a:font script="Gujr" typeface="Shruti"/>
+        <a:font script="Khmr" typeface="DaunPenh"/>
+        <a:font script="Knda" typeface="Tunga"/>
+        <a:font script="Guru" typeface="Raavi"/>
+        <a:font script="Cans" typeface="Euphemia"/>
+        <a:font script="Cher" typeface="Plantagenet Cherokee"/>
+        <a:font script="Yiii" typeface="Microsoft Yi Baiti"/>
+        <a:font script="Tibt" typeface="Microsoft Himalaya"/>
+        <a:font script="Thaa" typeface="MV Boli"/>
+        <a:font script="Deva" typeface="Mangal"/>
+        <a:font script="Telu" typeface="Gautami"/>
+        <a:font script="Taml" typeface="Latha"/>
+        <a:font script="Syrc" typeface="Estrangelo Edessa"/>
+        <a:font script="Orya" typeface="Kalinga"/>
+        <a:font script="Mlym" typeface="Kartika"/>
+        <a:font script="Laoo" typeface="DokChampa"/>
+        <a:font script="Sinh" typeface="Iskoola Pota"/>
+        <a:font script="Mong" typeface="Mongolian Baiti"/>
+        <a:font script="Viet" typeface="Arial"/>
+        <a:font script="Uigh" typeface="Microsoft Uighur"/>
+        <a:font script="Geor" typeface="Sylfaen"/>
+      </a:minorFont>
+    </a:fontScheme>
+    <a:fmtScheme name="Office">
+      <a:fillStyleLst>
+        <a:solidFill>
+          <a:schemeClr val="phClr"/>
+        </a:solidFill>
+        <a:gradFill rotWithShape="1">
+          <a:gsLst>
+            <a:gs pos="0">
+              <a:schemeClr val="phClr">
+                <a:tint val="50000"/>
+                <a:satMod val="300000"/>
+              </a:schemeClr>
+            </a:gs>
+            <a:gs pos="35000">
+              <a:schemeClr val="phClr">
+                <a:tint val="37000"/>
+                <a:satMod val="300000"/>
+              </a:schemeClr>
+            </a:gs>
+            <a:gs pos="100000">
+              <a:schemeClr val="phClr">
+                <a:tint val="15000"/>
+                <a:satMod val="350000"/>
+              </a:schemeClr>
+            </a:gs>
+          </a:gsLst>
+          <a:lin ang="16200000" scaled="1"/>
+        </a:gradFill>
+        <a:gradFill rotWithShape="1">
+          <a:gsLst>
+            <a:gs pos="0">
+              <a:schemeClr val="phClr">
+                <a:shade val="51000"/>
+                <a:satMod val="130000"/>
+              </a:schemeClr>
+            </a:gs>
+            <a:gs pos="80000">
+              <a:schemeClr val="phClr">
+                <a:shade val="93000"/>
+                <a:satMod val="130000"/>
+              </a:schemeClr>
+            </a:gs>
+            <a:gs pos="100000">
+              <a:schemeClr val="phClr">
+                <a:shade val="94000"/>
+                <a:satMod val="135000"/>
+              </a:schemeClr>
+            </a:gs>
+          </a:gsLst>
+          <a:lin ang="16200000" scaled="0"/>
+        </a:gradFill>
+      </a:fillStyleLst>
+      <a:lnStyleLst>
+        <a:ln w="9525" cap="flat" cmpd="sng" algn="ctr">
+          <a:solidFill>
+            <a:schemeClr val="phClr">
+              <a:shade val="95000"/>
+              <a:satMod val="105000"/>
+            </a:schemeClr>
+          </a:solidFill>
+          <a:prstDash val="solid"/>
+        </a:ln>
+        <a:ln w="25400" cap="flat" cmpd="sng" algn="ctr">
+          <a:solidFill>
+            <a:schemeClr val="phClr"/>
+          </a:solidFill>
+          <a:prstDash val="solid"/>
+        </a:ln>
+        <a:ln w="38100" cap="flat" cmpd="sng" algn="ctr">
+          <a:solidFill>
+            <a:schemeClr val="phClr"/>
+          </a:solidFill>
+          <a:prstDash val="solid"/>
+        </a:ln>
+      </a:lnStyleLst>
+      <a:effectStyleLst>
+        <a:effectStyle>
+          <a:effectLst>
+            <a:outerShdw blurRad="40000" dist="20000" dir="5400000" rotWithShape="0">
+              <a:srgbClr val="000000">
+                <a:alpha val="38000"/>
+              </a:srgbClr>
+            </a:outerShdw>
+          </a:effectLst>
+        </a:effectStyle>
+        <a:effectStyle>
+          <a:effectLst>
+            <a:outerShdw blurRad="40000" dist="23000" dir="5400000" rotWithShape="0">
+              <a:srgbClr val="000000">
+                <a:alpha val="35000"/>
+              </a:srgbClr>
+            </a:outerShdw>
+          </a:effectLst>
+        </a:effectStyle>
+        <a:effectStyle>
+          <a:effectLst>
+            <a:outerShdw blurRad="40000" dist="23000" dir="5400000" rotWithShape="0">
+              <a:srgbClr val="000000">
+                <a:alpha val="35000"/>
+              </a:srgbClr>
+            </a:outerShdw>
+          </a:effectLst>
+          <a:scene3d>
+            <a:camera prst="orthographicFront">
+              <a:rot lat="0" lon="0" rev="0"/>
+            </a:camera>
+            <a:lightRig rig="threePt" dir="t">
+              <a:rot lat="0" lon="0" rev="1200000"/>
+            </a:lightRig>
+          </a:scene3d>
+          <a:sp3d>
+            <a:bevelT w="63500" h="25400"/>
+          </a:sp3d>
+        </a:effectStyle>
+      </a:effectStyleLst>
+      <a:bgFillStyleLst>
+        <a:solidFill>
+          <a:schemeClr val="phClr"/>
+        </a:solidFill>
+        <a:gradFill rotWithShape="1">
+          <a:gsLst>
+            <a:gs pos="0">
+              <a:schemeClr val="phClr">
+                <a:tint val="40000"/>
+                <a:satMod val="350000"/>
+              </a:schemeClr>
+            </a:gs>
+            <a:gs pos="40000">
+              <a:schemeClr val="phClr">
+                <a:tint val="45000"/>
+                <a:shade val="99000"/>
+                <a:satMod val="350000"/>
+              </a:schemeClr>
+            </a:gs>
+            <a:gs pos="100000">
+              <a:schemeClr val="phClr">
+                <a:shade val="20000"/>
+                <a:satMod val="255000"/>
+              </a:schemeClr>
+            </a:gs>
+          </a:gsLst>
+          <a:path path="circle">
+            <a:fillToRect l="50000" t="-80000" r="50000" b="180000"/>
+          </a:path>
+        </a:gradFill>
+        <a:gradFill rotWithShape="1">
+          <a:gsLst>
+            <a:gs pos="0">
+              <a:schemeClr val="phClr">
+                <a:tint val="80000"/>
+                <a:satMod val="300000"/>
+              </a:schemeClr>
+            </a:gs>
+            <a:gs pos="100000">
+              <a:schemeClr val="phClr">
+                <a:shade val="30000"/>
+                <a:satMod val="200000"/>
+              </a:schemeClr>
+            </a:gs>
+          </a:gsLst>
+          <a:path path="circle">
+            <a:fillToRect l="50000" t="50000" r="50000" b="50000"/>
+          </a:path>
+        </a:gradFill>
+      </a:bgFillStyleLst>
+    </a:fmtScheme>
+  </a:themeElements>
+  <a:objectDefaults/>
+  <a:extraClrSchemeLst/>
+</a:theme>
 </file>